--- a/□□□ゲーム(仮).pptx
+++ b/□□□ゲーム(仮).pptx
@@ -4,8 +4,14 @@
   <p:sldMasterIdLst>
     <p:sldMasterId id="2147483648" r:id="rId1"/>
   </p:sldMasterIdLst>
+  <p:notesMasterIdLst>
+    <p:notesMasterId r:id="rId6"/>
+  </p:notesMasterIdLst>
   <p:sldIdLst>
     <p:sldId id="256" r:id="rId2"/>
+    <p:sldId id="258" r:id="rId3"/>
+    <p:sldId id="259" r:id="rId4"/>
+    <p:sldId id="257" r:id="rId5"/>
   </p:sldIdLst>
   <p:sldSz cx="12192000" cy="6858000"/>
   <p:notesSz cx="6858000" cy="9144000"/>
@@ -112,6 +118,472 @@
 </p:presentation>
 </file>
 
+<file path=ppt/notesMasters/notesMaster1.xml><?xml version="1.0" encoding="utf-8"?>
+<p:notesMaster xmlns:a="http://schemas.openxmlformats.org/drawingml/2006/main" xmlns:r="http://schemas.openxmlformats.org/officeDocument/2006/relationships" xmlns:p="http://schemas.openxmlformats.org/presentationml/2006/main">
+  <p:cSld>
+    <p:bg>
+      <p:bgRef idx="1001">
+        <a:schemeClr val="bg1"/>
+      </p:bgRef>
+    </p:bg>
+    <p:spTree>
+      <p:nvGrpSpPr>
+        <p:cNvPr id="1" name=""/>
+        <p:cNvGrpSpPr/>
+        <p:nvPr/>
+      </p:nvGrpSpPr>
+      <p:grpSpPr>
+        <a:xfrm>
+          <a:off x="0" y="0"/>
+          <a:ext cx="0" cy="0"/>
+          <a:chOff x="0" y="0"/>
+          <a:chExt cx="0" cy="0"/>
+        </a:xfrm>
+      </p:grpSpPr>
+      <p:sp>
+        <p:nvSpPr>
+          <p:cNvPr id="2" name="ヘッダー プレースホルダー 1"/>
+          <p:cNvSpPr>
+            <a:spLocks noGrp="1"/>
+          </p:cNvSpPr>
+          <p:nvPr>
+            <p:ph type="hdr" sz="quarter"/>
+          </p:nvPr>
+        </p:nvSpPr>
+        <p:spPr>
+          <a:xfrm>
+            <a:off x="0" y="0"/>
+            <a:ext cx="2971800" cy="458788"/>
+          </a:xfrm>
+          <a:prstGeom prst="rect">
+            <a:avLst/>
+          </a:prstGeom>
+        </p:spPr>
+        <p:txBody>
+          <a:bodyPr vert="horz" lIns="91440" tIns="45720" rIns="91440" bIns="45720" rtlCol="0"/>
+          <a:lstStyle>
+            <a:lvl1pPr algn="l">
+              <a:defRPr sz="1200"/>
+            </a:lvl1pPr>
+          </a:lstStyle>
+          <a:p>
+            <a:endParaRPr kumimoji="1" lang="ja-JP" altLang="en-US"/>
+          </a:p>
+        </p:txBody>
+      </p:sp>
+      <p:sp>
+        <p:nvSpPr>
+          <p:cNvPr id="3" name="日付プレースホルダー 2"/>
+          <p:cNvSpPr>
+            <a:spLocks noGrp="1"/>
+          </p:cNvSpPr>
+          <p:nvPr>
+            <p:ph type="dt" idx="1"/>
+          </p:nvPr>
+        </p:nvSpPr>
+        <p:spPr>
+          <a:xfrm>
+            <a:off x="3884613" y="0"/>
+            <a:ext cx="2971800" cy="458788"/>
+          </a:xfrm>
+          <a:prstGeom prst="rect">
+            <a:avLst/>
+          </a:prstGeom>
+        </p:spPr>
+        <p:txBody>
+          <a:bodyPr vert="horz" lIns="91440" tIns="45720" rIns="91440" bIns="45720" rtlCol="0"/>
+          <a:lstStyle>
+            <a:lvl1pPr algn="r">
+              <a:defRPr sz="1200"/>
+            </a:lvl1pPr>
+          </a:lstStyle>
+          <a:p>
+            <a:fld id="{94869531-5E3E-498E-9ECE-00ABEC0EC061}" type="datetimeFigureOut">
+              <a:rPr kumimoji="1" lang="ja-JP" altLang="en-US" smtClean="0"/>
+              <a:t>2022/10/28</a:t>
+            </a:fld>
+            <a:endParaRPr kumimoji="1" lang="ja-JP" altLang="en-US"/>
+          </a:p>
+        </p:txBody>
+      </p:sp>
+      <p:sp>
+        <p:nvSpPr>
+          <p:cNvPr id="4" name="スライド イメージ プレースホルダー 3"/>
+          <p:cNvSpPr>
+            <a:spLocks noGrp="1" noRot="1" noChangeAspect="1"/>
+          </p:cNvSpPr>
+          <p:nvPr>
+            <p:ph type="sldImg" idx="2"/>
+          </p:nvPr>
+        </p:nvSpPr>
+        <p:spPr>
+          <a:xfrm>
+            <a:off x="685800" y="1143000"/>
+            <a:ext cx="5486400" cy="3086100"/>
+          </a:xfrm>
+          <a:prstGeom prst="rect">
+            <a:avLst/>
+          </a:prstGeom>
+          <a:noFill/>
+          <a:ln w="12700">
+            <a:solidFill>
+              <a:prstClr val="black"/>
+            </a:solidFill>
+          </a:ln>
+        </p:spPr>
+        <p:txBody>
+          <a:bodyPr vert="horz" lIns="91440" tIns="45720" rIns="91440" bIns="45720" rtlCol="0" anchor="ctr"/>
+          <a:lstStyle/>
+          <a:p>
+            <a:endParaRPr lang="ja-JP" altLang="en-US"/>
+          </a:p>
+        </p:txBody>
+      </p:sp>
+      <p:sp>
+        <p:nvSpPr>
+          <p:cNvPr id="5" name="ノート プレースホルダー 4"/>
+          <p:cNvSpPr>
+            <a:spLocks noGrp="1"/>
+          </p:cNvSpPr>
+          <p:nvPr>
+            <p:ph type="body" sz="quarter" idx="3"/>
+          </p:nvPr>
+        </p:nvSpPr>
+        <p:spPr>
+          <a:xfrm>
+            <a:off x="685800" y="4400550"/>
+            <a:ext cx="5486400" cy="3600450"/>
+          </a:xfrm>
+          <a:prstGeom prst="rect">
+            <a:avLst/>
+          </a:prstGeom>
+        </p:spPr>
+        <p:txBody>
+          <a:bodyPr vert="horz" lIns="91440" tIns="45720" rIns="91440" bIns="45720" rtlCol="0"/>
+          <a:lstStyle/>
+          <a:p>
+            <a:pPr lvl="0"/>
+            <a:r>
+              <a:rPr kumimoji="1" lang="ja-JP" altLang="en-US" smtClean="0"/>
+              <a:t>マスター テキストの書式設定</a:t>
+            </a:r>
+          </a:p>
+          <a:p>
+            <a:pPr lvl="1"/>
+            <a:r>
+              <a:rPr kumimoji="1" lang="ja-JP" altLang="en-US" smtClean="0"/>
+              <a:t>第 </a:t>
+            </a:r>
+            <a:r>
+              <a:rPr kumimoji="1" lang="en-US" altLang="ja-JP" smtClean="0"/>
+              <a:t>2 </a:t>
+            </a:r>
+            <a:r>
+              <a:rPr kumimoji="1" lang="ja-JP" altLang="en-US" smtClean="0"/>
+              <a:t>レベル</a:t>
+            </a:r>
+          </a:p>
+          <a:p>
+            <a:pPr lvl="2"/>
+            <a:r>
+              <a:rPr kumimoji="1" lang="ja-JP" altLang="en-US" smtClean="0"/>
+              <a:t>第 </a:t>
+            </a:r>
+            <a:r>
+              <a:rPr kumimoji="1" lang="en-US" altLang="ja-JP" smtClean="0"/>
+              <a:t>3 </a:t>
+            </a:r>
+            <a:r>
+              <a:rPr kumimoji="1" lang="ja-JP" altLang="en-US" smtClean="0"/>
+              <a:t>レベル</a:t>
+            </a:r>
+          </a:p>
+          <a:p>
+            <a:pPr lvl="3"/>
+            <a:r>
+              <a:rPr kumimoji="1" lang="ja-JP" altLang="en-US" smtClean="0"/>
+              <a:t>第 </a:t>
+            </a:r>
+            <a:r>
+              <a:rPr kumimoji="1" lang="en-US" altLang="ja-JP" smtClean="0"/>
+              <a:t>4 </a:t>
+            </a:r>
+            <a:r>
+              <a:rPr kumimoji="1" lang="ja-JP" altLang="en-US" smtClean="0"/>
+              <a:t>レベル</a:t>
+            </a:r>
+          </a:p>
+          <a:p>
+            <a:pPr lvl="4"/>
+            <a:r>
+              <a:rPr kumimoji="1" lang="ja-JP" altLang="en-US" smtClean="0"/>
+              <a:t>第 </a:t>
+            </a:r>
+            <a:r>
+              <a:rPr kumimoji="1" lang="en-US" altLang="ja-JP" smtClean="0"/>
+              <a:t>5 </a:t>
+            </a:r>
+            <a:r>
+              <a:rPr kumimoji="1" lang="ja-JP" altLang="en-US" smtClean="0"/>
+              <a:t>レベル</a:t>
+            </a:r>
+            <a:endParaRPr kumimoji="1" lang="ja-JP" altLang="en-US"/>
+          </a:p>
+        </p:txBody>
+      </p:sp>
+      <p:sp>
+        <p:nvSpPr>
+          <p:cNvPr id="6" name="フッター プレースホルダー 5"/>
+          <p:cNvSpPr>
+            <a:spLocks noGrp="1"/>
+          </p:cNvSpPr>
+          <p:nvPr>
+            <p:ph type="ftr" sz="quarter" idx="4"/>
+          </p:nvPr>
+        </p:nvSpPr>
+        <p:spPr>
+          <a:xfrm>
+            <a:off x="0" y="8685213"/>
+            <a:ext cx="2971800" cy="458787"/>
+          </a:xfrm>
+          <a:prstGeom prst="rect">
+            <a:avLst/>
+          </a:prstGeom>
+        </p:spPr>
+        <p:txBody>
+          <a:bodyPr vert="horz" lIns="91440" tIns="45720" rIns="91440" bIns="45720" rtlCol="0" anchor="b"/>
+          <a:lstStyle>
+            <a:lvl1pPr algn="l">
+              <a:defRPr sz="1200"/>
+            </a:lvl1pPr>
+          </a:lstStyle>
+          <a:p>
+            <a:endParaRPr kumimoji="1" lang="ja-JP" altLang="en-US"/>
+          </a:p>
+        </p:txBody>
+      </p:sp>
+      <p:sp>
+        <p:nvSpPr>
+          <p:cNvPr id="7" name="スライド番号プレースホルダー 6"/>
+          <p:cNvSpPr>
+            <a:spLocks noGrp="1"/>
+          </p:cNvSpPr>
+          <p:nvPr>
+            <p:ph type="sldNum" sz="quarter" idx="5"/>
+          </p:nvPr>
+        </p:nvSpPr>
+        <p:spPr>
+          <a:xfrm>
+            <a:off x="3884613" y="8685213"/>
+            <a:ext cx="2971800" cy="458787"/>
+          </a:xfrm>
+          <a:prstGeom prst="rect">
+            <a:avLst/>
+          </a:prstGeom>
+        </p:spPr>
+        <p:txBody>
+          <a:bodyPr vert="horz" lIns="91440" tIns="45720" rIns="91440" bIns="45720" rtlCol="0" anchor="b"/>
+          <a:lstStyle>
+            <a:lvl1pPr algn="r">
+              <a:defRPr sz="1200"/>
+            </a:lvl1pPr>
+          </a:lstStyle>
+          <a:p>
+            <a:fld id="{60CD542F-1A79-4486-B3E9-700F8CC780A2}" type="slidenum">
+              <a:rPr kumimoji="1" lang="ja-JP" altLang="en-US" smtClean="0"/>
+              <a:t>‹#›</a:t>
+            </a:fld>
+            <a:endParaRPr kumimoji="1" lang="ja-JP" altLang="en-US"/>
+          </a:p>
+        </p:txBody>
+      </p:sp>
+    </p:spTree>
+    <p:extLst>
+      <p:ext uri="{BB962C8B-B14F-4D97-AF65-F5344CB8AC3E}">
+        <p14:creationId xmlns:p14="http://schemas.microsoft.com/office/powerpoint/2010/main" val="4070279703"/>
+      </p:ext>
+    </p:extLst>
+  </p:cSld>
+  <p:clrMap bg1="lt1" tx1="dk1" bg2="lt2" tx2="dk2" accent1="accent1" accent2="accent2" accent3="accent3" accent4="accent4" accent5="accent5" accent6="accent6" hlink="hlink" folHlink="folHlink"/>
+  <p:notesStyle>
+    <a:lvl1pPr marL="0" algn="l" defTabSz="914400" rtl="0" eaLnBrk="1" latinLnBrk="0" hangingPunct="1">
+      <a:defRPr kumimoji="1" sz="1200" kern="1200">
+        <a:solidFill>
+          <a:schemeClr val="tx1"/>
+        </a:solidFill>
+        <a:latin typeface="+mn-lt"/>
+        <a:ea typeface="+mn-ea"/>
+        <a:cs typeface="+mn-cs"/>
+      </a:defRPr>
+    </a:lvl1pPr>
+    <a:lvl2pPr marL="457200" algn="l" defTabSz="914400" rtl="0" eaLnBrk="1" latinLnBrk="0" hangingPunct="1">
+      <a:defRPr kumimoji="1" sz="1200" kern="1200">
+        <a:solidFill>
+          <a:schemeClr val="tx1"/>
+        </a:solidFill>
+        <a:latin typeface="+mn-lt"/>
+        <a:ea typeface="+mn-ea"/>
+        <a:cs typeface="+mn-cs"/>
+      </a:defRPr>
+    </a:lvl2pPr>
+    <a:lvl3pPr marL="914400" algn="l" defTabSz="914400" rtl="0" eaLnBrk="1" latinLnBrk="0" hangingPunct="1">
+      <a:defRPr kumimoji="1" sz="1200" kern="1200">
+        <a:solidFill>
+          <a:schemeClr val="tx1"/>
+        </a:solidFill>
+        <a:latin typeface="+mn-lt"/>
+        <a:ea typeface="+mn-ea"/>
+        <a:cs typeface="+mn-cs"/>
+      </a:defRPr>
+    </a:lvl3pPr>
+    <a:lvl4pPr marL="1371600" algn="l" defTabSz="914400" rtl="0" eaLnBrk="1" latinLnBrk="0" hangingPunct="1">
+      <a:defRPr kumimoji="1" sz="1200" kern="1200">
+        <a:solidFill>
+          <a:schemeClr val="tx1"/>
+        </a:solidFill>
+        <a:latin typeface="+mn-lt"/>
+        <a:ea typeface="+mn-ea"/>
+        <a:cs typeface="+mn-cs"/>
+      </a:defRPr>
+    </a:lvl4pPr>
+    <a:lvl5pPr marL="1828800" algn="l" defTabSz="914400" rtl="0" eaLnBrk="1" latinLnBrk="0" hangingPunct="1">
+      <a:defRPr kumimoji="1" sz="1200" kern="1200">
+        <a:solidFill>
+          <a:schemeClr val="tx1"/>
+        </a:solidFill>
+        <a:latin typeface="+mn-lt"/>
+        <a:ea typeface="+mn-ea"/>
+        <a:cs typeface="+mn-cs"/>
+      </a:defRPr>
+    </a:lvl5pPr>
+    <a:lvl6pPr marL="2286000" algn="l" defTabSz="914400" rtl="0" eaLnBrk="1" latinLnBrk="0" hangingPunct="1">
+      <a:defRPr kumimoji="1" sz="1200" kern="1200">
+        <a:solidFill>
+          <a:schemeClr val="tx1"/>
+        </a:solidFill>
+        <a:latin typeface="+mn-lt"/>
+        <a:ea typeface="+mn-ea"/>
+        <a:cs typeface="+mn-cs"/>
+      </a:defRPr>
+    </a:lvl6pPr>
+    <a:lvl7pPr marL="2743200" algn="l" defTabSz="914400" rtl="0" eaLnBrk="1" latinLnBrk="0" hangingPunct="1">
+      <a:defRPr kumimoji="1" sz="1200" kern="1200">
+        <a:solidFill>
+          <a:schemeClr val="tx1"/>
+        </a:solidFill>
+        <a:latin typeface="+mn-lt"/>
+        <a:ea typeface="+mn-ea"/>
+        <a:cs typeface="+mn-cs"/>
+      </a:defRPr>
+    </a:lvl7pPr>
+    <a:lvl8pPr marL="3200400" algn="l" defTabSz="914400" rtl="0" eaLnBrk="1" latinLnBrk="0" hangingPunct="1">
+      <a:defRPr kumimoji="1" sz="1200" kern="1200">
+        <a:solidFill>
+          <a:schemeClr val="tx1"/>
+        </a:solidFill>
+        <a:latin typeface="+mn-lt"/>
+        <a:ea typeface="+mn-ea"/>
+        <a:cs typeface="+mn-cs"/>
+      </a:defRPr>
+    </a:lvl8pPr>
+    <a:lvl9pPr marL="3657600" algn="l" defTabSz="914400" rtl="0" eaLnBrk="1" latinLnBrk="0" hangingPunct="1">
+      <a:defRPr kumimoji="1" sz="1200" kern="1200">
+        <a:solidFill>
+          <a:schemeClr val="tx1"/>
+        </a:solidFill>
+        <a:latin typeface="+mn-lt"/>
+        <a:ea typeface="+mn-ea"/>
+        <a:cs typeface="+mn-cs"/>
+      </a:defRPr>
+    </a:lvl9pPr>
+  </p:notesStyle>
+</p:notesMaster>
+</file>
+
+<file path=ppt/notesSlides/notesSlide1.xml><?xml version="1.0" encoding="utf-8"?>
+<p:notes xmlns:a="http://schemas.openxmlformats.org/drawingml/2006/main" xmlns:r="http://schemas.openxmlformats.org/officeDocument/2006/relationships" xmlns:p="http://schemas.openxmlformats.org/presentationml/2006/main">
+  <p:cSld>
+    <p:spTree>
+      <p:nvGrpSpPr>
+        <p:cNvPr id="1" name=""/>
+        <p:cNvGrpSpPr/>
+        <p:nvPr/>
+      </p:nvGrpSpPr>
+      <p:grpSpPr>
+        <a:xfrm>
+          <a:off x="0" y="0"/>
+          <a:ext cx="0" cy="0"/>
+          <a:chOff x="0" y="0"/>
+          <a:chExt cx="0" cy="0"/>
+        </a:xfrm>
+      </p:grpSpPr>
+      <p:sp>
+        <p:nvSpPr>
+          <p:cNvPr id="2" name="スライド イメージ プレースホルダー 1"/>
+          <p:cNvSpPr>
+            <a:spLocks noGrp="1" noRot="1" noChangeAspect="1"/>
+          </p:cNvSpPr>
+          <p:nvPr>
+            <p:ph type="sldImg"/>
+          </p:nvPr>
+        </p:nvSpPr>
+        <p:spPr/>
+      </p:sp>
+      <p:sp>
+        <p:nvSpPr>
+          <p:cNvPr id="3" name="ノート プレースホルダー 2"/>
+          <p:cNvSpPr>
+            <a:spLocks noGrp="1"/>
+          </p:cNvSpPr>
+          <p:nvPr>
+            <p:ph type="body" idx="1"/>
+          </p:nvPr>
+        </p:nvSpPr>
+        <p:spPr/>
+        <p:txBody>
+          <a:bodyPr/>
+          <a:lstStyle/>
+          <a:p>
+            <a:endParaRPr kumimoji="1" lang="ja-JP" altLang="en-US" dirty="0"/>
+          </a:p>
+        </p:txBody>
+      </p:sp>
+      <p:sp>
+        <p:nvSpPr>
+          <p:cNvPr id="4" name="スライド番号プレースホルダー 3"/>
+          <p:cNvSpPr>
+            <a:spLocks noGrp="1"/>
+          </p:cNvSpPr>
+          <p:nvPr>
+            <p:ph type="sldNum" sz="quarter" idx="10"/>
+          </p:nvPr>
+        </p:nvSpPr>
+        <p:spPr/>
+        <p:txBody>
+          <a:bodyPr/>
+          <a:lstStyle/>
+          <a:p>
+            <a:fld id="{60CD542F-1A79-4486-B3E9-700F8CC780A2}" type="slidenum">
+              <a:rPr kumimoji="1" lang="ja-JP" altLang="en-US" smtClean="0"/>
+              <a:t>3</a:t>
+            </a:fld>
+            <a:endParaRPr kumimoji="1" lang="ja-JP" altLang="en-US"/>
+          </a:p>
+        </p:txBody>
+      </p:sp>
+    </p:spTree>
+    <p:extLst>
+      <p:ext uri="{BB962C8B-B14F-4D97-AF65-F5344CB8AC3E}">
+        <p14:creationId xmlns:p14="http://schemas.microsoft.com/office/powerpoint/2010/main" val="3734769931"/>
+      </p:ext>
+    </p:extLst>
+  </p:cSld>
+  <p:clrMapOvr>
+    <a:masterClrMapping/>
+  </p:clrMapOvr>
+</p:notes>
+</file>
+
 <file path=ppt/slideLayouts/slideLayout1.xml><?xml version="1.0" encoding="utf-8"?>
 <p:sldLayout xmlns:a="http://schemas.openxmlformats.org/drawingml/2006/main" xmlns:r="http://schemas.openxmlformats.org/officeDocument/2006/relationships" xmlns:p="http://schemas.openxmlformats.org/presentationml/2006/main" type="title" preserve="1">
   <p:cSld name="タイトル スライド">
@@ -243,7 +715,7 @@
           <a:p>
             <a:fld id="{2D9CFD7B-CAFF-4F5E-A16F-0D9656959DFA}" type="datetimeFigureOut">
               <a:rPr kumimoji="1" lang="ja-JP" altLang="en-US" smtClean="0"/>
-              <a:t>2022/10/26</a:t>
+              <a:t>2022/10/28</a:t>
             </a:fld>
             <a:endParaRPr kumimoji="1" lang="ja-JP" altLang="en-US"/>
           </a:p>
@@ -445,7 +917,7 @@
           <a:p>
             <a:fld id="{2D9CFD7B-CAFF-4F5E-A16F-0D9656959DFA}" type="datetimeFigureOut">
               <a:rPr kumimoji="1" lang="ja-JP" altLang="en-US" smtClean="0"/>
-              <a:t>2022/10/26</a:t>
+              <a:t>2022/10/28</a:t>
             </a:fld>
             <a:endParaRPr kumimoji="1" lang="ja-JP" altLang="en-US"/>
           </a:p>
@@ -657,7 +1129,7 @@
           <a:p>
             <a:fld id="{2D9CFD7B-CAFF-4F5E-A16F-0D9656959DFA}" type="datetimeFigureOut">
               <a:rPr kumimoji="1" lang="ja-JP" altLang="en-US" smtClean="0"/>
-              <a:t>2022/10/26</a:t>
+              <a:t>2022/10/28</a:t>
             </a:fld>
             <a:endParaRPr kumimoji="1" lang="ja-JP" altLang="en-US"/>
           </a:p>
@@ -859,7 +1331,7 @@
           <a:p>
             <a:fld id="{2D9CFD7B-CAFF-4F5E-A16F-0D9656959DFA}" type="datetimeFigureOut">
               <a:rPr kumimoji="1" lang="ja-JP" altLang="en-US" smtClean="0"/>
-              <a:t>2022/10/26</a:t>
+              <a:t>2022/10/28</a:t>
             </a:fld>
             <a:endParaRPr kumimoji="1" lang="ja-JP" altLang="en-US"/>
           </a:p>
@@ -1105,7 +1577,7 @@
           <a:p>
             <a:fld id="{2D9CFD7B-CAFF-4F5E-A16F-0D9656959DFA}" type="datetimeFigureOut">
               <a:rPr kumimoji="1" lang="ja-JP" altLang="en-US" smtClean="0"/>
-              <a:t>2022/10/26</a:t>
+              <a:t>2022/10/28</a:t>
             </a:fld>
             <a:endParaRPr kumimoji="1" lang="ja-JP" altLang="en-US"/>
           </a:p>
@@ -1401,7 +1873,7 @@
           <a:p>
             <a:fld id="{2D9CFD7B-CAFF-4F5E-A16F-0D9656959DFA}" type="datetimeFigureOut">
               <a:rPr kumimoji="1" lang="ja-JP" altLang="en-US" smtClean="0"/>
-              <a:t>2022/10/26</a:t>
+              <a:t>2022/10/28</a:t>
             </a:fld>
             <a:endParaRPr kumimoji="1" lang="ja-JP" altLang="en-US"/>
           </a:p>
@@ -1832,7 +2304,7 @@
           <a:p>
             <a:fld id="{2D9CFD7B-CAFF-4F5E-A16F-0D9656959DFA}" type="datetimeFigureOut">
               <a:rPr kumimoji="1" lang="ja-JP" altLang="en-US" smtClean="0"/>
-              <a:t>2022/10/26</a:t>
+              <a:t>2022/10/28</a:t>
             </a:fld>
             <a:endParaRPr kumimoji="1" lang="ja-JP" altLang="en-US"/>
           </a:p>
@@ -1950,7 +2422,7 @@
           <a:p>
             <a:fld id="{2D9CFD7B-CAFF-4F5E-A16F-0D9656959DFA}" type="datetimeFigureOut">
               <a:rPr kumimoji="1" lang="ja-JP" altLang="en-US" smtClean="0"/>
-              <a:t>2022/10/26</a:t>
+              <a:t>2022/10/28</a:t>
             </a:fld>
             <a:endParaRPr kumimoji="1" lang="ja-JP" altLang="en-US"/>
           </a:p>
@@ -2045,7 +2517,7 @@
           <a:p>
             <a:fld id="{2D9CFD7B-CAFF-4F5E-A16F-0D9656959DFA}" type="datetimeFigureOut">
               <a:rPr kumimoji="1" lang="ja-JP" altLang="en-US" smtClean="0"/>
-              <a:t>2022/10/26</a:t>
+              <a:t>2022/10/28</a:t>
             </a:fld>
             <a:endParaRPr kumimoji="1" lang="ja-JP" altLang="en-US"/>
           </a:p>
@@ -2354,7 +2826,7 @@
           <a:p>
             <a:fld id="{2D9CFD7B-CAFF-4F5E-A16F-0D9656959DFA}" type="datetimeFigureOut">
               <a:rPr kumimoji="1" lang="ja-JP" altLang="en-US" smtClean="0"/>
-              <a:t>2022/10/26</a:t>
+              <a:t>2022/10/28</a:t>
             </a:fld>
             <a:endParaRPr kumimoji="1" lang="ja-JP" altLang="en-US"/>
           </a:p>
@@ -2607,7 +3079,7 @@
           <a:p>
             <a:fld id="{2D9CFD7B-CAFF-4F5E-A16F-0D9656959DFA}" type="datetimeFigureOut">
               <a:rPr kumimoji="1" lang="ja-JP" altLang="en-US" smtClean="0"/>
-              <a:t>2022/10/26</a:t>
+              <a:t>2022/10/28</a:t>
             </a:fld>
             <a:endParaRPr kumimoji="1" lang="ja-JP" altLang="en-US"/>
           </a:p>
@@ -2852,7 +3324,7 @@
           <a:p>
             <a:fld id="{2D9CFD7B-CAFF-4F5E-A16F-0D9656959DFA}" type="datetimeFigureOut">
               <a:rPr kumimoji="1" lang="ja-JP" altLang="en-US" smtClean="0"/>
-              <a:t>2022/10/26</a:t>
+              <a:t>2022/10/28</a:t>
             </a:fld>
             <a:endParaRPr kumimoji="1" lang="ja-JP" altLang="en-US"/>
           </a:p>
@@ -3281,7 +3753,15 @@
           <a:p>
             <a:r>
               <a:rPr kumimoji="1" lang="ja-JP" altLang="en-US" sz="2000" dirty="0" smtClean="0"/>
-              <a:t>謎解き＆対戦ゲーム（仮）</a:t>
+              <a:t>謎解き</a:t>
+            </a:r>
+            <a:r>
+              <a:rPr kumimoji="1" lang="ja-JP" altLang="en-US" sz="2000" dirty="0" smtClean="0"/>
+              <a:t>＆協力ゲーム</a:t>
+            </a:r>
+            <a:r>
+              <a:rPr kumimoji="1" lang="ja-JP" altLang="en-US" sz="2000" dirty="0" smtClean="0"/>
+              <a:t>（仮）</a:t>
             </a:r>
             <a:endParaRPr kumimoji="1" lang="ja-JP" altLang="en-US" sz="2000" dirty="0"/>
           </a:p>
@@ -3312,7 +3792,7 @@
             <a:pPr marL="0" indent="0">
               <a:buNone/>
             </a:pPr>
-            <a:endParaRPr kumimoji="1" lang="en-US" altLang="ja-JP" sz="2000" smtClean="0"/>
+            <a:endParaRPr kumimoji="1" lang="en-US" altLang="ja-JP" sz="2000" dirty="0" smtClean="0"/>
           </a:p>
         </p:txBody>
       </p:sp>
@@ -3320,6 +3800,805 @@
     <p:extLst>
       <p:ext uri="{BB962C8B-B14F-4D97-AF65-F5344CB8AC3E}">
         <p14:creationId xmlns:p14="http://schemas.microsoft.com/office/powerpoint/2010/main" val="2397413110"/>
+      </p:ext>
+    </p:extLst>
+  </p:cSld>
+  <p:clrMapOvr>
+    <a:masterClrMapping/>
+  </p:clrMapOvr>
+</p:sld>
+</file>
+
+<file path=ppt/slides/slide2.xml><?xml version="1.0" encoding="utf-8"?>
+<p:sld xmlns:a="http://schemas.openxmlformats.org/drawingml/2006/main" xmlns:r="http://schemas.openxmlformats.org/officeDocument/2006/relationships" xmlns:p="http://schemas.openxmlformats.org/presentationml/2006/main">
+  <p:cSld>
+    <p:spTree>
+      <p:nvGrpSpPr>
+        <p:cNvPr id="1" name=""/>
+        <p:cNvGrpSpPr/>
+        <p:nvPr/>
+      </p:nvGrpSpPr>
+      <p:grpSpPr>
+        <a:xfrm>
+          <a:off x="0" y="0"/>
+          <a:ext cx="0" cy="0"/>
+          <a:chOff x="0" y="0"/>
+          <a:chExt cx="0" cy="0"/>
+        </a:xfrm>
+      </p:grpSpPr>
+      <p:sp>
+        <p:nvSpPr>
+          <p:cNvPr id="2" name="タイトル 1"/>
+          <p:cNvSpPr>
+            <a:spLocks noGrp="1"/>
+          </p:cNvSpPr>
+          <p:nvPr>
+            <p:ph type="title"/>
+          </p:nvPr>
+        </p:nvSpPr>
+        <p:spPr>
+          <a:xfrm>
+            <a:off x="838200" y="365125"/>
+            <a:ext cx="2679441" cy="549275"/>
+          </a:xfrm>
+        </p:spPr>
+        <p:txBody>
+          <a:bodyPr>
+            <a:normAutofit/>
+          </a:bodyPr>
+          <a:lstStyle/>
+          <a:p>
+            <a:r>
+              <a:rPr kumimoji="1" lang="ja-JP" altLang="en-US" sz="2400" dirty="0" smtClean="0"/>
+              <a:t>追跡者</a:t>
+            </a:r>
+            <a:endParaRPr kumimoji="1" lang="ja-JP" altLang="en-US" sz="2400" dirty="0"/>
+          </a:p>
+        </p:txBody>
+      </p:sp>
+      <p:pic>
+        <p:nvPicPr>
+          <p:cNvPr id="4" name="コンテンツ プレースホルダー 3"/>
+          <p:cNvPicPr>
+            <a:picLocks noChangeAspect="1"/>
+          </p:cNvPicPr>
+          <p:nvPr/>
+        </p:nvPicPr>
+        <p:blipFill rotWithShape="1">
+          <a:blip r:embed="rId2" cstate="print">
+            <a:extLst>
+              <a:ext uri="{28A0092B-C50C-407E-A947-70E740481C1C}">
+                <a14:useLocalDpi xmlns:a14="http://schemas.microsoft.com/office/drawing/2010/main" val="0"/>
+              </a:ext>
+            </a:extLst>
+          </a:blip>
+          <a:srcRect l="2552" t="26495" r="85496" b="62103"/>
+          <a:stretch/>
+        </p:blipFill>
+        <p:spPr>
+          <a:xfrm>
+            <a:off x="1911583" y="1672805"/>
+            <a:ext cx="3350881" cy="1798183"/>
+          </a:xfrm>
+          <a:prstGeom prst="rect">
+            <a:avLst/>
+          </a:prstGeom>
+        </p:spPr>
+      </p:pic>
+      <p:pic>
+        <p:nvPicPr>
+          <p:cNvPr id="5" name="コンテンツ プレースホルダー 3"/>
+          <p:cNvPicPr>
+            <a:picLocks noChangeAspect="1"/>
+          </p:cNvPicPr>
+          <p:nvPr/>
+        </p:nvPicPr>
+        <p:blipFill rotWithShape="1">
+          <a:blip r:embed="rId2" cstate="print">
+            <a:extLst>
+              <a:ext uri="{28A0092B-C50C-407E-A947-70E740481C1C}">
+                <a14:useLocalDpi xmlns:a14="http://schemas.microsoft.com/office/drawing/2010/main" val="0"/>
+              </a:ext>
+            </a:extLst>
+          </a:blip>
+          <a:srcRect l="15092" t="26321" r="72526" b="62357"/>
+          <a:stretch/>
+        </p:blipFill>
+        <p:spPr>
+          <a:xfrm>
+            <a:off x="7128588" y="1449421"/>
+            <a:ext cx="3368351" cy="1760707"/>
+          </a:xfrm>
+          <a:prstGeom prst="rect">
+            <a:avLst/>
+          </a:prstGeom>
+        </p:spPr>
+      </p:pic>
+      <p:pic>
+        <p:nvPicPr>
+          <p:cNvPr id="6" name="コンテンツ プレースホルダー 3"/>
+          <p:cNvPicPr>
+            <a:picLocks noChangeAspect="1"/>
+          </p:cNvPicPr>
+          <p:nvPr/>
+        </p:nvPicPr>
+        <p:blipFill rotWithShape="1">
+          <a:blip r:embed="rId2" cstate="print">
+            <a:extLst>
+              <a:ext uri="{28A0092B-C50C-407E-A947-70E740481C1C}">
+                <a14:useLocalDpi xmlns:a14="http://schemas.microsoft.com/office/drawing/2010/main" val="0"/>
+              </a:ext>
+            </a:extLst>
+          </a:blip>
+          <a:srcRect l="2308" t="38987" r="85711" b="48930"/>
+          <a:stretch/>
+        </p:blipFill>
+        <p:spPr>
+          <a:xfrm>
+            <a:off x="1274321" y="4056593"/>
+            <a:ext cx="3372323" cy="1896894"/>
+          </a:xfrm>
+          <a:prstGeom prst="rect">
+            <a:avLst/>
+          </a:prstGeom>
+        </p:spPr>
+      </p:pic>
+      <p:pic>
+        <p:nvPicPr>
+          <p:cNvPr id="7" name="コンテンツ プレースホルダー 3"/>
+          <p:cNvPicPr>
+            <a:picLocks noChangeAspect="1"/>
+          </p:cNvPicPr>
+          <p:nvPr/>
+        </p:nvPicPr>
+        <p:blipFill rotWithShape="1">
+          <a:blip r:embed="rId2" cstate="print">
+            <a:extLst>
+              <a:ext uri="{28A0092B-C50C-407E-A947-70E740481C1C}">
+                <a14:useLocalDpi xmlns:a14="http://schemas.microsoft.com/office/drawing/2010/main" val="0"/>
+              </a:ext>
+            </a:extLst>
+          </a:blip>
+          <a:srcRect l="14944" t="38782" r="72155" b="48816"/>
+          <a:stretch/>
+        </p:blipFill>
+        <p:spPr>
+          <a:xfrm>
+            <a:off x="7088120" y="4273420"/>
+            <a:ext cx="3509868" cy="1864733"/>
+          </a:xfrm>
+          <a:prstGeom prst="rect">
+            <a:avLst/>
+          </a:prstGeom>
+        </p:spPr>
+      </p:pic>
+      <p:sp>
+        <p:nvSpPr>
+          <p:cNvPr id="9" name="テキスト ボックス 8"/>
+          <p:cNvSpPr txBox="1"/>
+          <p:nvPr/>
+        </p:nvSpPr>
+        <p:spPr>
+          <a:xfrm>
+            <a:off x="7388258" y="3470988"/>
+            <a:ext cx="3209730" cy="369332"/>
+          </a:xfrm>
+          <a:prstGeom prst="rect">
+            <a:avLst/>
+          </a:prstGeom>
+          <a:noFill/>
+        </p:spPr>
+        <p:txBody>
+          <a:bodyPr wrap="square" rtlCol="0">
+            <a:spAutoFit/>
+          </a:bodyPr>
+          <a:lstStyle/>
+          <a:p>
+            <a:r>
+              <a:rPr lang="ja-JP" altLang="en-US" dirty="0"/>
+              <a:t>時間</a:t>
+            </a:r>
+            <a:r>
+              <a:rPr lang="ja-JP" altLang="en-US" dirty="0" smtClean="0"/>
+              <a:t>経過などで追跡をやめる</a:t>
+            </a:r>
+            <a:endParaRPr kumimoji="1" lang="ja-JP" altLang="en-US" dirty="0"/>
+          </a:p>
+        </p:txBody>
+      </p:sp>
+      <p:sp>
+        <p:nvSpPr>
+          <p:cNvPr id="10" name="テキスト ボックス 9"/>
+          <p:cNvSpPr txBox="1"/>
+          <p:nvPr/>
+        </p:nvSpPr>
+        <p:spPr>
+          <a:xfrm>
+            <a:off x="7051562" y="5953487"/>
+            <a:ext cx="3883122" cy="369332"/>
+          </a:xfrm>
+          <a:prstGeom prst="rect">
+            <a:avLst/>
+          </a:prstGeom>
+          <a:noFill/>
+        </p:spPr>
+        <p:txBody>
+          <a:bodyPr wrap="square" rtlCol="0">
+            <a:spAutoFit/>
+          </a:bodyPr>
+          <a:lstStyle/>
+          <a:p>
+            <a:r>
+              <a:rPr lang="ja-JP" altLang="en-US" dirty="0" smtClean="0"/>
+              <a:t>プレイヤーを見つけると追いかける</a:t>
+            </a:r>
+            <a:endParaRPr kumimoji="1" lang="ja-JP" altLang="en-US" dirty="0"/>
+          </a:p>
+        </p:txBody>
+      </p:sp>
+      <p:sp>
+        <p:nvSpPr>
+          <p:cNvPr id="11" name="テキスト ボックス 10"/>
+          <p:cNvSpPr txBox="1"/>
+          <p:nvPr/>
+        </p:nvSpPr>
+        <p:spPr>
+          <a:xfrm>
+            <a:off x="1517316" y="3470988"/>
+            <a:ext cx="2886334" cy="369332"/>
+          </a:xfrm>
+          <a:prstGeom prst="rect">
+            <a:avLst/>
+          </a:prstGeom>
+          <a:noFill/>
+        </p:spPr>
+        <p:txBody>
+          <a:bodyPr wrap="square" rtlCol="0">
+            <a:spAutoFit/>
+          </a:bodyPr>
+          <a:lstStyle/>
+          <a:p>
+            <a:r>
+              <a:rPr lang="ja-JP" altLang="en-US" dirty="0" smtClean="0"/>
+              <a:t>捕まるとゲームオーバー</a:t>
+            </a:r>
+            <a:endParaRPr kumimoji="1" lang="ja-JP" altLang="en-US" dirty="0"/>
+          </a:p>
+        </p:txBody>
+      </p:sp>
+      <p:sp>
+        <p:nvSpPr>
+          <p:cNvPr id="12" name="テキスト ボックス 11"/>
+          <p:cNvSpPr txBox="1"/>
+          <p:nvPr/>
+        </p:nvSpPr>
+        <p:spPr>
+          <a:xfrm>
+            <a:off x="1192728" y="5953487"/>
+            <a:ext cx="4069736" cy="369332"/>
+          </a:xfrm>
+          <a:prstGeom prst="rect">
+            <a:avLst/>
+          </a:prstGeom>
+          <a:noFill/>
+        </p:spPr>
+        <p:txBody>
+          <a:bodyPr wrap="square" rtlCol="0">
+            <a:spAutoFit/>
+          </a:bodyPr>
+          <a:lstStyle/>
+          <a:p>
+            <a:r>
+              <a:rPr lang="ja-JP" altLang="en-US" dirty="0"/>
+              <a:t>罠に</a:t>
+            </a:r>
+            <a:r>
+              <a:rPr lang="ja-JP" altLang="en-US" dirty="0" smtClean="0"/>
+              <a:t>はめて足止めをすることができる</a:t>
+            </a:r>
+            <a:endParaRPr kumimoji="1" lang="ja-JP" altLang="en-US" dirty="0"/>
+          </a:p>
+        </p:txBody>
+      </p:sp>
+    </p:spTree>
+    <p:extLst>
+      <p:ext uri="{BB962C8B-B14F-4D97-AF65-F5344CB8AC3E}">
+        <p14:creationId xmlns:p14="http://schemas.microsoft.com/office/powerpoint/2010/main" val="879549167"/>
+      </p:ext>
+    </p:extLst>
+  </p:cSld>
+  <p:clrMapOvr>
+    <a:masterClrMapping/>
+  </p:clrMapOvr>
+</p:sld>
+</file>
+
+<file path=ppt/slides/slide3.xml><?xml version="1.0" encoding="utf-8"?>
+<p:sld xmlns:a="http://schemas.openxmlformats.org/drawingml/2006/main" xmlns:r="http://schemas.openxmlformats.org/officeDocument/2006/relationships" xmlns:p="http://schemas.openxmlformats.org/presentationml/2006/main">
+  <p:cSld>
+    <p:spTree>
+      <p:nvGrpSpPr>
+        <p:cNvPr id="1" name=""/>
+        <p:cNvGrpSpPr/>
+        <p:nvPr/>
+      </p:nvGrpSpPr>
+      <p:grpSpPr>
+        <a:xfrm>
+          <a:off x="0" y="0"/>
+          <a:ext cx="0" cy="0"/>
+          <a:chOff x="0" y="0"/>
+          <a:chExt cx="0" cy="0"/>
+        </a:xfrm>
+      </p:grpSpPr>
+      <p:sp>
+        <p:nvSpPr>
+          <p:cNvPr id="2" name="タイトル 1"/>
+          <p:cNvSpPr>
+            <a:spLocks noGrp="1"/>
+          </p:cNvSpPr>
+          <p:nvPr>
+            <p:ph type="title"/>
+          </p:nvPr>
+        </p:nvSpPr>
+        <p:spPr>
+          <a:xfrm>
+            <a:off x="838200" y="365125"/>
+            <a:ext cx="2399522" cy="521283"/>
+          </a:xfrm>
+        </p:spPr>
+        <p:txBody>
+          <a:bodyPr>
+            <a:normAutofit/>
+          </a:bodyPr>
+          <a:lstStyle/>
+          <a:p>
+            <a:r>
+              <a:rPr kumimoji="1" lang="ja-JP" altLang="en-US" sz="2400" dirty="0" smtClean="0"/>
+              <a:t>変身</a:t>
+            </a:r>
+            <a:endParaRPr kumimoji="1" lang="ja-JP" altLang="en-US" sz="2400" dirty="0"/>
+          </a:p>
+        </p:txBody>
+      </p:sp>
+      <p:pic>
+        <p:nvPicPr>
+          <p:cNvPr id="8" name="コンテンツ プレースホルダー 3"/>
+          <p:cNvPicPr>
+            <a:picLocks noChangeAspect="1"/>
+          </p:cNvPicPr>
+          <p:nvPr/>
+        </p:nvPicPr>
+        <p:blipFill rotWithShape="1">
+          <a:blip r:embed="rId3"/>
+          <a:srcRect l="50295" t="24414" r="37098" b="63670"/>
+          <a:stretch/>
+        </p:blipFill>
+        <p:spPr>
+          <a:xfrm>
+            <a:off x="1470531" y="1383030"/>
+            <a:ext cx="2909570" cy="1546860"/>
+          </a:xfrm>
+          <a:prstGeom prst="rect">
+            <a:avLst/>
+          </a:prstGeom>
+        </p:spPr>
+      </p:pic>
+      <p:pic>
+        <p:nvPicPr>
+          <p:cNvPr id="9" name="コンテンツ プレースホルダー 3"/>
+          <p:cNvPicPr>
+            <a:picLocks noChangeAspect="1"/>
+          </p:cNvPicPr>
+          <p:nvPr/>
+        </p:nvPicPr>
+        <p:blipFill rotWithShape="1">
+          <a:blip r:embed="rId3"/>
+          <a:srcRect l="63452" t="24414" r="24094" b="63723"/>
+          <a:stretch/>
+        </p:blipFill>
+        <p:spPr>
+          <a:xfrm>
+            <a:off x="7239960" y="1389839"/>
+            <a:ext cx="2874226" cy="1540051"/>
+          </a:xfrm>
+          <a:prstGeom prst="rect">
+            <a:avLst/>
+          </a:prstGeom>
+        </p:spPr>
+      </p:pic>
+      <p:pic>
+        <p:nvPicPr>
+          <p:cNvPr id="10" name="コンテンツ プレースホルダー 3"/>
+          <p:cNvPicPr>
+            <a:picLocks noChangeAspect="1"/>
+          </p:cNvPicPr>
+          <p:nvPr/>
+        </p:nvPicPr>
+        <p:blipFill rotWithShape="1">
+          <a:blip r:embed="rId3"/>
+          <a:srcRect l="50295" t="37177" r="37138" b="50938"/>
+          <a:stretch/>
+        </p:blipFill>
+        <p:spPr>
+          <a:xfrm>
+            <a:off x="1470531" y="3696511"/>
+            <a:ext cx="2900167" cy="1542884"/>
+          </a:xfrm>
+          <a:prstGeom prst="rect">
+            <a:avLst/>
+          </a:prstGeom>
+        </p:spPr>
+      </p:pic>
+      <p:pic>
+        <p:nvPicPr>
+          <p:cNvPr id="11" name="コンテンツ プレースホルダー 3"/>
+          <p:cNvPicPr>
+            <a:picLocks noChangeAspect="1"/>
+          </p:cNvPicPr>
+          <p:nvPr/>
+        </p:nvPicPr>
+        <p:blipFill rotWithShape="1">
+          <a:blip r:embed="rId3"/>
+          <a:srcRect l="63536" t="37177" r="24094" b="50938"/>
+          <a:stretch/>
+        </p:blipFill>
+        <p:spPr>
+          <a:xfrm>
+            <a:off x="7259415" y="3698100"/>
+            <a:ext cx="2854771" cy="1542884"/>
+          </a:xfrm>
+          <a:prstGeom prst="rect">
+            <a:avLst/>
+          </a:prstGeom>
+        </p:spPr>
+      </p:pic>
+      <p:sp>
+        <p:nvSpPr>
+          <p:cNvPr id="13" name="テキスト ボックス 12"/>
+          <p:cNvSpPr txBox="1"/>
+          <p:nvPr/>
+        </p:nvSpPr>
+        <p:spPr>
+          <a:xfrm>
+            <a:off x="1097038" y="3128534"/>
+            <a:ext cx="3647152" cy="369332"/>
+          </a:xfrm>
+          <a:prstGeom prst="rect">
+            <a:avLst/>
+          </a:prstGeom>
+          <a:noFill/>
+        </p:spPr>
+        <p:txBody>
+          <a:bodyPr wrap="none" rtlCol="0">
+            <a:spAutoFit/>
+          </a:bodyPr>
+          <a:lstStyle/>
+          <a:p>
+            <a:r>
+              <a:rPr kumimoji="1" lang="ja-JP" altLang="en-US" dirty="0" smtClean="0"/>
+              <a:t>液体状に姿を</a:t>
+            </a:r>
+            <a:r>
+              <a:rPr lang="ja-JP" altLang="en-US" dirty="0" smtClean="0"/>
+              <a:t>変えることができる</a:t>
+            </a:r>
+            <a:endParaRPr kumimoji="1" lang="en-US" altLang="ja-JP" dirty="0" smtClean="0"/>
+          </a:p>
+        </p:txBody>
+      </p:sp>
+      <p:sp>
+        <p:nvSpPr>
+          <p:cNvPr id="14" name="テキスト ボックス 13"/>
+          <p:cNvSpPr txBox="1"/>
+          <p:nvPr/>
+        </p:nvSpPr>
+        <p:spPr>
+          <a:xfrm>
+            <a:off x="866205" y="5438040"/>
+            <a:ext cx="4108817" cy="369332"/>
+          </a:xfrm>
+          <a:prstGeom prst="rect">
+            <a:avLst/>
+          </a:prstGeom>
+          <a:noFill/>
+        </p:spPr>
+        <p:txBody>
+          <a:bodyPr wrap="none" rtlCol="0">
+            <a:spAutoFit/>
+          </a:bodyPr>
+          <a:lstStyle/>
+          <a:p>
+            <a:r>
+              <a:rPr kumimoji="1" lang="ja-JP" altLang="en-US" dirty="0" smtClean="0"/>
+              <a:t>格子状の壁はすり抜けることができる</a:t>
+            </a:r>
+            <a:endParaRPr kumimoji="1" lang="en-US" altLang="ja-JP" dirty="0" smtClean="0"/>
+          </a:p>
+        </p:txBody>
+      </p:sp>
+      <p:sp>
+        <p:nvSpPr>
+          <p:cNvPr id="15" name="テキスト ボックス 14"/>
+          <p:cNvSpPr txBox="1"/>
+          <p:nvPr/>
+        </p:nvSpPr>
+        <p:spPr>
+          <a:xfrm>
+            <a:off x="6391832" y="3128534"/>
+            <a:ext cx="4570482" cy="369332"/>
+          </a:xfrm>
+          <a:prstGeom prst="rect">
+            <a:avLst/>
+          </a:prstGeom>
+          <a:noFill/>
+        </p:spPr>
+        <p:txBody>
+          <a:bodyPr wrap="none" rtlCol="0">
+            <a:spAutoFit/>
+          </a:bodyPr>
+          <a:lstStyle/>
+          <a:p>
+            <a:r>
+              <a:rPr kumimoji="1" lang="ja-JP" altLang="en-US" dirty="0" smtClean="0"/>
+              <a:t>液体状の場合高いところから落ちても平気</a:t>
+            </a:r>
+            <a:endParaRPr kumimoji="1" lang="en-US" altLang="ja-JP" dirty="0" smtClean="0"/>
+          </a:p>
+        </p:txBody>
+      </p:sp>
+      <p:sp>
+        <p:nvSpPr>
+          <p:cNvPr id="16" name="テキスト ボックス 15"/>
+          <p:cNvSpPr txBox="1"/>
+          <p:nvPr/>
+        </p:nvSpPr>
+        <p:spPr>
+          <a:xfrm>
+            <a:off x="6276416" y="5427002"/>
+            <a:ext cx="4801314" cy="369332"/>
+          </a:xfrm>
+          <a:prstGeom prst="rect">
+            <a:avLst/>
+          </a:prstGeom>
+          <a:noFill/>
+        </p:spPr>
+        <p:txBody>
+          <a:bodyPr wrap="none" rtlCol="0">
+            <a:spAutoFit/>
+          </a:bodyPr>
+          <a:lstStyle/>
+          <a:p>
+            <a:r>
+              <a:rPr kumimoji="1" lang="ja-JP" altLang="en-US" dirty="0" smtClean="0"/>
+              <a:t>液体状の姿では段差を超えることができない</a:t>
+            </a:r>
+            <a:endParaRPr kumimoji="1" lang="en-US" altLang="ja-JP" dirty="0" smtClean="0"/>
+          </a:p>
+        </p:txBody>
+      </p:sp>
+    </p:spTree>
+    <p:extLst>
+      <p:ext uri="{BB962C8B-B14F-4D97-AF65-F5344CB8AC3E}">
+        <p14:creationId xmlns:p14="http://schemas.microsoft.com/office/powerpoint/2010/main" val="2149623999"/>
+      </p:ext>
+    </p:extLst>
+  </p:cSld>
+  <p:clrMapOvr>
+    <a:masterClrMapping/>
+  </p:clrMapOvr>
+</p:sld>
+</file>
+
+<file path=ppt/slides/slide4.xml><?xml version="1.0" encoding="utf-8"?>
+<p:sld xmlns:a="http://schemas.openxmlformats.org/drawingml/2006/main" xmlns:r="http://schemas.openxmlformats.org/officeDocument/2006/relationships" xmlns:p="http://schemas.openxmlformats.org/presentationml/2006/main">
+  <p:cSld>
+    <p:spTree>
+      <p:nvGrpSpPr>
+        <p:cNvPr id="1" name=""/>
+        <p:cNvGrpSpPr/>
+        <p:nvPr/>
+      </p:nvGrpSpPr>
+      <p:grpSpPr>
+        <a:xfrm>
+          <a:off x="0" y="0"/>
+          <a:ext cx="0" cy="0"/>
+          <a:chOff x="0" y="0"/>
+          <a:chExt cx="0" cy="0"/>
+        </a:xfrm>
+      </p:grpSpPr>
+      <p:sp>
+        <p:nvSpPr>
+          <p:cNvPr id="2" name="タイトル 1"/>
+          <p:cNvSpPr>
+            <a:spLocks noGrp="1"/>
+          </p:cNvSpPr>
+          <p:nvPr>
+            <p:ph type="title"/>
+          </p:nvPr>
+        </p:nvSpPr>
+        <p:spPr>
+          <a:xfrm>
+            <a:off x="838200" y="195943"/>
+            <a:ext cx="3617171" cy="625151"/>
+          </a:xfrm>
+        </p:spPr>
+        <p:txBody>
+          <a:bodyPr>
+            <a:normAutofit/>
+          </a:bodyPr>
+          <a:lstStyle/>
+          <a:p>
+            <a:r>
+              <a:rPr kumimoji="1" lang="ja-JP" altLang="en-US" sz="2400" dirty="0" smtClean="0"/>
+              <a:t>ギミック</a:t>
+            </a:r>
+            <a:endParaRPr kumimoji="1" lang="ja-JP" altLang="en-US" sz="2400" dirty="0"/>
+          </a:p>
+        </p:txBody>
+      </p:sp>
+      <p:sp>
+        <p:nvSpPr>
+          <p:cNvPr id="5" name="コンテンツ プレースホルダー 4"/>
+          <p:cNvSpPr>
+            <a:spLocks noGrp="1"/>
+          </p:cNvSpPr>
+          <p:nvPr>
+            <p:ph idx="1"/>
+          </p:nvPr>
+        </p:nvSpPr>
+        <p:spPr>
+          <a:xfrm>
+            <a:off x="838200" y="1287624"/>
+            <a:ext cx="5571931" cy="4889339"/>
+          </a:xfrm>
+        </p:spPr>
+        <p:txBody>
+          <a:bodyPr/>
+          <a:lstStyle/>
+          <a:p>
+            <a:pPr marL="0" indent="0">
+              <a:buNone/>
+            </a:pPr>
+            <a:endParaRPr kumimoji="1" lang="ja-JP" altLang="en-US" dirty="0"/>
+          </a:p>
+        </p:txBody>
+      </p:sp>
+      <p:pic>
+        <p:nvPicPr>
+          <p:cNvPr id="7" name="コンテンツ プレースホルダー 3"/>
+          <p:cNvPicPr>
+            <a:picLocks noChangeAspect="1"/>
+          </p:cNvPicPr>
+          <p:nvPr/>
+        </p:nvPicPr>
+        <p:blipFill rotWithShape="1">
+          <a:blip r:embed="rId2" cstate="print">
+            <a:extLst>
+              <a:ext uri="{28A0092B-C50C-407E-A947-70E740481C1C}">
+                <a14:useLocalDpi xmlns:a14="http://schemas.microsoft.com/office/drawing/2010/main" val="0"/>
+              </a:ext>
+            </a:extLst>
+          </a:blip>
+          <a:srcRect l="2227" t="52687" r="72336" b="23261"/>
+          <a:stretch/>
+        </p:blipFill>
+        <p:spPr>
+          <a:xfrm>
+            <a:off x="838200" y="1037732"/>
+            <a:ext cx="5066324" cy="2694561"/>
+          </a:xfrm>
+          <a:prstGeom prst="rect">
+            <a:avLst/>
+          </a:prstGeom>
+        </p:spPr>
+      </p:pic>
+      <p:pic>
+        <p:nvPicPr>
+          <p:cNvPr id="8" name="コンテンツ プレースホルダー 3"/>
+          <p:cNvPicPr>
+            <a:picLocks noChangeAspect="1"/>
+          </p:cNvPicPr>
+          <p:nvPr/>
+        </p:nvPicPr>
+        <p:blipFill rotWithShape="1">
+          <a:blip r:embed="rId2" cstate="print">
+            <a:extLst>
+              <a:ext uri="{28A0092B-C50C-407E-A947-70E740481C1C}">
+                <a14:useLocalDpi xmlns:a14="http://schemas.microsoft.com/office/drawing/2010/main" val="0"/>
+              </a:ext>
+            </a:extLst>
+          </a:blip>
+          <a:srcRect l="28470" t="52136" r="46424" b="23465"/>
+          <a:stretch/>
+        </p:blipFill>
+        <p:spPr>
+          <a:xfrm>
+            <a:off x="6557435" y="3732293"/>
+            <a:ext cx="4591456" cy="2509934"/>
+          </a:xfrm>
+          <a:prstGeom prst="rect">
+            <a:avLst/>
+          </a:prstGeom>
+        </p:spPr>
+      </p:pic>
+      <p:sp>
+        <p:nvSpPr>
+          <p:cNvPr id="9" name="テキスト ボックス 8"/>
+          <p:cNvSpPr txBox="1"/>
+          <p:nvPr/>
+        </p:nvSpPr>
+        <p:spPr>
+          <a:xfrm>
+            <a:off x="6690049" y="2061846"/>
+            <a:ext cx="4674637" cy="923330"/>
+          </a:xfrm>
+          <a:prstGeom prst="rect">
+            <a:avLst/>
+          </a:prstGeom>
+          <a:noFill/>
+        </p:spPr>
+        <p:txBody>
+          <a:bodyPr wrap="square" rtlCol="0">
+            <a:spAutoFit/>
+          </a:bodyPr>
+          <a:lstStyle/>
+          <a:p>
+            <a:r>
+              <a:rPr kumimoji="1" lang="ja-JP" altLang="en-US" dirty="0" smtClean="0"/>
+              <a:t>重力</a:t>
+            </a:r>
+            <a:endParaRPr kumimoji="1" lang="en-US" altLang="ja-JP" dirty="0" smtClean="0"/>
+          </a:p>
+          <a:p>
+            <a:r>
+              <a:rPr kumimoji="1" lang="ja-JP" altLang="en-US" dirty="0" smtClean="0"/>
+              <a:t>上下などの矢印がある場合は矢印の向きに重力が働いている</a:t>
+            </a:r>
+            <a:endParaRPr kumimoji="1" lang="ja-JP" altLang="en-US" dirty="0"/>
+          </a:p>
+        </p:txBody>
+      </p:sp>
+      <p:sp>
+        <p:nvSpPr>
+          <p:cNvPr id="10" name="テキスト ボックス 9"/>
+          <p:cNvSpPr txBox="1"/>
+          <p:nvPr/>
+        </p:nvSpPr>
+        <p:spPr>
+          <a:xfrm>
+            <a:off x="1286846" y="4664094"/>
+            <a:ext cx="4674637" cy="923330"/>
+          </a:xfrm>
+          <a:prstGeom prst="rect">
+            <a:avLst/>
+          </a:prstGeom>
+          <a:noFill/>
+        </p:spPr>
+        <p:txBody>
+          <a:bodyPr wrap="square" rtlCol="0">
+            <a:spAutoFit/>
+          </a:bodyPr>
+          <a:lstStyle/>
+          <a:p>
+            <a:r>
+              <a:rPr kumimoji="1" lang="ja-JP" altLang="en-US" dirty="0" smtClean="0"/>
+              <a:t>ワープ</a:t>
+            </a:r>
+            <a:endParaRPr kumimoji="1" lang="en-US" altLang="ja-JP" dirty="0" smtClean="0"/>
+          </a:p>
+          <a:p>
+            <a:r>
+              <a:rPr kumimoji="1" lang="ja-JP" altLang="en-US" dirty="0" smtClean="0"/>
+              <a:t>ワープの中に入ることで同じ色の場所のワープから出てくる</a:t>
+            </a:r>
+            <a:endParaRPr kumimoji="1" lang="ja-JP" altLang="en-US" dirty="0"/>
+          </a:p>
+        </p:txBody>
+      </p:sp>
+    </p:spTree>
+    <p:extLst>
+      <p:ext uri="{BB962C8B-B14F-4D97-AF65-F5344CB8AC3E}">
+        <p14:creationId xmlns:p14="http://schemas.microsoft.com/office/powerpoint/2010/main" val="1436901268"/>
       </p:ext>
     </p:extLst>
   </p:cSld>
@@ -3580,6 +4859,281 @@
       </a:bgFillStyleLst>
     </a:fmtScheme>
   </a:themeElements>
+  <a:objectDefaults>
+    <a:txDef>
+      <a:spPr>
+        <a:noFill/>
+      </a:spPr>
+      <a:bodyPr wrap="square" rtlCol="0">
+        <a:spAutoFit/>
+      </a:bodyPr>
+      <a:lstStyle>
+        <a:defPPr>
+          <a:defRPr kumimoji="1" dirty="0"/>
+        </a:defPPr>
+      </a:lstStyle>
+    </a:txDef>
+  </a:objectDefaults>
+  <a:extraClrSchemeLst/>
+  <a:extLst>
+    <a:ext uri="{05A4C25C-085E-4340-85A3-A5531E510DB2}">
+      <thm15:themeFamily xmlns:thm15="http://schemas.microsoft.com/office/thememl/2012/main" name="Office Theme" id="{62F939B6-93AF-4DB8-9C6B-D6C7DFDC589F}" vid="{4A3C46E8-61CC-4603-A589-7422A47A8E4A}"/>
+    </a:ext>
+  </a:extLst>
+</a:theme>
+</file>
+
+<file path=ppt/theme/theme2.xml><?xml version="1.0" encoding="utf-8"?>
+<a:theme xmlns:a="http://schemas.openxmlformats.org/drawingml/2006/main" name="Office テーマ">
+  <a:themeElements>
+    <a:clrScheme name="Office">
+      <a:dk1>
+        <a:sysClr val="windowText" lastClr="000000"/>
+      </a:dk1>
+      <a:lt1>
+        <a:sysClr val="window" lastClr="FFFFFF"/>
+      </a:lt1>
+      <a:dk2>
+        <a:srgbClr val="44546A"/>
+      </a:dk2>
+      <a:lt2>
+        <a:srgbClr val="E7E6E6"/>
+      </a:lt2>
+      <a:accent1>
+        <a:srgbClr val="5B9BD5"/>
+      </a:accent1>
+      <a:accent2>
+        <a:srgbClr val="ED7D31"/>
+      </a:accent2>
+      <a:accent3>
+        <a:srgbClr val="A5A5A5"/>
+      </a:accent3>
+      <a:accent4>
+        <a:srgbClr val="FFC000"/>
+      </a:accent4>
+      <a:accent5>
+        <a:srgbClr val="4472C4"/>
+      </a:accent5>
+      <a:accent6>
+        <a:srgbClr val="70AD47"/>
+      </a:accent6>
+      <a:hlink>
+        <a:srgbClr val="0563C1"/>
+      </a:hlink>
+      <a:folHlink>
+        <a:srgbClr val="954F72"/>
+      </a:folHlink>
+    </a:clrScheme>
+    <a:fontScheme name="Office">
+      <a:majorFont>
+        <a:latin typeface="游ゴシック Light" panose="020F0302020204030204"/>
+        <a:ea typeface=""/>
+        <a:cs typeface=""/>
+        <a:font script="Jpan" typeface="游ゴシック Light"/>
+        <a:font script="Hang" typeface="맑은 고딕"/>
+        <a:font script="Hans" typeface="等线 Light"/>
+        <a:font script="Hant" typeface="新細明體"/>
+        <a:font script="Arab" typeface="Times New Roman"/>
+        <a:font script="Hebr" typeface="Times New Roman"/>
+        <a:font script="Thai" typeface="Angsana New"/>
+        <a:font script="Ethi" typeface="Nyala"/>
+        <a:font script="Beng" typeface="Vrinda"/>
+        <a:font script="Gujr" typeface="Shruti"/>
+        <a:font script="Khmr" typeface="MoolBoran"/>
+        <a:font script="Knda" typeface="Tunga"/>
+        <a:font script="Guru" typeface="Raavi"/>
+        <a:font script="Cans" typeface="Euphemia"/>
+        <a:font script="Cher" typeface="Plantagenet Cherokee"/>
+        <a:font script="Yiii" typeface="Microsoft Yi Baiti"/>
+        <a:font script="Tibt" typeface="Microsoft Himalaya"/>
+        <a:font script="Thaa" typeface="MV Boli"/>
+        <a:font script="Deva" typeface="Mangal"/>
+        <a:font script="Telu" typeface="Gautami"/>
+        <a:font script="Taml" typeface="Latha"/>
+        <a:font script="Syrc" typeface="Estrangelo Edessa"/>
+        <a:font script="Orya" typeface="Kalinga"/>
+        <a:font script="Mlym" typeface="Kartika"/>
+        <a:font script="Laoo" typeface="DokChampa"/>
+        <a:font script="Sinh" typeface="Iskoola Pota"/>
+        <a:font script="Mong" typeface="Mongolian Baiti"/>
+        <a:font script="Viet" typeface="Times New Roman"/>
+        <a:font script="Uigh" typeface="Microsoft Uighur"/>
+        <a:font script="Geor" typeface="Sylfaen"/>
+      </a:majorFont>
+      <a:minorFont>
+        <a:latin typeface="游ゴシック" panose="020F0502020204030204"/>
+        <a:ea typeface=""/>
+        <a:cs typeface=""/>
+        <a:font script="Jpan" typeface="游ゴシック"/>
+        <a:font script="Hang" typeface="맑은 고딕"/>
+        <a:font script="Hans" typeface="等线"/>
+        <a:font script="Hant" typeface="新細明體"/>
+        <a:font script="Arab" typeface="Arial"/>
+        <a:font script="Hebr" typeface="Arial"/>
+        <a:font script="Thai" typeface="Cordia New"/>
+        <a:font script="Ethi" typeface="Nyala"/>
+        <a:font script="Beng" typeface="Vrinda"/>
+        <a:font script="Gujr" typeface="Shruti"/>
+        <a:font script="Khmr" typeface="DaunPenh"/>
+        <a:font script="Knda" typeface="Tunga"/>
+        <a:font script="Guru" typeface="Raavi"/>
+        <a:font script="Cans" typeface="Euphemia"/>
+        <a:font script="Cher" typeface="Plantagenet Cherokee"/>
+        <a:font script="Yiii" typeface="Microsoft Yi Baiti"/>
+        <a:font script="Tibt" typeface="Microsoft Himalaya"/>
+        <a:font script="Thaa" typeface="MV Boli"/>
+        <a:font script="Deva" typeface="Mangal"/>
+        <a:font script="Telu" typeface="Gautami"/>
+        <a:font script="Taml" typeface="Latha"/>
+        <a:font script="Syrc" typeface="Estrangelo Edessa"/>
+        <a:font script="Orya" typeface="Kalinga"/>
+        <a:font script="Mlym" typeface="Kartika"/>
+        <a:font script="Laoo" typeface="DokChampa"/>
+        <a:font script="Sinh" typeface="Iskoola Pota"/>
+        <a:font script="Mong" typeface="Mongolian Baiti"/>
+        <a:font script="Viet" typeface="Arial"/>
+        <a:font script="Uigh" typeface="Microsoft Uighur"/>
+        <a:font script="Geor" typeface="Sylfaen"/>
+      </a:minorFont>
+    </a:fontScheme>
+    <a:fmtScheme name="Office">
+      <a:fillStyleLst>
+        <a:solidFill>
+          <a:schemeClr val="phClr"/>
+        </a:solidFill>
+        <a:gradFill rotWithShape="1">
+          <a:gsLst>
+            <a:gs pos="0">
+              <a:schemeClr val="phClr">
+                <a:lumMod val="110000"/>
+                <a:satMod val="105000"/>
+                <a:tint val="67000"/>
+              </a:schemeClr>
+            </a:gs>
+            <a:gs pos="50000">
+              <a:schemeClr val="phClr">
+                <a:lumMod val="105000"/>
+                <a:satMod val="103000"/>
+                <a:tint val="73000"/>
+              </a:schemeClr>
+            </a:gs>
+            <a:gs pos="100000">
+              <a:schemeClr val="phClr">
+                <a:lumMod val="105000"/>
+                <a:satMod val="109000"/>
+                <a:tint val="81000"/>
+              </a:schemeClr>
+            </a:gs>
+          </a:gsLst>
+          <a:lin ang="5400000" scaled="0"/>
+        </a:gradFill>
+        <a:gradFill rotWithShape="1">
+          <a:gsLst>
+            <a:gs pos="0">
+              <a:schemeClr val="phClr">
+                <a:satMod val="103000"/>
+                <a:lumMod val="102000"/>
+                <a:tint val="94000"/>
+              </a:schemeClr>
+            </a:gs>
+            <a:gs pos="50000">
+              <a:schemeClr val="phClr">
+                <a:satMod val="110000"/>
+                <a:lumMod val="100000"/>
+                <a:shade val="100000"/>
+              </a:schemeClr>
+            </a:gs>
+            <a:gs pos="100000">
+              <a:schemeClr val="phClr">
+                <a:lumMod val="99000"/>
+                <a:satMod val="120000"/>
+                <a:shade val="78000"/>
+              </a:schemeClr>
+            </a:gs>
+          </a:gsLst>
+          <a:lin ang="5400000" scaled="0"/>
+        </a:gradFill>
+      </a:fillStyleLst>
+      <a:lnStyleLst>
+        <a:ln w="6350" cap="flat" cmpd="sng" algn="ctr">
+          <a:solidFill>
+            <a:schemeClr val="phClr"/>
+          </a:solidFill>
+          <a:prstDash val="solid"/>
+          <a:miter lim="800000"/>
+        </a:ln>
+        <a:ln w="12700" cap="flat" cmpd="sng" algn="ctr">
+          <a:solidFill>
+            <a:schemeClr val="phClr"/>
+          </a:solidFill>
+          <a:prstDash val="solid"/>
+          <a:miter lim="800000"/>
+        </a:ln>
+        <a:ln w="19050" cap="flat" cmpd="sng" algn="ctr">
+          <a:solidFill>
+            <a:schemeClr val="phClr"/>
+          </a:solidFill>
+          <a:prstDash val="solid"/>
+          <a:miter lim="800000"/>
+        </a:ln>
+      </a:lnStyleLst>
+      <a:effectStyleLst>
+        <a:effectStyle>
+          <a:effectLst/>
+        </a:effectStyle>
+        <a:effectStyle>
+          <a:effectLst/>
+        </a:effectStyle>
+        <a:effectStyle>
+          <a:effectLst>
+            <a:outerShdw blurRad="57150" dist="19050" dir="5400000" algn="ctr" rotWithShape="0">
+              <a:srgbClr val="000000">
+                <a:alpha val="63000"/>
+              </a:srgbClr>
+            </a:outerShdw>
+          </a:effectLst>
+        </a:effectStyle>
+      </a:effectStyleLst>
+      <a:bgFillStyleLst>
+        <a:solidFill>
+          <a:schemeClr val="phClr"/>
+        </a:solidFill>
+        <a:solidFill>
+          <a:schemeClr val="phClr">
+            <a:tint val="95000"/>
+            <a:satMod val="170000"/>
+          </a:schemeClr>
+        </a:solidFill>
+        <a:gradFill rotWithShape="1">
+          <a:gsLst>
+            <a:gs pos="0">
+              <a:schemeClr val="phClr">
+                <a:tint val="93000"/>
+                <a:satMod val="150000"/>
+                <a:shade val="98000"/>
+                <a:lumMod val="102000"/>
+              </a:schemeClr>
+            </a:gs>
+            <a:gs pos="50000">
+              <a:schemeClr val="phClr">
+                <a:tint val="98000"/>
+                <a:satMod val="130000"/>
+                <a:shade val="90000"/>
+                <a:lumMod val="103000"/>
+              </a:schemeClr>
+            </a:gs>
+            <a:gs pos="100000">
+              <a:schemeClr val="phClr">
+                <a:shade val="63000"/>
+                <a:satMod val="120000"/>
+              </a:schemeClr>
+            </a:gs>
+          </a:gsLst>
+          <a:lin ang="5400000" scaled="0"/>
+        </a:gradFill>
+      </a:bgFillStyleLst>
+    </a:fmtScheme>
+  </a:themeElements>
   <a:objectDefaults/>
   <a:extraClrSchemeLst/>
   <a:extLst>

--- a/□□□ゲーム(仮).pptx
+++ b/□□□ゲーム(仮).pptx
@@ -501,6 +501,90 @@
 </file>
 
 <file path=ppt/notesSlides/notesSlide1.xml><?xml version="1.0" encoding="utf-8"?>
+<p:notes xmlns:a="http://schemas.openxmlformats.org/drawingml/2006/main" xmlns:r="http://schemas.openxmlformats.org/officeDocument/2006/relationships" xmlns:p="http://schemas.openxmlformats.org/presentationml/2006/main">
+  <p:cSld>
+    <p:spTree>
+      <p:nvGrpSpPr>
+        <p:cNvPr id="1" name=""/>
+        <p:cNvGrpSpPr/>
+        <p:nvPr/>
+      </p:nvGrpSpPr>
+      <p:grpSpPr>
+        <a:xfrm>
+          <a:off x="0" y="0"/>
+          <a:ext cx="0" cy="0"/>
+          <a:chOff x="0" y="0"/>
+          <a:chExt cx="0" cy="0"/>
+        </a:xfrm>
+      </p:grpSpPr>
+      <p:sp>
+        <p:nvSpPr>
+          <p:cNvPr id="2" name="スライド イメージ プレースホルダー 1"/>
+          <p:cNvSpPr>
+            <a:spLocks noGrp="1" noRot="1" noChangeAspect="1"/>
+          </p:cNvSpPr>
+          <p:nvPr>
+            <p:ph type="sldImg"/>
+          </p:nvPr>
+        </p:nvSpPr>
+        <p:spPr/>
+      </p:sp>
+      <p:sp>
+        <p:nvSpPr>
+          <p:cNvPr id="3" name="ノート プレースホルダー 2"/>
+          <p:cNvSpPr>
+            <a:spLocks noGrp="1"/>
+          </p:cNvSpPr>
+          <p:nvPr>
+            <p:ph type="body" idx="1"/>
+          </p:nvPr>
+        </p:nvSpPr>
+        <p:spPr/>
+        <p:txBody>
+          <a:bodyPr/>
+          <a:lstStyle/>
+          <a:p>
+            <a:endParaRPr kumimoji="1" lang="ja-JP" altLang="en-US"/>
+          </a:p>
+        </p:txBody>
+      </p:sp>
+      <p:sp>
+        <p:nvSpPr>
+          <p:cNvPr id="4" name="スライド番号プレースホルダー 3"/>
+          <p:cNvSpPr>
+            <a:spLocks noGrp="1"/>
+          </p:cNvSpPr>
+          <p:nvPr>
+            <p:ph type="sldNum" sz="quarter" idx="10"/>
+          </p:nvPr>
+        </p:nvSpPr>
+        <p:spPr/>
+        <p:txBody>
+          <a:bodyPr/>
+          <a:lstStyle/>
+          <a:p>
+            <a:fld id="{60CD542F-1A79-4486-B3E9-700F8CC780A2}" type="slidenum">
+              <a:rPr kumimoji="1" lang="ja-JP" altLang="en-US" smtClean="0"/>
+              <a:t>1</a:t>
+            </a:fld>
+            <a:endParaRPr kumimoji="1" lang="ja-JP" altLang="en-US"/>
+          </a:p>
+        </p:txBody>
+      </p:sp>
+    </p:spTree>
+    <p:extLst>
+      <p:ext uri="{BB962C8B-B14F-4D97-AF65-F5344CB8AC3E}">
+        <p14:creationId xmlns:p14="http://schemas.microsoft.com/office/powerpoint/2010/main" val="92961961"/>
+      </p:ext>
+    </p:extLst>
+  </p:cSld>
+  <p:clrMapOvr>
+    <a:masterClrMapping/>
+  </p:clrMapOvr>
+</p:notes>
+</file>
+
+<file path=ppt/notesSlides/notesSlide2.xml><?xml version="1.0" encoding="utf-8"?>
 <p:notes xmlns:a="http://schemas.openxmlformats.org/drawingml/2006/main" xmlns:r="http://schemas.openxmlformats.org/officeDocument/2006/relationships" xmlns:p="http://schemas.openxmlformats.org/presentationml/2006/main">
   <p:cSld>
     <p:spTree>
@@ -3753,15 +3837,7 @@
           <a:p>
             <a:r>
               <a:rPr kumimoji="1" lang="ja-JP" altLang="en-US" sz="2000" dirty="0" smtClean="0"/>
-              <a:t>謎解き</a:t>
-            </a:r>
-            <a:r>
-              <a:rPr kumimoji="1" lang="ja-JP" altLang="en-US" sz="2000" dirty="0" smtClean="0"/>
-              <a:t>＆協力ゲーム</a:t>
-            </a:r>
-            <a:r>
-              <a:rPr kumimoji="1" lang="ja-JP" altLang="en-US" sz="2000" dirty="0" smtClean="0"/>
-              <a:t>（仮）</a:t>
+              <a:t>謎解き＆協力ゲーム（仮）</a:t>
             </a:r>
             <a:endParaRPr kumimoji="1" lang="ja-JP" altLang="en-US" sz="2000" dirty="0"/>
           </a:p>
@@ -3779,8 +3855,8 @@
         </p:nvSpPr>
         <p:spPr>
           <a:xfrm>
-            <a:off x="838200" y="1352939"/>
-            <a:ext cx="10515600" cy="4824024"/>
+            <a:off x="575187" y="1352939"/>
+            <a:ext cx="5279924" cy="4824024"/>
           </a:xfrm>
         </p:spPr>
         <p:txBody>
@@ -3792,7 +3868,552 @@
             <a:pPr marL="0" indent="0">
               <a:buNone/>
             </a:pPr>
+            <a:r>
+              <a:rPr kumimoji="1" lang="ja-JP" altLang="en-US" sz="2000" dirty="0" smtClean="0"/>
+              <a:t>プレイヤー</a:t>
+            </a:r>
             <a:endParaRPr kumimoji="1" lang="en-US" altLang="ja-JP" sz="2000" dirty="0" smtClean="0"/>
+          </a:p>
+          <a:p>
+            <a:pPr marL="0" indent="0">
+              <a:buNone/>
+            </a:pPr>
+            <a:r>
+              <a:rPr lang="ja-JP" altLang="en-US" sz="2000" dirty="0" smtClean="0"/>
+              <a:t>変身前</a:t>
+            </a:r>
+            <a:r>
+              <a:rPr lang="en-US" altLang="ja-JP" sz="2000" dirty="0" smtClean="0"/>
+              <a:t>	</a:t>
+            </a:r>
+            <a:r>
+              <a:rPr lang="en-US" altLang="ja-JP" sz="2000" dirty="0"/>
+              <a:t>	</a:t>
+            </a:r>
+            <a:r>
+              <a:rPr lang="ja-JP" altLang="en-US" sz="2000" dirty="0" smtClean="0"/>
+              <a:t>氷</a:t>
+            </a:r>
+            <a:endParaRPr lang="en-US" altLang="ja-JP" sz="2000" dirty="0" smtClean="0"/>
+          </a:p>
+          <a:p>
+            <a:pPr marL="0" indent="0">
+              <a:buNone/>
+            </a:pPr>
+            <a:r>
+              <a:rPr lang="ja-JP" altLang="en-US" sz="2000" dirty="0" smtClean="0"/>
+              <a:t>氷状態でできる事</a:t>
+            </a:r>
+            <a:endParaRPr lang="en-US" altLang="ja-JP" sz="2000" dirty="0" smtClean="0"/>
+          </a:p>
+          <a:p>
+            <a:pPr marL="0" indent="0">
+              <a:buNone/>
+            </a:pPr>
+            <a:r>
+              <a:rPr lang="ja-JP" altLang="en-US" sz="2000" dirty="0" smtClean="0"/>
+              <a:t>ジャンプ</a:t>
+            </a:r>
+            <a:r>
+              <a:rPr lang="ja-JP" altLang="en-US" sz="2000" dirty="0"/>
+              <a:t>が</a:t>
+            </a:r>
+            <a:r>
+              <a:rPr lang="ja-JP" altLang="en-US" sz="2000" dirty="0" smtClean="0"/>
+              <a:t>できる</a:t>
+            </a:r>
+            <a:endParaRPr lang="en-US" altLang="ja-JP" sz="2000" dirty="0" smtClean="0"/>
+          </a:p>
+          <a:p>
+            <a:pPr marL="0" indent="0">
+              <a:buNone/>
+            </a:pPr>
+            <a:r>
+              <a:rPr lang="ja-JP" altLang="en-US" sz="2000" dirty="0" smtClean="0"/>
+              <a:t>水の状態の時よりも移動速度が速い</a:t>
+            </a:r>
+            <a:endParaRPr lang="en-US" altLang="ja-JP" sz="2000" dirty="0" smtClean="0"/>
+          </a:p>
+          <a:p>
+            <a:pPr marL="0" indent="0">
+              <a:buNone/>
+            </a:pPr>
+            <a:r>
+              <a:rPr lang="ja-JP" altLang="en-US" sz="2000" dirty="0" smtClean="0"/>
+              <a:t>自分から水に変身できる</a:t>
+            </a:r>
+            <a:r>
+              <a:rPr lang="en-US" altLang="ja-JP" sz="2000" dirty="0" smtClean="0"/>
+              <a:t>(</a:t>
+            </a:r>
+            <a:r>
+              <a:rPr lang="ja-JP" altLang="en-US" sz="2000" dirty="0" smtClean="0"/>
+              <a:t>なくすかも？</a:t>
+            </a:r>
+            <a:r>
+              <a:rPr lang="en-US" altLang="ja-JP" sz="2000" dirty="0" smtClean="0"/>
+              <a:t>)</a:t>
+            </a:r>
+          </a:p>
+          <a:p>
+            <a:pPr marL="0" indent="0">
+              <a:buNone/>
+            </a:pPr>
+            <a:r>
+              <a:rPr lang="ja-JP" altLang="en-US" sz="2000" dirty="0"/>
+              <a:t>弱点</a:t>
+            </a:r>
+            <a:endParaRPr lang="en-US" altLang="ja-JP" sz="2000" dirty="0" smtClean="0"/>
+          </a:p>
+          <a:p>
+            <a:pPr marL="0" indent="0">
+              <a:buNone/>
+            </a:pPr>
+            <a:r>
+              <a:rPr lang="ja-JP" altLang="en-US" sz="2000" dirty="0" smtClean="0"/>
+              <a:t>炎</a:t>
+            </a:r>
+            <a:r>
+              <a:rPr lang="ja-JP" altLang="en-US" sz="2000" dirty="0" smtClean="0"/>
+              <a:t>に触れると</a:t>
+            </a:r>
+            <a:r>
+              <a:rPr lang="ja-JP" altLang="en-US" sz="2000" dirty="0" smtClean="0"/>
+              <a:t>強制的に水に</a:t>
+            </a:r>
+            <a:r>
+              <a:rPr lang="ja-JP" altLang="en-US" sz="2000" dirty="0" smtClean="0"/>
+              <a:t>なる</a:t>
+            </a:r>
+            <a:endParaRPr lang="en-US" altLang="ja-JP" sz="2000" dirty="0" smtClean="0"/>
+          </a:p>
+          <a:p>
+            <a:pPr marL="0" indent="0">
+              <a:buNone/>
+            </a:pPr>
+            <a:r>
+              <a:rPr lang="ja-JP" altLang="en-US" sz="2000" dirty="0" smtClean="0"/>
+              <a:t>水に数秒</a:t>
+            </a:r>
+            <a:r>
+              <a:rPr lang="en-US" altLang="ja-JP" sz="2000" dirty="0"/>
+              <a:t>(3</a:t>
+            </a:r>
+            <a:r>
+              <a:rPr lang="ja-JP" altLang="en-US" sz="2000" dirty="0"/>
+              <a:t>秒ぐらい</a:t>
+            </a:r>
+            <a:r>
+              <a:rPr lang="en-US" altLang="ja-JP" sz="2000" dirty="0" smtClean="0"/>
+              <a:t>)</a:t>
+            </a:r>
+            <a:r>
+              <a:rPr lang="ja-JP" altLang="en-US" sz="2000" dirty="0" smtClean="0"/>
+              <a:t>触れていると</a:t>
+            </a:r>
+            <a:r>
+              <a:rPr lang="ja-JP" altLang="en-US" sz="2000" dirty="0"/>
+              <a:t>水になる</a:t>
+            </a:r>
+            <a:endParaRPr lang="en-US" altLang="ja-JP" sz="2000" dirty="0"/>
+          </a:p>
+          <a:p>
+            <a:pPr marL="0" indent="0">
+              <a:buNone/>
+            </a:pPr>
+            <a:r>
+              <a:rPr lang="ja-JP" altLang="en-US" sz="2000" dirty="0" smtClean="0"/>
+              <a:t>氷</a:t>
+            </a:r>
+            <a:r>
+              <a:rPr lang="ja-JP" altLang="en-US" sz="2000" dirty="0" smtClean="0"/>
+              <a:t>状態では通れない場所がある</a:t>
+            </a:r>
+            <a:endParaRPr lang="en-US" altLang="ja-JP" sz="2000" dirty="0" smtClean="0"/>
+          </a:p>
+          <a:p>
+            <a:pPr marL="0" indent="0">
+              <a:buNone/>
+            </a:pPr>
+            <a:r>
+              <a:rPr lang="ja-JP" altLang="en-US" sz="2000" dirty="0"/>
+              <a:t>高いとこ</a:t>
+            </a:r>
+            <a:r>
+              <a:rPr lang="ja-JP" altLang="en-US" sz="2000" dirty="0" smtClean="0"/>
+              <a:t>から落ちると</a:t>
+            </a:r>
+            <a:r>
+              <a:rPr lang="ja-JP" altLang="en-US" sz="2000" dirty="0" smtClean="0"/>
+              <a:t>死ぬ</a:t>
+            </a:r>
+            <a:endParaRPr lang="en-US" altLang="ja-JP" sz="2000" dirty="0" smtClean="0"/>
+          </a:p>
+        </p:txBody>
+      </p:sp>
+      <p:sp>
+        <p:nvSpPr>
+          <p:cNvPr id="4" name="コンテンツ プレースホルダー 2"/>
+          <p:cNvSpPr txBox="1">
+            <a:spLocks/>
+          </p:cNvSpPr>
+          <p:nvPr/>
+        </p:nvSpPr>
+        <p:spPr>
+          <a:xfrm>
+            <a:off x="6255775" y="1352939"/>
+            <a:ext cx="5823154" cy="4824024"/>
+          </a:xfrm>
+          <a:prstGeom prst="rect">
+            <a:avLst/>
+          </a:prstGeom>
+        </p:spPr>
+        <p:txBody>
+          <a:bodyPr vert="horz" lIns="91440" tIns="45720" rIns="91440" bIns="45720" rtlCol="0">
+            <a:normAutofit/>
+          </a:bodyPr>
+          <a:lstStyle>
+            <a:lvl1pPr marL="228600" indent="-228600" algn="l" defTabSz="914400" rtl="0" eaLnBrk="1" latinLnBrk="0" hangingPunct="1">
+              <a:lnSpc>
+                <a:spcPct val="90000"/>
+              </a:lnSpc>
+              <a:spcBef>
+                <a:spcPts val="1000"/>
+              </a:spcBef>
+              <a:buFont typeface="Arial" panose="020B0604020202020204" pitchFamily="34" charset="0"/>
+              <a:buChar char="•"/>
+              <a:defRPr kumimoji="1" sz="2800" kern="1200">
+                <a:solidFill>
+                  <a:schemeClr val="tx1"/>
+                </a:solidFill>
+                <a:latin typeface="+mn-lt"/>
+                <a:ea typeface="+mn-ea"/>
+                <a:cs typeface="+mn-cs"/>
+              </a:defRPr>
+            </a:lvl1pPr>
+            <a:lvl2pPr marL="685800" indent="-228600" algn="l" defTabSz="914400" rtl="0" eaLnBrk="1" latinLnBrk="0" hangingPunct="1">
+              <a:lnSpc>
+                <a:spcPct val="90000"/>
+              </a:lnSpc>
+              <a:spcBef>
+                <a:spcPts val="500"/>
+              </a:spcBef>
+              <a:buFont typeface="Arial" panose="020B0604020202020204" pitchFamily="34" charset="0"/>
+              <a:buChar char="•"/>
+              <a:defRPr kumimoji="1" sz="2400" kern="1200">
+                <a:solidFill>
+                  <a:schemeClr val="tx1"/>
+                </a:solidFill>
+                <a:latin typeface="+mn-lt"/>
+                <a:ea typeface="+mn-ea"/>
+                <a:cs typeface="+mn-cs"/>
+              </a:defRPr>
+            </a:lvl2pPr>
+            <a:lvl3pPr marL="1143000" indent="-228600" algn="l" defTabSz="914400" rtl="0" eaLnBrk="1" latinLnBrk="0" hangingPunct="1">
+              <a:lnSpc>
+                <a:spcPct val="90000"/>
+              </a:lnSpc>
+              <a:spcBef>
+                <a:spcPts val="500"/>
+              </a:spcBef>
+              <a:buFont typeface="Arial" panose="020B0604020202020204" pitchFamily="34" charset="0"/>
+              <a:buChar char="•"/>
+              <a:defRPr kumimoji="1" sz="2000" kern="1200">
+                <a:solidFill>
+                  <a:schemeClr val="tx1"/>
+                </a:solidFill>
+                <a:latin typeface="+mn-lt"/>
+                <a:ea typeface="+mn-ea"/>
+                <a:cs typeface="+mn-cs"/>
+              </a:defRPr>
+            </a:lvl3pPr>
+            <a:lvl4pPr marL="1600200" indent="-228600" algn="l" defTabSz="914400" rtl="0" eaLnBrk="1" latinLnBrk="0" hangingPunct="1">
+              <a:lnSpc>
+                <a:spcPct val="90000"/>
+              </a:lnSpc>
+              <a:spcBef>
+                <a:spcPts val="500"/>
+              </a:spcBef>
+              <a:buFont typeface="Arial" panose="020B0604020202020204" pitchFamily="34" charset="0"/>
+              <a:buChar char="•"/>
+              <a:defRPr kumimoji="1" sz="1800" kern="1200">
+                <a:solidFill>
+                  <a:schemeClr val="tx1"/>
+                </a:solidFill>
+                <a:latin typeface="+mn-lt"/>
+                <a:ea typeface="+mn-ea"/>
+                <a:cs typeface="+mn-cs"/>
+              </a:defRPr>
+            </a:lvl4pPr>
+            <a:lvl5pPr marL="2057400" indent="-228600" algn="l" defTabSz="914400" rtl="0" eaLnBrk="1" latinLnBrk="0" hangingPunct="1">
+              <a:lnSpc>
+                <a:spcPct val="90000"/>
+              </a:lnSpc>
+              <a:spcBef>
+                <a:spcPts val="500"/>
+              </a:spcBef>
+              <a:buFont typeface="Arial" panose="020B0604020202020204" pitchFamily="34" charset="0"/>
+              <a:buChar char="•"/>
+              <a:defRPr kumimoji="1" sz="1800" kern="1200">
+                <a:solidFill>
+                  <a:schemeClr val="tx1"/>
+                </a:solidFill>
+                <a:latin typeface="+mn-lt"/>
+                <a:ea typeface="+mn-ea"/>
+                <a:cs typeface="+mn-cs"/>
+              </a:defRPr>
+            </a:lvl5pPr>
+            <a:lvl6pPr marL="2514600" indent="-228600" algn="l" defTabSz="914400" rtl="0" eaLnBrk="1" latinLnBrk="0" hangingPunct="1">
+              <a:lnSpc>
+                <a:spcPct val="90000"/>
+              </a:lnSpc>
+              <a:spcBef>
+                <a:spcPts val="500"/>
+              </a:spcBef>
+              <a:buFont typeface="Arial" panose="020B0604020202020204" pitchFamily="34" charset="0"/>
+              <a:buChar char="•"/>
+              <a:defRPr kumimoji="1" sz="1800" kern="1200">
+                <a:solidFill>
+                  <a:schemeClr val="tx1"/>
+                </a:solidFill>
+                <a:latin typeface="+mn-lt"/>
+                <a:ea typeface="+mn-ea"/>
+                <a:cs typeface="+mn-cs"/>
+              </a:defRPr>
+            </a:lvl6pPr>
+            <a:lvl7pPr marL="2971800" indent="-228600" algn="l" defTabSz="914400" rtl="0" eaLnBrk="1" latinLnBrk="0" hangingPunct="1">
+              <a:lnSpc>
+                <a:spcPct val="90000"/>
+              </a:lnSpc>
+              <a:spcBef>
+                <a:spcPts val="500"/>
+              </a:spcBef>
+              <a:buFont typeface="Arial" panose="020B0604020202020204" pitchFamily="34" charset="0"/>
+              <a:buChar char="•"/>
+              <a:defRPr kumimoji="1" sz="1800" kern="1200">
+                <a:solidFill>
+                  <a:schemeClr val="tx1"/>
+                </a:solidFill>
+                <a:latin typeface="+mn-lt"/>
+                <a:ea typeface="+mn-ea"/>
+                <a:cs typeface="+mn-cs"/>
+              </a:defRPr>
+            </a:lvl7pPr>
+            <a:lvl8pPr marL="3429000" indent="-228600" algn="l" defTabSz="914400" rtl="0" eaLnBrk="1" latinLnBrk="0" hangingPunct="1">
+              <a:lnSpc>
+                <a:spcPct val="90000"/>
+              </a:lnSpc>
+              <a:spcBef>
+                <a:spcPts val="500"/>
+              </a:spcBef>
+              <a:buFont typeface="Arial" panose="020B0604020202020204" pitchFamily="34" charset="0"/>
+              <a:buChar char="•"/>
+              <a:defRPr kumimoji="1" sz="1800" kern="1200">
+                <a:solidFill>
+                  <a:schemeClr val="tx1"/>
+                </a:solidFill>
+                <a:latin typeface="+mn-lt"/>
+                <a:ea typeface="+mn-ea"/>
+                <a:cs typeface="+mn-cs"/>
+              </a:defRPr>
+            </a:lvl8pPr>
+            <a:lvl9pPr marL="3886200" indent="-228600" algn="l" defTabSz="914400" rtl="0" eaLnBrk="1" latinLnBrk="0" hangingPunct="1">
+              <a:lnSpc>
+                <a:spcPct val="90000"/>
+              </a:lnSpc>
+              <a:spcBef>
+                <a:spcPts val="500"/>
+              </a:spcBef>
+              <a:buFont typeface="Arial" panose="020B0604020202020204" pitchFamily="34" charset="0"/>
+              <a:buChar char="•"/>
+              <a:defRPr kumimoji="1" sz="1800" kern="1200">
+                <a:solidFill>
+                  <a:schemeClr val="tx1"/>
+                </a:solidFill>
+                <a:latin typeface="+mn-lt"/>
+                <a:ea typeface="+mn-ea"/>
+                <a:cs typeface="+mn-cs"/>
+              </a:defRPr>
+            </a:lvl9pPr>
+          </a:lstStyle>
+          <a:p>
+            <a:pPr marL="0" indent="0">
+              <a:buFont typeface="Arial" panose="020B0604020202020204" pitchFamily="34" charset="0"/>
+              <a:buNone/>
+            </a:pPr>
+            <a:r>
+              <a:rPr lang="ja-JP" altLang="en-US" sz="2000" dirty="0" smtClean="0"/>
+              <a:t>プレイヤー</a:t>
+            </a:r>
+            <a:endParaRPr lang="en-US" altLang="ja-JP" sz="2000" dirty="0" smtClean="0"/>
+          </a:p>
+          <a:p>
+            <a:pPr marL="0" indent="0">
+              <a:buFont typeface="Arial" panose="020B0604020202020204" pitchFamily="34" charset="0"/>
+              <a:buNone/>
+            </a:pPr>
+            <a:r>
+              <a:rPr lang="ja-JP" altLang="en-US" sz="2000" dirty="0" smtClean="0"/>
+              <a:t>変身後</a:t>
+            </a:r>
+            <a:r>
+              <a:rPr lang="en-US" altLang="ja-JP" sz="2000" dirty="0" smtClean="0"/>
+              <a:t>		</a:t>
+            </a:r>
+            <a:r>
+              <a:rPr lang="ja-JP" altLang="en-US" sz="2000" dirty="0" smtClean="0"/>
+              <a:t>水</a:t>
+            </a:r>
+            <a:endParaRPr lang="en-US" altLang="ja-JP" sz="2000" dirty="0" smtClean="0"/>
+          </a:p>
+          <a:p>
+            <a:pPr marL="0" indent="0">
+              <a:buNone/>
+            </a:pPr>
+            <a:r>
+              <a:rPr lang="ja-JP" altLang="en-US" sz="2000" dirty="0" smtClean="0"/>
+              <a:t>水状態</a:t>
+            </a:r>
+            <a:r>
+              <a:rPr lang="ja-JP" altLang="en-US" sz="2000" dirty="0"/>
+              <a:t>でできる</a:t>
+            </a:r>
+            <a:r>
+              <a:rPr lang="ja-JP" altLang="en-US" sz="2000" dirty="0" smtClean="0"/>
+              <a:t>事</a:t>
+            </a:r>
+            <a:endParaRPr lang="en-US" altLang="ja-JP" sz="2000" dirty="0" smtClean="0"/>
+          </a:p>
+          <a:p>
+            <a:pPr marL="0" indent="0">
+              <a:buNone/>
+            </a:pPr>
+            <a:r>
+              <a:rPr lang="ja-JP" altLang="en-US" sz="2000" dirty="0"/>
+              <a:t>氷状態では通れない</a:t>
+            </a:r>
+            <a:r>
+              <a:rPr lang="ja-JP" altLang="en-US" sz="2000" dirty="0" smtClean="0"/>
+              <a:t>場所を通れる</a:t>
+            </a:r>
+            <a:endParaRPr lang="en-US" altLang="ja-JP" sz="2000" dirty="0"/>
+          </a:p>
+          <a:p>
+            <a:pPr marL="0" indent="0">
+              <a:buNone/>
+            </a:pPr>
+            <a:r>
+              <a:rPr lang="ja-JP" altLang="en-US" sz="2000" dirty="0"/>
+              <a:t>高いとこから</a:t>
+            </a:r>
+            <a:r>
+              <a:rPr lang="ja-JP" altLang="en-US" sz="2000" dirty="0" smtClean="0"/>
+              <a:t>落ちても平気</a:t>
+            </a:r>
+            <a:endParaRPr lang="en-US" altLang="ja-JP" sz="2000" dirty="0" smtClean="0"/>
+          </a:p>
+          <a:p>
+            <a:pPr marL="0" indent="0">
+              <a:buNone/>
+            </a:pPr>
+            <a:r>
+              <a:rPr lang="ja-JP" altLang="en-US" sz="2000" dirty="0" smtClean="0"/>
+              <a:t>氷状態に戻るには回数制限がある</a:t>
+            </a:r>
+            <a:endParaRPr lang="en-US" altLang="ja-JP" sz="2000" dirty="0"/>
+          </a:p>
+          <a:p>
+            <a:pPr marL="0" indent="0">
+              <a:buFont typeface="Arial" panose="020B0604020202020204" pitchFamily="34" charset="0"/>
+              <a:buNone/>
+            </a:pPr>
+            <a:r>
+              <a:rPr lang="en-US" altLang="ja-JP" sz="2000" dirty="0" smtClean="0"/>
+              <a:t>(</a:t>
+            </a:r>
+            <a:r>
+              <a:rPr lang="ja-JP" altLang="en-US" sz="2000" dirty="0" smtClean="0"/>
+              <a:t>アイテムなどで戻す又は回復させる</a:t>
+            </a:r>
+            <a:r>
+              <a:rPr lang="en-US" altLang="ja-JP" sz="2000" dirty="0" smtClean="0"/>
+              <a:t>)</a:t>
+            </a:r>
+          </a:p>
+          <a:p>
+            <a:pPr marL="0" indent="0">
+              <a:buFont typeface="Arial" panose="020B0604020202020204" pitchFamily="34" charset="0"/>
+              <a:buNone/>
+            </a:pPr>
+            <a:r>
+              <a:rPr lang="ja-JP" altLang="en-US" sz="2000" dirty="0" smtClean="0"/>
+              <a:t>弱点</a:t>
+            </a:r>
+            <a:endParaRPr lang="en-US" altLang="ja-JP" sz="2000" dirty="0" smtClean="0"/>
+          </a:p>
+          <a:p>
+            <a:pPr marL="0" indent="0">
+              <a:buFont typeface="Arial" panose="020B0604020202020204" pitchFamily="34" charset="0"/>
+              <a:buNone/>
+            </a:pPr>
+            <a:r>
+              <a:rPr lang="ja-JP" altLang="en-US" sz="2000" dirty="0" smtClean="0"/>
+              <a:t>ステージに配置してある水に触れると混ざり死ぬ</a:t>
+            </a:r>
+            <a:endParaRPr lang="en-US" altLang="ja-JP" sz="2000" dirty="0" smtClean="0"/>
+          </a:p>
+          <a:p>
+            <a:pPr marL="0" indent="0">
+              <a:buFont typeface="Arial" panose="020B0604020202020204" pitchFamily="34" charset="0"/>
+              <a:buNone/>
+            </a:pPr>
+            <a:r>
+              <a:rPr lang="ja-JP" altLang="en-US" sz="2000" dirty="0" smtClean="0"/>
+              <a:t>ジャンプがないので段差を超えることができない</a:t>
+            </a:r>
+            <a:endParaRPr lang="en-US" altLang="ja-JP" sz="2000" dirty="0" smtClean="0"/>
+          </a:p>
+          <a:p>
+            <a:pPr marL="0" indent="0">
+              <a:buFont typeface="Arial" panose="020B0604020202020204" pitchFamily="34" charset="0"/>
+              <a:buNone/>
+            </a:pPr>
+            <a:r>
+              <a:rPr lang="ja-JP" altLang="en-US" sz="2000" dirty="0" smtClean="0"/>
+              <a:t>炎に</a:t>
+            </a:r>
+            <a:r>
+              <a:rPr lang="ja-JP" altLang="en-US" sz="2000" dirty="0" smtClean="0"/>
+              <a:t>数秒</a:t>
+            </a:r>
+            <a:r>
+              <a:rPr lang="en-US" altLang="ja-JP" sz="2000" dirty="0" smtClean="0"/>
+              <a:t>(3</a:t>
+            </a:r>
+            <a:r>
+              <a:rPr lang="ja-JP" altLang="en-US" sz="2000" dirty="0" smtClean="0"/>
+              <a:t>秒ぐらい</a:t>
+            </a:r>
+            <a:r>
+              <a:rPr lang="en-US" altLang="ja-JP" sz="2000" dirty="0" smtClean="0"/>
+              <a:t>)</a:t>
+            </a:r>
+            <a:r>
+              <a:rPr lang="ja-JP" altLang="en-US" sz="2000" dirty="0" smtClean="0"/>
+              <a:t>触れている</a:t>
+            </a:r>
+            <a:r>
+              <a:rPr lang="ja-JP" altLang="en-US" sz="2000" dirty="0" smtClean="0"/>
+              <a:t>と死ぬ</a:t>
+            </a:r>
+            <a:endParaRPr lang="en-US" altLang="ja-JP" sz="2000" dirty="0" smtClean="0"/>
+          </a:p>
+          <a:p>
+            <a:pPr marL="0" indent="0">
+              <a:buFont typeface="Arial" panose="020B0604020202020204" pitchFamily="34" charset="0"/>
+              <a:buNone/>
+            </a:pPr>
+            <a:endParaRPr lang="en-US" altLang="ja-JP" sz="2000" dirty="0" smtClean="0"/>
           </a:p>
         </p:txBody>
       </p:sp>

--- a/□□□ゲーム(仮).pptx
+++ b/□□□ゲーム(仮).pptx
@@ -5,13 +5,15 @@
     <p:sldMasterId id="2147483648" r:id="rId1"/>
   </p:sldMasterIdLst>
   <p:notesMasterIdLst>
-    <p:notesMasterId r:id="rId6"/>
+    <p:notesMasterId r:id="rId8"/>
   </p:notesMasterIdLst>
   <p:sldIdLst>
-    <p:sldId id="256" r:id="rId2"/>
-    <p:sldId id="258" r:id="rId3"/>
+    <p:sldId id="261" r:id="rId2"/>
+    <p:sldId id="262" r:id="rId3"/>
     <p:sldId id="259" r:id="rId4"/>
-    <p:sldId id="257" r:id="rId5"/>
+    <p:sldId id="256" r:id="rId5"/>
+    <p:sldId id="258" r:id="rId6"/>
+    <p:sldId id="257" r:id="rId7"/>
   </p:sldIdLst>
   <p:sldSz cx="12192000" cy="6858000"/>
   <p:notesSz cx="6858000" cy="9144000"/>
@@ -200,7 +202,7 @@
           <a:p>
             <a:fld id="{94869531-5E3E-498E-9ECE-00ABEC0EC061}" type="datetimeFigureOut">
               <a:rPr kumimoji="1" lang="ja-JP" altLang="en-US" smtClean="0"/>
-              <a:t>2022/10/28</a:t>
+              <a:t>2022/11/2</a:t>
             </a:fld>
             <a:endParaRPr kumimoji="1" lang="ja-JP" altLang="en-US"/>
           </a:p>
@@ -544,7 +546,7 @@
           <a:bodyPr/>
           <a:lstStyle/>
           <a:p>
-            <a:endParaRPr kumimoji="1" lang="ja-JP" altLang="en-US"/>
+            <a:endParaRPr kumimoji="1" lang="ja-JP" altLang="en-US" dirty="0"/>
           </a:p>
         </p:txBody>
       </p:sp>
@@ -565,7 +567,7 @@
           <a:p>
             <a:fld id="{60CD542F-1A79-4486-B3E9-700F8CC780A2}" type="slidenum">
               <a:rPr kumimoji="1" lang="ja-JP" altLang="en-US" smtClean="0"/>
-              <a:t>1</a:t>
+              <a:t>3</a:t>
             </a:fld>
             <a:endParaRPr kumimoji="1" lang="ja-JP" altLang="en-US"/>
           </a:p>
@@ -574,7 +576,7 @@
     </p:spTree>
     <p:extLst>
       <p:ext uri="{BB962C8B-B14F-4D97-AF65-F5344CB8AC3E}">
-        <p14:creationId xmlns:p14="http://schemas.microsoft.com/office/powerpoint/2010/main" val="92961961"/>
+        <p14:creationId xmlns:p14="http://schemas.microsoft.com/office/powerpoint/2010/main" val="3734769931"/>
       </p:ext>
     </p:extLst>
   </p:cSld>
@@ -628,7 +630,7 @@
           <a:bodyPr/>
           <a:lstStyle/>
           <a:p>
-            <a:endParaRPr kumimoji="1" lang="ja-JP" altLang="en-US" dirty="0"/>
+            <a:endParaRPr kumimoji="1" lang="ja-JP" altLang="en-US"/>
           </a:p>
         </p:txBody>
       </p:sp>
@@ -649,7 +651,7 @@
           <a:p>
             <a:fld id="{60CD542F-1A79-4486-B3E9-700F8CC780A2}" type="slidenum">
               <a:rPr kumimoji="1" lang="ja-JP" altLang="en-US" smtClean="0"/>
-              <a:t>3</a:t>
+              <a:t>4</a:t>
             </a:fld>
             <a:endParaRPr kumimoji="1" lang="ja-JP" altLang="en-US"/>
           </a:p>
@@ -658,7 +660,7 @@
     </p:spTree>
     <p:extLst>
       <p:ext uri="{BB962C8B-B14F-4D97-AF65-F5344CB8AC3E}">
-        <p14:creationId xmlns:p14="http://schemas.microsoft.com/office/powerpoint/2010/main" val="3734769931"/>
+        <p14:creationId xmlns:p14="http://schemas.microsoft.com/office/powerpoint/2010/main" val="92961961"/>
       </p:ext>
     </p:extLst>
   </p:cSld>
@@ -799,7 +801,7 @@
           <a:p>
             <a:fld id="{2D9CFD7B-CAFF-4F5E-A16F-0D9656959DFA}" type="datetimeFigureOut">
               <a:rPr kumimoji="1" lang="ja-JP" altLang="en-US" smtClean="0"/>
-              <a:t>2022/10/28</a:t>
+              <a:t>2022/11/2</a:t>
             </a:fld>
             <a:endParaRPr kumimoji="1" lang="ja-JP" altLang="en-US"/>
           </a:p>
@@ -1001,7 +1003,7 @@
           <a:p>
             <a:fld id="{2D9CFD7B-CAFF-4F5E-A16F-0D9656959DFA}" type="datetimeFigureOut">
               <a:rPr kumimoji="1" lang="ja-JP" altLang="en-US" smtClean="0"/>
-              <a:t>2022/10/28</a:t>
+              <a:t>2022/11/2</a:t>
             </a:fld>
             <a:endParaRPr kumimoji="1" lang="ja-JP" altLang="en-US"/>
           </a:p>
@@ -1213,7 +1215,7 @@
           <a:p>
             <a:fld id="{2D9CFD7B-CAFF-4F5E-A16F-0D9656959DFA}" type="datetimeFigureOut">
               <a:rPr kumimoji="1" lang="ja-JP" altLang="en-US" smtClean="0"/>
-              <a:t>2022/10/28</a:t>
+              <a:t>2022/11/2</a:t>
             </a:fld>
             <a:endParaRPr kumimoji="1" lang="ja-JP" altLang="en-US"/>
           </a:p>
@@ -1415,7 +1417,7 @@
           <a:p>
             <a:fld id="{2D9CFD7B-CAFF-4F5E-A16F-0D9656959DFA}" type="datetimeFigureOut">
               <a:rPr kumimoji="1" lang="ja-JP" altLang="en-US" smtClean="0"/>
-              <a:t>2022/10/28</a:t>
+              <a:t>2022/11/2</a:t>
             </a:fld>
             <a:endParaRPr kumimoji="1" lang="ja-JP" altLang="en-US"/>
           </a:p>
@@ -1661,7 +1663,7 @@
           <a:p>
             <a:fld id="{2D9CFD7B-CAFF-4F5E-A16F-0D9656959DFA}" type="datetimeFigureOut">
               <a:rPr kumimoji="1" lang="ja-JP" altLang="en-US" smtClean="0"/>
-              <a:t>2022/10/28</a:t>
+              <a:t>2022/11/2</a:t>
             </a:fld>
             <a:endParaRPr kumimoji="1" lang="ja-JP" altLang="en-US"/>
           </a:p>
@@ -1957,7 +1959,7 @@
           <a:p>
             <a:fld id="{2D9CFD7B-CAFF-4F5E-A16F-0D9656959DFA}" type="datetimeFigureOut">
               <a:rPr kumimoji="1" lang="ja-JP" altLang="en-US" smtClean="0"/>
-              <a:t>2022/10/28</a:t>
+              <a:t>2022/11/2</a:t>
             </a:fld>
             <a:endParaRPr kumimoji="1" lang="ja-JP" altLang="en-US"/>
           </a:p>
@@ -2388,7 +2390,7 @@
           <a:p>
             <a:fld id="{2D9CFD7B-CAFF-4F5E-A16F-0D9656959DFA}" type="datetimeFigureOut">
               <a:rPr kumimoji="1" lang="ja-JP" altLang="en-US" smtClean="0"/>
-              <a:t>2022/10/28</a:t>
+              <a:t>2022/11/2</a:t>
             </a:fld>
             <a:endParaRPr kumimoji="1" lang="ja-JP" altLang="en-US"/>
           </a:p>
@@ -2506,7 +2508,7 @@
           <a:p>
             <a:fld id="{2D9CFD7B-CAFF-4F5E-A16F-0D9656959DFA}" type="datetimeFigureOut">
               <a:rPr kumimoji="1" lang="ja-JP" altLang="en-US" smtClean="0"/>
-              <a:t>2022/10/28</a:t>
+              <a:t>2022/11/2</a:t>
             </a:fld>
             <a:endParaRPr kumimoji="1" lang="ja-JP" altLang="en-US"/>
           </a:p>
@@ -2601,7 +2603,7 @@
           <a:p>
             <a:fld id="{2D9CFD7B-CAFF-4F5E-A16F-0D9656959DFA}" type="datetimeFigureOut">
               <a:rPr kumimoji="1" lang="ja-JP" altLang="en-US" smtClean="0"/>
-              <a:t>2022/10/28</a:t>
+              <a:t>2022/11/2</a:t>
             </a:fld>
             <a:endParaRPr kumimoji="1" lang="ja-JP" altLang="en-US"/>
           </a:p>
@@ -2910,7 +2912,7 @@
           <a:p>
             <a:fld id="{2D9CFD7B-CAFF-4F5E-A16F-0D9656959DFA}" type="datetimeFigureOut">
               <a:rPr kumimoji="1" lang="ja-JP" altLang="en-US" smtClean="0"/>
-              <a:t>2022/10/28</a:t>
+              <a:t>2022/11/2</a:t>
             </a:fld>
             <a:endParaRPr kumimoji="1" lang="ja-JP" altLang="en-US"/>
           </a:p>
@@ -3163,7 +3165,7 @@
           <a:p>
             <a:fld id="{2D9CFD7B-CAFF-4F5E-A16F-0D9656959DFA}" type="datetimeFigureOut">
               <a:rPr kumimoji="1" lang="ja-JP" altLang="en-US" smtClean="0"/>
-              <a:t>2022/10/28</a:t>
+              <a:t>2022/11/2</a:t>
             </a:fld>
             <a:endParaRPr kumimoji="1" lang="ja-JP" altLang="en-US"/>
           </a:p>
@@ -3408,7 +3410,7 @@
           <a:p>
             <a:fld id="{2D9CFD7B-CAFF-4F5E-A16F-0D9656959DFA}" type="datetimeFigureOut">
               <a:rPr kumimoji="1" lang="ja-JP" altLang="en-US" smtClean="0"/>
-              <a:t>2022/10/28</a:t>
+              <a:t>2022/11/2</a:t>
             </a:fld>
             <a:endParaRPr kumimoji="1" lang="ja-JP" altLang="en-US"/>
           </a:p>
@@ -3815,18 +3817,18 @@
       </p:grpSpPr>
       <p:sp>
         <p:nvSpPr>
-          <p:cNvPr id="2" name="タイトル 1"/>
-          <p:cNvSpPr>
-            <a:spLocks noGrp="1"/>
-          </p:cNvSpPr>
-          <p:nvPr>
-            <p:ph type="title"/>
+          <p:cNvPr id="3" name="コンテンツ プレースホルダー 2"/>
+          <p:cNvSpPr>
+            <a:spLocks noGrp="1"/>
+          </p:cNvSpPr>
+          <p:nvPr>
+            <p:ph idx="1"/>
           </p:nvPr>
         </p:nvSpPr>
         <p:spPr>
           <a:xfrm>
-            <a:off x="838200" y="365125"/>
-            <a:ext cx="4060371" cy="735887"/>
+            <a:off x="558282" y="1278294"/>
+            <a:ext cx="5459963" cy="4954653"/>
           </a:xfrm>
         </p:spPr>
         <p:txBody>
@@ -3836,218 +3838,153 @@
           <a:lstStyle/>
           <a:p>
             <a:r>
-              <a:rPr kumimoji="1" lang="ja-JP" altLang="en-US" sz="2000" dirty="0" smtClean="0"/>
-              <a:t>謎解き＆協力ゲーム（仮）</a:t>
-            </a:r>
-            <a:endParaRPr kumimoji="1" lang="ja-JP" altLang="en-US" sz="2000" dirty="0"/>
-          </a:p>
-        </p:txBody>
-      </p:sp>
-      <p:sp>
-        <p:nvSpPr>
-          <p:cNvPr id="3" name="コンテンツ プレースホルダー 2"/>
-          <p:cNvSpPr>
-            <a:spLocks noGrp="1"/>
-          </p:cNvSpPr>
-          <p:nvPr>
-            <p:ph idx="1"/>
-          </p:nvPr>
-        </p:nvSpPr>
-        <p:spPr>
-          <a:xfrm>
-            <a:off x="575187" y="1352939"/>
-            <a:ext cx="5279924" cy="4824024"/>
-          </a:xfrm>
-        </p:spPr>
-        <p:txBody>
-          <a:bodyPr>
-            <a:normAutofit/>
-          </a:bodyPr>
-          <a:lstStyle/>
+              <a:rPr lang="ja-JP" altLang="en-US" sz="1400" dirty="0"/>
+              <a:t>制限</a:t>
+            </a:r>
+            <a:r>
+              <a:rPr lang="ja-JP" altLang="en-US" sz="1400" dirty="0" smtClean="0"/>
+              <a:t>時間</a:t>
+            </a:r>
+            <a:endParaRPr kumimoji="1" lang="en-US" altLang="ja-JP" sz="1400" dirty="0" smtClean="0"/>
+          </a:p>
+          <a:p>
+            <a:r>
+              <a:rPr kumimoji="1" lang="ja-JP" altLang="en-US" sz="1400" dirty="0" smtClean="0"/>
+              <a:t>ひとりでもクリアできる</a:t>
+            </a:r>
+            <a:r>
+              <a:rPr lang="ja-JP" altLang="en-US" sz="1400" dirty="0"/>
+              <a:t>横</a:t>
+            </a:r>
+            <a:r>
+              <a:rPr lang="ja-JP" altLang="en-US" sz="1400" dirty="0" smtClean="0"/>
+              <a:t>スクロール</a:t>
+            </a:r>
+            <a:endParaRPr lang="en-US" altLang="ja-JP" sz="1400" dirty="0" smtClean="0"/>
+          </a:p>
           <a:p>
             <a:pPr marL="0" indent="0">
               <a:buNone/>
             </a:pPr>
             <a:r>
-              <a:rPr kumimoji="1" lang="ja-JP" altLang="en-US" sz="2000" dirty="0" smtClean="0"/>
-              <a:t>プレイヤー</a:t>
-            </a:r>
-            <a:endParaRPr kumimoji="1" lang="en-US" altLang="ja-JP" sz="2000" dirty="0" smtClean="0"/>
-          </a:p>
-          <a:p>
-            <a:pPr marL="0" indent="0">
-              <a:buNone/>
-            </a:pPr>
-            <a:r>
-              <a:rPr lang="ja-JP" altLang="en-US" sz="2000" dirty="0" smtClean="0"/>
-              <a:t>変身前</a:t>
-            </a:r>
-            <a:r>
-              <a:rPr lang="en-US" altLang="ja-JP" sz="2000" dirty="0" smtClean="0"/>
+              <a:rPr lang="en-US" altLang="ja-JP" sz="1400" dirty="0"/>
               <a:t>	</a:t>
             </a:r>
             <a:r>
-              <a:rPr lang="en-US" altLang="ja-JP" sz="2000" dirty="0"/>
-              <a:t>	</a:t>
-            </a:r>
-            <a:r>
-              <a:rPr lang="ja-JP" altLang="en-US" sz="2000" dirty="0" smtClean="0"/>
-              <a:t>氷</a:t>
-            </a:r>
-            <a:endParaRPr lang="en-US" altLang="ja-JP" sz="2000" dirty="0" smtClean="0"/>
-          </a:p>
-          <a:p>
-            <a:pPr marL="0" indent="0">
-              <a:buNone/>
-            </a:pPr>
-            <a:r>
-              <a:rPr lang="ja-JP" altLang="en-US" sz="2000" dirty="0" smtClean="0"/>
-              <a:t>氷状態でできる事</a:t>
-            </a:r>
-            <a:endParaRPr lang="en-US" altLang="ja-JP" sz="2000" dirty="0" smtClean="0"/>
-          </a:p>
-          <a:p>
-            <a:pPr marL="0" indent="0">
-              <a:buNone/>
-            </a:pPr>
-            <a:r>
-              <a:rPr lang="ja-JP" altLang="en-US" sz="2000" dirty="0" smtClean="0"/>
-              <a:t>ジャンプ</a:t>
-            </a:r>
-            <a:r>
-              <a:rPr lang="ja-JP" altLang="en-US" sz="2000" dirty="0"/>
-              <a:t>が</a:t>
-            </a:r>
-            <a:r>
-              <a:rPr lang="ja-JP" altLang="en-US" sz="2000" dirty="0" smtClean="0"/>
-              <a:t>できる</a:t>
-            </a:r>
-            <a:endParaRPr lang="en-US" altLang="ja-JP" sz="2000" dirty="0" smtClean="0"/>
-          </a:p>
-          <a:p>
-            <a:pPr marL="0" indent="0">
-              <a:buNone/>
-            </a:pPr>
-            <a:r>
-              <a:rPr lang="ja-JP" altLang="en-US" sz="2000" dirty="0" smtClean="0"/>
-              <a:t>水の状態の時よりも移動速度が速い</a:t>
-            </a:r>
-            <a:endParaRPr lang="en-US" altLang="ja-JP" sz="2000" dirty="0" smtClean="0"/>
-          </a:p>
-          <a:p>
-            <a:pPr marL="0" indent="0">
-              <a:buNone/>
-            </a:pPr>
-            <a:r>
-              <a:rPr lang="ja-JP" altLang="en-US" sz="2000" dirty="0" smtClean="0"/>
-              <a:t>自分から水に変身できる</a:t>
-            </a:r>
-            <a:r>
-              <a:rPr lang="en-US" altLang="ja-JP" sz="2000" dirty="0" smtClean="0"/>
+              <a:rPr lang="ja-JP" altLang="en-US" sz="1400" dirty="0" smtClean="0"/>
+              <a:t>イメージはスペランカーのようなステージ１つ</a:t>
+            </a:r>
+            <a:r>
+              <a:rPr lang="en-US" altLang="ja-JP" sz="1400" dirty="0" smtClean="0"/>
+              <a:t>or</a:t>
+            </a:r>
+            <a:r>
+              <a:rPr lang="ja-JP" altLang="en-US" sz="1400" dirty="0" smtClean="0"/>
+              <a:t>分割</a:t>
+            </a:r>
+            <a:endParaRPr lang="en-US" altLang="ja-JP" sz="1400" dirty="0"/>
+          </a:p>
+          <a:p>
+            <a:r>
+              <a:rPr kumimoji="1" lang="ja-JP" altLang="en-US" sz="1400" dirty="0" smtClean="0"/>
+              <a:t>体力はハートで初期は</a:t>
+            </a:r>
+            <a:r>
+              <a:rPr kumimoji="1" lang="en-US" altLang="ja-JP" sz="1400" dirty="0" smtClean="0"/>
+              <a:t>3</a:t>
+            </a:r>
+            <a:r>
+              <a:rPr kumimoji="1" lang="ja-JP" altLang="en-US" sz="1400" dirty="0" smtClean="0"/>
+              <a:t>つ</a:t>
+            </a:r>
+            <a:r>
+              <a:rPr kumimoji="1" lang="en-US" altLang="ja-JP" sz="1400" dirty="0" smtClean="0"/>
               <a:t>(</a:t>
             </a:r>
             <a:r>
-              <a:rPr lang="ja-JP" altLang="en-US" sz="2000" dirty="0" smtClean="0"/>
-              <a:t>なくすかも？</a:t>
-            </a:r>
-            <a:r>
-              <a:rPr lang="en-US" altLang="ja-JP" sz="2000" dirty="0" smtClean="0"/>
+              <a:rPr kumimoji="1" lang="ja-JP" altLang="en-US" sz="1400" dirty="0" smtClean="0"/>
+              <a:t>仮</a:t>
+            </a:r>
+            <a:r>
+              <a:rPr kumimoji="1" lang="en-US" altLang="ja-JP" sz="1400" dirty="0" smtClean="0"/>
               <a:t>)</a:t>
             </a:r>
           </a:p>
           <a:p>
-            <a:pPr marL="0" indent="0">
-              <a:buNone/>
-            </a:pPr>
-            <a:r>
-              <a:rPr lang="ja-JP" altLang="en-US" sz="2000" dirty="0"/>
-              <a:t>弱点</a:t>
-            </a:r>
-            <a:endParaRPr lang="en-US" altLang="ja-JP" sz="2000" dirty="0" smtClean="0"/>
-          </a:p>
-          <a:p>
-            <a:pPr marL="0" indent="0">
-              <a:buNone/>
-            </a:pPr>
-            <a:r>
-              <a:rPr lang="ja-JP" altLang="en-US" sz="2000" dirty="0" smtClean="0"/>
-              <a:t>炎</a:t>
-            </a:r>
-            <a:r>
-              <a:rPr lang="ja-JP" altLang="en-US" sz="2000" dirty="0" smtClean="0"/>
-              <a:t>に触れると</a:t>
-            </a:r>
-            <a:r>
-              <a:rPr lang="ja-JP" altLang="en-US" sz="2000" dirty="0" smtClean="0"/>
-              <a:t>強制的に水に</a:t>
-            </a:r>
-            <a:r>
-              <a:rPr lang="ja-JP" altLang="en-US" sz="2000" dirty="0" smtClean="0"/>
-              <a:t>なる</a:t>
-            </a:r>
-            <a:endParaRPr lang="en-US" altLang="ja-JP" sz="2000" dirty="0" smtClean="0"/>
-          </a:p>
-          <a:p>
-            <a:pPr marL="0" indent="0">
-              <a:buNone/>
-            </a:pPr>
-            <a:r>
-              <a:rPr lang="ja-JP" altLang="en-US" sz="2000" dirty="0" smtClean="0"/>
-              <a:t>水に数秒</a:t>
-            </a:r>
-            <a:r>
-              <a:rPr lang="en-US" altLang="ja-JP" sz="2000" dirty="0"/>
-              <a:t>(3</a:t>
-            </a:r>
-            <a:r>
-              <a:rPr lang="ja-JP" altLang="en-US" sz="2000" dirty="0"/>
-              <a:t>秒ぐらい</a:t>
-            </a:r>
-            <a:r>
-              <a:rPr lang="en-US" altLang="ja-JP" sz="2000" dirty="0" smtClean="0"/>
-              <a:t>)</a:t>
-            </a:r>
-            <a:r>
-              <a:rPr lang="ja-JP" altLang="en-US" sz="2000" dirty="0" smtClean="0"/>
-              <a:t>触れていると</a:t>
-            </a:r>
-            <a:r>
-              <a:rPr lang="ja-JP" altLang="en-US" sz="2000" dirty="0"/>
-              <a:t>水になる</a:t>
-            </a:r>
-            <a:endParaRPr lang="en-US" altLang="ja-JP" sz="2000" dirty="0"/>
-          </a:p>
-          <a:p>
-            <a:pPr marL="0" indent="0">
-              <a:buNone/>
-            </a:pPr>
-            <a:r>
-              <a:rPr lang="ja-JP" altLang="en-US" sz="2000" dirty="0" smtClean="0"/>
-              <a:t>氷</a:t>
-            </a:r>
-            <a:r>
-              <a:rPr lang="ja-JP" altLang="en-US" sz="2000" dirty="0" smtClean="0"/>
-              <a:t>状態では通れない場所がある</a:t>
-            </a:r>
-            <a:endParaRPr lang="en-US" altLang="ja-JP" sz="2000" dirty="0" smtClean="0"/>
-          </a:p>
-          <a:p>
-            <a:pPr marL="0" indent="0">
-              <a:buNone/>
-            </a:pPr>
-            <a:r>
-              <a:rPr lang="ja-JP" altLang="en-US" sz="2000" dirty="0"/>
-              <a:t>高いとこ</a:t>
-            </a:r>
-            <a:r>
-              <a:rPr lang="ja-JP" altLang="en-US" sz="2000" dirty="0" smtClean="0"/>
-              <a:t>から落ちると</a:t>
-            </a:r>
-            <a:r>
-              <a:rPr lang="ja-JP" altLang="en-US" sz="2000" dirty="0" smtClean="0"/>
-              <a:t>死ぬ</a:t>
-            </a:r>
-            <a:endParaRPr lang="en-US" altLang="ja-JP" sz="2000" dirty="0" smtClean="0"/>
+            <a:r>
+              <a:rPr kumimoji="1" lang="ja-JP" altLang="en-US" sz="1400" dirty="0" smtClean="0"/>
+              <a:t>協力をすることクリアが簡単になる</a:t>
+            </a:r>
+            <a:endParaRPr kumimoji="1" lang="en-US" altLang="ja-JP" sz="1400" dirty="0" smtClean="0"/>
+          </a:p>
+          <a:p>
+            <a:r>
+              <a:rPr lang="ja-JP" altLang="en-US" sz="1400" dirty="0"/>
+              <a:t>プレイヤー同士</a:t>
+            </a:r>
+            <a:r>
+              <a:rPr lang="ja-JP" altLang="en-US" sz="1400" dirty="0" smtClean="0"/>
+              <a:t>でも当たり判定があり邪魔をすることができる</a:t>
+            </a:r>
+            <a:endParaRPr lang="en-US" altLang="ja-JP" sz="1400" dirty="0"/>
+          </a:p>
+          <a:p>
+            <a:r>
+              <a:rPr lang="ja-JP" altLang="en-US" sz="1400" dirty="0" smtClean="0"/>
+              <a:t>攻撃は常時することはできない</a:t>
+            </a:r>
+            <a:endParaRPr lang="en-US" altLang="ja-JP" sz="1400" dirty="0" smtClean="0"/>
+          </a:p>
+          <a:p>
+            <a:r>
+              <a:rPr lang="ja-JP" altLang="en-US" sz="1400" dirty="0" smtClean="0"/>
+              <a:t>ボスは倒すことができない</a:t>
+            </a:r>
+            <a:endParaRPr lang="en-US" altLang="ja-JP" sz="1400" dirty="0"/>
+          </a:p>
+          <a:p>
+            <a:pPr lvl="1"/>
+            <a:r>
+              <a:rPr lang="ja-JP" altLang="en-US" sz="1400" dirty="0" smtClean="0"/>
+              <a:t>ボスに当たるとゲームオーバー</a:t>
+            </a:r>
+            <a:endParaRPr lang="en-US" altLang="ja-JP" sz="1400" dirty="0"/>
+          </a:p>
+          <a:p>
+            <a:r>
+              <a:rPr lang="ja-JP" altLang="en-US" sz="1600" dirty="0" smtClean="0"/>
+              <a:t>敵は倒すことができる</a:t>
+            </a:r>
+            <a:endParaRPr lang="en-US" altLang="ja-JP" sz="1600" dirty="0" smtClean="0"/>
+          </a:p>
+          <a:p>
+            <a:pPr lvl="1"/>
+            <a:r>
+              <a:rPr lang="ja-JP" altLang="en-US" sz="1400" dirty="0"/>
+              <a:t>敵</a:t>
+            </a:r>
+            <a:r>
+              <a:rPr lang="ja-JP" altLang="en-US" sz="1400" dirty="0" smtClean="0"/>
+              <a:t>に当たるとダメージ（ハートが一つ減る）</a:t>
+            </a:r>
+            <a:endParaRPr lang="en-US" altLang="ja-JP" sz="1400" dirty="0" smtClean="0"/>
+          </a:p>
+          <a:p>
+            <a:r>
+              <a:rPr lang="ja-JP" altLang="en-US" sz="1600" dirty="0" smtClean="0"/>
+              <a:t>ギミックあり</a:t>
+            </a:r>
+            <a:endParaRPr lang="en-US" altLang="ja-JP" sz="1600" dirty="0" smtClean="0"/>
+          </a:p>
+          <a:p>
+            <a:r>
+              <a:rPr kumimoji="1" lang="ja-JP" altLang="en-US" sz="1400" dirty="0" smtClean="0"/>
+              <a:t>敵の追跡から逃げながら脱出を目指す（クリア条件）</a:t>
+            </a:r>
+            <a:endParaRPr kumimoji="1" lang="en-US" altLang="ja-JP" sz="1400" dirty="0" smtClean="0"/>
+          </a:p>
+          <a:p>
+            <a:endParaRPr kumimoji="1" lang="en-US" altLang="ja-JP" sz="1400" dirty="0" smtClean="0"/>
           </a:p>
         </p:txBody>
       </p:sp>
@@ -4061,8 +3998,8 @@
         </p:nvSpPr>
         <p:spPr>
           <a:xfrm>
-            <a:off x="6255775" y="1352939"/>
-            <a:ext cx="5823154" cy="4824024"/>
+            <a:off x="6393025" y="1278294"/>
+            <a:ext cx="5459963" cy="4954653"/>
           </a:xfrm>
           <a:prstGeom prst="rect">
             <a:avLst/>
@@ -4238,6 +4175,767 @@
           </a:lstStyle>
           <a:p>
             <a:pPr marL="0" indent="0">
+              <a:buNone/>
+            </a:pPr>
+            <a:endParaRPr lang="en-US" altLang="ja-JP" sz="1400" dirty="0" smtClean="0"/>
+          </a:p>
+        </p:txBody>
+      </p:sp>
+      <p:sp>
+        <p:nvSpPr>
+          <p:cNvPr id="5" name="コンテンツ プレースホルダー 2"/>
+          <p:cNvSpPr txBox="1">
+            <a:spLocks/>
+          </p:cNvSpPr>
+          <p:nvPr/>
+        </p:nvSpPr>
+        <p:spPr>
+          <a:xfrm>
+            <a:off x="6520542" y="1278294"/>
+            <a:ext cx="4340290" cy="4870677"/>
+          </a:xfrm>
+          <a:prstGeom prst="rect">
+            <a:avLst/>
+          </a:prstGeom>
+        </p:spPr>
+        <p:txBody>
+          <a:bodyPr vert="horz" lIns="91440" tIns="45720" rIns="91440" bIns="45720" rtlCol="0">
+            <a:normAutofit/>
+          </a:bodyPr>
+          <a:lstStyle>
+            <a:lvl1pPr marL="228600" indent="-228600" algn="l" defTabSz="914400" rtl="0" eaLnBrk="1" latinLnBrk="0" hangingPunct="1">
+              <a:lnSpc>
+                <a:spcPct val="90000"/>
+              </a:lnSpc>
+              <a:spcBef>
+                <a:spcPts val="1000"/>
+              </a:spcBef>
+              <a:buFont typeface="Arial" panose="020B0604020202020204" pitchFamily="34" charset="0"/>
+              <a:buChar char="•"/>
+              <a:defRPr kumimoji="1" sz="2800" kern="1200">
+                <a:solidFill>
+                  <a:schemeClr val="tx1"/>
+                </a:solidFill>
+                <a:latin typeface="+mn-lt"/>
+                <a:ea typeface="+mn-ea"/>
+                <a:cs typeface="+mn-cs"/>
+              </a:defRPr>
+            </a:lvl1pPr>
+            <a:lvl2pPr marL="685800" indent="-228600" algn="l" defTabSz="914400" rtl="0" eaLnBrk="1" latinLnBrk="0" hangingPunct="1">
+              <a:lnSpc>
+                <a:spcPct val="90000"/>
+              </a:lnSpc>
+              <a:spcBef>
+                <a:spcPts val="500"/>
+              </a:spcBef>
+              <a:buFont typeface="Arial" panose="020B0604020202020204" pitchFamily="34" charset="0"/>
+              <a:buChar char="•"/>
+              <a:defRPr kumimoji="1" sz="2400" kern="1200">
+                <a:solidFill>
+                  <a:schemeClr val="tx1"/>
+                </a:solidFill>
+                <a:latin typeface="+mn-lt"/>
+                <a:ea typeface="+mn-ea"/>
+                <a:cs typeface="+mn-cs"/>
+              </a:defRPr>
+            </a:lvl2pPr>
+            <a:lvl3pPr marL="1143000" indent="-228600" algn="l" defTabSz="914400" rtl="0" eaLnBrk="1" latinLnBrk="0" hangingPunct="1">
+              <a:lnSpc>
+                <a:spcPct val="90000"/>
+              </a:lnSpc>
+              <a:spcBef>
+                <a:spcPts val="500"/>
+              </a:spcBef>
+              <a:buFont typeface="Arial" panose="020B0604020202020204" pitchFamily="34" charset="0"/>
+              <a:buChar char="•"/>
+              <a:defRPr kumimoji="1" sz="2000" kern="1200">
+                <a:solidFill>
+                  <a:schemeClr val="tx1"/>
+                </a:solidFill>
+                <a:latin typeface="+mn-lt"/>
+                <a:ea typeface="+mn-ea"/>
+                <a:cs typeface="+mn-cs"/>
+              </a:defRPr>
+            </a:lvl3pPr>
+            <a:lvl4pPr marL="1600200" indent="-228600" algn="l" defTabSz="914400" rtl="0" eaLnBrk="1" latinLnBrk="0" hangingPunct="1">
+              <a:lnSpc>
+                <a:spcPct val="90000"/>
+              </a:lnSpc>
+              <a:spcBef>
+                <a:spcPts val="500"/>
+              </a:spcBef>
+              <a:buFont typeface="Arial" panose="020B0604020202020204" pitchFamily="34" charset="0"/>
+              <a:buChar char="•"/>
+              <a:defRPr kumimoji="1" sz="1800" kern="1200">
+                <a:solidFill>
+                  <a:schemeClr val="tx1"/>
+                </a:solidFill>
+                <a:latin typeface="+mn-lt"/>
+                <a:ea typeface="+mn-ea"/>
+                <a:cs typeface="+mn-cs"/>
+              </a:defRPr>
+            </a:lvl4pPr>
+            <a:lvl5pPr marL="2057400" indent="-228600" algn="l" defTabSz="914400" rtl="0" eaLnBrk="1" latinLnBrk="0" hangingPunct="1">
+              <a:lnSpc>
+                <a:spcPct val="90000"/>
+              </a:lnSpc>
+              <a:spcBef>
+                <a:spcPts val="500"/>
+              </a:spcBef>
+              <a:buFont typeface="Arial" panose="020B0604020202020204" pitchFamily="34" charset="0"/>
+              <a:buChar char="•"/>
+              <a:defRPr kumimoji="1" sz="1800" kern="1200">
+                <a:solidFill>
+                  <a:schemeClr val="tx1"/>
+                </a:solidFill>
+                <a:latin typeface="+mn-lt"/>
+                <a:ea typeface="+mn-ea"/>
+                <a:cs typeface="+mn-cs"/>
+              </a:defRPr>
+            </a:lvl5pPr>
+            <a:lvl6pPr marL="2514600" indent="-228600" algn="l" defTabSz="914400" rtl="0" eaLnBrk="1" latinLnBrk="0" hangingPunct="1">
+              <a:lnSpc>
+                <a:spcPct val="90000"/>
+              </a:lnSpc>
+              <a:spcBef>
+                <a:spcPts val="500"/>
+              </a:spcBef>
+              <a:buFont typeface="Arial" panose="020B0604020202020204" pitchFamily="34" charset="0"/>
+              <a:buChar char="•"/>
+              <a:defRPr kumimoji="1" sz="1800" kern="1200">
+                <a:solidFill>
+                  <a:schemeClr val="tx1"/>
+                </a:solidFill>
+                <a:latin typeface="+mn-lt"/>
+                <a:ea typeface="+mn-ea"/>
+                <a:cs typeface="+mn-cs"/>
+              </a:defRPr>
+            </a:lvl6pPr>
+            <a:lvl7pPr marL="2971800" indent="-228600" algn="l" defTabSz="914400" rtl="0" eaLnBrk="1" latinLnBrk="0" hangingPunct="1">
+              <a:lnSpc>
+                <a:spcPct val="90000"/>
+              </a:lnSpc>
+              <a:spcBef>
+                <a:spcPts val="500"/>
+              </a:spcBef>
+              <a:buFont typeface="Arial" panose="020B0604020202020204" pitchFamily="34" charset="0"/>
+              <a:buChar char="•"/>
+              <a:defRPr kumimoji="1" sz="1800" kern="1200">
+                <a:solidFill>
+                  <a:schemeClr val="tx1"/>
+                </a:solidFill>
+                <a:latin typeface="+mn-lt"/>
+                <a:ea typeface="+mn-ea"/>
+                <a:cs typeface="+mn-cs"/>
+              </a:defRPr>
+            </a:lvl7pPr>
+            <a:lvl8pPr marL="3429000" indent="-228600" algn="l" defTabSz="914400" rtl="0" eaLnBrk="1" latinLnBrk="0" hangingPunct="1">
+              <a:lnSpc>
+                <a:spcPct val="90000"/>
+              </a:lnSpc>
+              <a:spcBef>
+                <a:spcPts val="500"/>
+              </a:spcBef>
+              <a:buFont typeface="Arial" panose="020B0604020202020204" pitchFamily="34" charset="0"/>
+              <a:buChar char="•"/>
+              <a:defRPr kumimoji="1" sz="1800" kern="1200">
+                <a:solidFill>
+                  <a:schemeClr val="tx1"/>
+                </a:solidFill>
+                <a:latin typeface="+mn-lt"/>
+                <a:ea typeface="+mn-ea"/>
+                <a:cs typeface="+mn-cs"/>
+              </a:defRPr>
+            </a:lvl8pPr>
+            <a:lvl9pPr marL="3886200" indent="-228600" algn="l" defTabSz="914400" rtl="0" eaLnBrk="1" latinLnBrk="0" hangingPunct="1">
+              <a:lnSpc>
+                <a:spcPct val="90000"/>
+              </a:lnSpc>
+              <a:spcBef>
+                <a:spcPts val="500"/>
+              </a:spcBef>
+              <a:buFont typeface="Arial" panose="020B0604020202020204" pitchFamily="34" charset="0"/>
+              <a:buChar char="•"/>
+              <a:defRPr kumimoji="1" sz="1800" kern="1200">
+                <a:solidFill>
+                  <a:schemeClr val="tx1"/>
+                </a:solidFill>
+                <a:latin typeface="+mn-lt"/>
+                <a:ea typeface="+mn-ea"/>
+                <a:cs typeface="+mn-cs"/>
+              </a:defRPr>
+            </a:lvl9pPr>
+          </a:lstStyle>
+          <a:p>
+            <a:r>
+              <a:rPr lang="en-US" altLang="ja-JP" sz="2000" smtClean="0"/>
+              <a:t>1P</a:t>
+            </a:r>
+            <a:r>
+              <a:rPr lang="ja-JP" altLang="en-US" sz="2000" smtClean="0"/>
+              <a:t>・</a:t>
+            </a:r>
+            <a:r>
+              <a:rPr lang="en-US" altLang="ja-JP" sz="2000" smtClean="0"/>
+              <a:t>2P</a:t>
+            </a:r>
+          </a:p>
+          <a:p>
+            <a:r>
+              <a:rPr lang="ja-JP" altLang="en-US" sz="2000" smtClean="0"/>
+              <a:t>操作コントローラ</a:t>
+            </a:r>
+            <a:endParaRPr lang="en-US" altLang="ja-JP" sz="2000" smtClean="0"/>
+          </a:p>
+          <a:p>
+            <a:pPr lvl="1"/>
+            <a:r>
+              <a:rPr lang="ja-JP" altLang="en-US" sz="1600" smtClean="0"/>
+              <a:t>十字キーで移動</a:t>
+            </a:r>
+            <a:endParaRPr lang="en-US" altLang="ja-JP" sz="1600" smtClean="0"/>
+          </a:p>
+          <a:p>
+            <a:pPr lvl="1"/>
+            <a:r>
+              <a:rPr lang="ja-JP" altLang="en-US" sz="1600" smtClean="0"/>
+              <a:t>ボタン</a:t>
+            </a:r>
+            <a:endParaRPr lang="en-US" altLang="ja-JP" sz="1600" smtClean="0"/>
+          </a:p>
+          <a:p>
+            <a:pPr lvl="2"/>
+            <a:r>
+              <a:rPr lang="ja-JP" altLang="en-US" sz="1200" smtClean="0"/>
+              <a:t>攻撃</a:t>
+            </a:r>
+            <a:endParaRPr lang="en-US" altLang="ja-JP" sz="1200" smtClean="0"/>
+          </a:p>
+          <a:p>
+            <a:pPr lvl="2"/>
+            <a:r>
+              <a:rPr lang="ja-JP" altLang="en-US" sz="1200" smtClean="0"/>
+              <a:t>変身</a:t>
+            </a:r>
+            <a:endParaRPr lang="en-US" altLang="ja-JP" sz="1200" smtClean="0"/>
+          </a:p>
+          <a:p>
+            <a:pPr lvl="2"/>
+            <a:r>
+              <a:rPr lang="ja-JP" altLang="en-US" sz="1200" smtClean="0"/>
+              <a:t>ジャンプ</a:t>
+            </a:r>
+            <a:endParaRPr lang="en-US" altLang="ja-JP" sz="1200" smtClean="0"/>
+          </a:p>
+          <a:p>
+            <a:pPr lvl="2"/>
+            <a:r>
+              <a:rPr lang="ja-JP" altLang="en-US" sz="1200" smtClean="0"/>
+              <a:t>調べる</a:t>
+            </a:r>
+            <a:endParaRPr lang="en-US" altLang="ja-JP" sz="1200" smtClean="0"/>
+          </a:p>
+          <a:p>
+            <a:endParaRPr lang="en-US" altLang="ja-JP" sz="1200" dirty="0" smtClean="0"/>
+          </a:p>
+        </p:txBody>
+      </p:sp>
+      <p:sp>
+        <p:nvSpPr>
+          <p:cNvPr id="7" name="タイトル 1"/>
+          <p:cNvSpPr txBox="1">
+            <a:spLocks/>
+          </p:cNvSpPr>
+          <p:nvPr/>
+        </p:nvSpPr>
+        <p:spPr>
+          <a:xfrm>
+            <a:off x="838200" y="365125"/>
+            <a:ext cx="5665237" cy="735887"/>
+          </a:xfrm>
+          <a:prstGeom prst="rect">
+            <a:avLst/>
+          </a:prstGeom>
+        </p:spPr>
+        <p:txBody>
+          <a:bodyPr vert="horz" lIns="91440" tIns="45720" rIns="91440" bIns="45720" rtlCol="0" anchor="ctr">
+            <a:normAutofit/>
+          </a:bodyPr>
+          <a:lstStyle>
+            <a:lvl1pPr algn="l" defTabSz="914400" rtl="0" eaLnBrk="1" latinLnBrk="0" hangingPunct="1">
+              <a:lnSpc>
+                <a:spcPct val="90000"/>
+              </a:lnSpc>
+              <a:spcBef>
+                <a:spcPct val="0"/>
+              </a:spcBef>
+              <a:buNone/>
+              <a:defRPr kumimoji="1" sz="4400" kern="1200">
+                <a:solidFill>
+                  <a:schemeClr val="tx1"/>
+                </a:solidFill>
+                <a:latin typeface="+mj-lt"/>
+                <a:ea typeface="+mj-ea"/>
+                <a:cs typeface="+mj-cs"/>
+              </a:defRPr>
+            </a:lvl1pPr>
+          </a:lstStyle>
+          <a:p>
+            <a:r>
+              <a:rPr lang="en-US" altLang="ja-JP" sz="2000" dirty="0" smtClean="0"/>
+              <a:t>(</a:t>
+            </a:r>
+            <a:r>
+              <a:rPr lang="ja-JP" altLang="en-US" sz="2000" dirty="0" smtClean="0"/>
+              <a:t>謎解き</a:t>
+            </a:r>
+            <a:r>
+              <a:rPr lang="en-US" altLang="ja-JP" sz="2000" dirty="0" smtClean="0"/>
+              <a:t>)</a:t>
+            </a:r>
+            <a:r>
+              <a:rPr lang="ja-JP" altLang="en-US" sz="2000" dirty="0" smtClean="0"/>
+              <a:t>脱出＆協力アクションゲーム（仮）</a:t>
+            </a:r>
+            <a:endParaRPr lang="ja-JP" altLang="en-US" sz="2000" dirty="0"/>
+          </a:p>
+        </p:txBody>
+      </p:sp>
+    </p:spTree>
+    <p:extLst>
+      <p:ext uri="{BB962C8B-B14F-4D97-AF65-F5344CB8AC3E}">
+        <p14:creationId xmlns:p14="http://schemas.microsoft.com/office/powerpoint/2010/main" val="4273105363"/>
+      </p:ext>
+    </p:extLst>
+  </p:cSld>
+  <p:clrMapOvr>
+    <a:masterClrMapping/>
+  </p:clrMapOvr>
+</p:sld>
+</file>
+
+<file path=ppt/slides/slide2.xml><?xml version="1.0" encoding="utf-8"?>
+<p:sld xmlns:a="http://schemas.openxmlformats.org/drawingml/2006/main" xmlns:r="http://schemas.openxmlformats.org/officeDocument/2006/relationships" xmlns:p="http://schemas.openxmlformats.org/presentationml/2006/main">
+  <p:cSld>
+    <p:spTree>
+      <p:nvGrpSpPr>
+        <p:cNvPr id="1" name=""/>
+        <p:cNvGrpSpPr/>
+        <p:nvPr/>
+      </p:nvGrpSpPr>
+      <p:grpSpPr>
+        <a:xfrm>
+          <a:off x="0" y="0"/>
+          <a:ext cx="0" cy="0"/>
+          <a:chOff x="0" y="0"/>
+          <a:chExt cx="0" cy="0"/>
+        </a:xfrm>
+      </p:grpSpPr>
+      <p:sp>
+        <p:nvSpPr>
+          <p:cNvPr id="2" name="タイトル 1"/>
+          <p:cNvSpPr>
+            <a:spLocks noGrp="1"/>
+          </p:cNvSpPr>
+          <p:nvPr>
+            <p:ph type="title"/>
+          </p:nvPr>
+        </p:nvSpPr>
+        <p:spPr>
+          <a:xfrm>
+            <a:off x="838200" y="513184"/>
+            <a:ext cx="10515600" cy="494522"/>
+          </a:xfrm>
+        </p:spPr>
+        <p:txBody>
+          <a:bodyPr>
+            <a:normAutofit/>
+          </a:bodyPr>
+          <a:lstStyle/>
+          <a:p>
+            <a:r>
+              <a:rPr kumimoji="1" lang="ja-JP" altLang="en-US" sz="2400" dirty="0" smtClean="0"/>
+              <a:t>各キャラ</a:t>
+            </a:r>
+            <a:endParaRPr kumimoji="1" lang="ja-JP" altLang="en-US" sz="2400" dirty="0"/>
+          </a:p>
+        </p:txBody>
+      </p:sp>
+      <p:sp>
+        <p:nvSpPr>
+          <p:cNvPr id="6" name="コンテンツ プレースホルダー 2"/>
+          <p:cNvSpPr>
+            <a:spLocks noGrp="1"/>
+          </p:cNvSpPr>
+          <p:nvPr>
+            <p:ph idx="1"/>
+          </p:nvPr>
+        </p:nvSpPr>
+        <p:spPr>
+          <a:xfrm>
+            <a:off x="575187" y="1352939"/>
+            <a:ext cx="5279924" cy="4824024"/>
+          </a:xfrm>
+        </p:spPr>
+        <p:txBody>
+          <a:bodyPr>
+            <a:normAutofit/>
+          </a:bodyPr>
+          <a:lstStyle/>
+          <a:p>
+            <a:pPr marL="0" indent="0">
+              <a:buNone/>
+            </a:pPr>
+            <a:r>
+              <a:rPr kumimoji="1" lang="ja-JP" altLang="en-US" sz="2000" dirty="0" smtClean="0"/>
+              <a:t>プレイヤー</a:t>
+            </a:r>
+            <a:endParaRPr kumimoji="1" lang="en-US" altLang="ja-JP" sz="2000" dirty="0" smtClean="0"/>
+          </a:p>
+          <a:p>
+            <a:pPr marL="0" indent="0">
+              <a:buNone/>
+            </a:pPr>
+            <a:r>
+              <a:rPr lang="ja-JP" altLang="en-US" sz="2000" dirty="0" smtClean="0"/>
+              <a:t>変身前</a:t>
+            </a:r>
+            <a:r>
+              <a:rPr lang="en-US" altLang="ja-JP" sz="2000" dirty="0" smtClean="0"/>
+              <a:t>	</a:t>
+            </a:r>
+            <a:r>
+              <a:rPr lang="en-US" altLang="ja-JP" sz="2000" dirty="0"/>
+              <a:t>	</a:t>
+            </a:r>
+            <a:r>
+              <a:rPr lang="ja-JP" altLang="en-US" sz="2000" dirty="0" smtClean="0"/>
+              <a:t>氷</a:t>
+            </a:r>
+            <a:endParaRPr lang="en-US" altLang="ja-JP" sz="2000" dirty="0" smtClean="0"/>
+          </a:p>
+          <a:p>
+            <a:pPr marL="0" indent="0">
+              <a:buNone/>
+            </a:pPr>
+            <a:r>
+              <a:rPr lang="ja-JP" altLang="en-US" sz="2000" dirty="0" smtClean="0"/>
+              <a:t>氷状態でできる事</a:t>
+            </a:r>
+            <a:endParaRPr lang="en-US" altLang="ja-JP" sz="2000" dirty="0" smtClean="0"/>
+          </a:p>
+          <a:p>
+            <a:pPr marL="0" indent="0">
+              <a:buNone/>
+            </a:pPr>
+            <a:r>
+              <a:rPr lang="ja-JP" altLang="en-US" sz="2000" dirty="0" smtClean="0"/>
+              <a:t>ジャンプ</a:t>
+            </a:r>
+            <a:r>
+              <a:rPr lang="ja-JP" altLang="en-US" sz="2000" dirty="0"/>
+              <a:t>が</a:t>
+            </a:r>
+            <a:r>
+              <a:rPr lang="ja-JP" altLang="en-US" sz="2000" dirty="0" smtClean="0"/>
+              <a:t>できる</a:t>
+            </a:r>
+            <a:endParaRPr lang="en-US" altLang="ja-JP" sz="2000" dirty="0" smtClean="0"/>
+          </a:p>
+          <a:p>
+            <a:pPr marL="0" indent="0">
+              <a:buNone/>
+            </a:pPr>
+            <a:r>
+              <a:rPr lang="ja-JP" altLang="en-US" sz="2000" dirty="0" smtClean="0"/>
+              <a:t>水の状態の時よりも移動速度が速い</a:t>
+            </a:r>
+            <a:endParaRPr lang="en-US" altLang="ja-JP" sz="2000" dirty="0" smtClean="0"/>
+          </a:p>
+          <a:p>
+            <a:pPr marL="0" indent="0">
+              <a:buNone/>
+            </a:pPr>
+            <a:r>
+              <a:rPr lang="ja-JP" altLang="en-US" sz="2000" dirty="0" smtClean="0"/>
+              <a:t>自分から水に変身できる</a:t>
+            </a:r>
+            <a:r>
+              <a:rPr lang="en-US" altLang="ja-JP" sz="2000" dirty="0" smtClean="0"/>
+              <a:t>(</a:t>
+            </a:r>
+            <a:r>
+              <a:rPr lang="ja-JP" altLang="en-US" sz="2000" dirty="0" smtClean="0"/>
+              <a:t>なくすかも？</a:t>
+            </a:r>
+            <a:r>
+              <a:rPr lang="en-US" altLang="ja-JP" sz="2000" dirty="0" smtClean="0"/>
+              <a:t>)</a:t>
+            </a:r>
+          </a:p>
+          <a:p>
+            <a:pPr marL="0" indent="0">
+              <a:buNone/>
+            </a:pPr>
+            <a:r>
+              <a:rPr lang="ja-JP" altLang="en-US" sz="2000" dirty="0"/>
+              <a:t>弱点</a:t>
+            </a:r>
+            <a:endParaRPr lang="en-US" altLang="ja-JP" sz="2000" dirty="0" smtClean="0"/>
+          </a:p>
+          <a:p>
+            <a:pPr marL="0" indent="0">
+              <a:buNone/>
+            </a:pPr>
+            <a:r>
+              <a:rPr lang="ja-JP" altLang="en-US" sz="2000" dirty="0" smtClean="0"/>
+              <a:t>炎に触れると強制的に水になる</a:t>
+            </a:r>
+            <a:endParaRPr lang="en-US" altLang="ja-JP" sz="2000" dirty="0" smtClean="0"/>
+          </a:p>
+          <a:p>
+            <a:pPr marL="0" indent="0">
+              <a:buNone/>
+            </a:pPr>
+            <a:r>
+              <a:rPr lang="ja-JP" altLang="en-US" sz="2000" dirty="0" smtClean="0"/>
+              <a:t>水に数秒</a:t>
+            </a:r>
+            <a:r>
+              <a:rPr lang="en-US" altLang="ja-JP" sz="2000" dirty="0"/>
+              <a:t>(3</a:t>
+            </a:r>
+            <a:r>
+              <a:rPr lang="ja-JP" altLang="en-US" sz="2000" dirty="0"/>
+              <a:t>秒ぐらい</a:t>
+            </a:r>
+            <a:r>
+              <a:rPr lang="en-US" altLang="ja-JP" sz="2000" dirty="0" smtClean="0"/>
+              <a:t>)</a:t>
+            </a:r>
+            <a:r>
+              <a:rPr lang="ja-JP" altLang="en-US" sz="2000" dirty="0" smtClean="0"/>
+              <a:t>触れていると</a:t>
+            </a:r>
+            <a:r>
+              <a:rPr lang="ja-JP" altLang="en-US" sz="2000" dirty="0"/>
+              <a:t>水になる</a:t>
+            </a:r>
+            <a:endParaRPr lang="en-US" altLang="ja-JP" sz="2000" dirty="0"/>
+          </a:p>
+          <a:p>
+            <a:pPr marL="0" indent="0">
+              <a:buNone/>
+            </a:pPr>
+            <a:r>
+              <a:rPr lang="ja-JP" altLang="en-US" sz="2000" dirty="0" smtClean="0"/>
+              <a:t>氷状態では通れない場所がある</a:t>
+            </a:r>
+            <a:endParaRPr lang="en-US" altLang="ja-JP" sz="2000" dirty="0" smtClean="0"/>
+          </a:p>
+          <a:p>
+            <a:pPr marL="0" indent="0">
+              <a:buNone/>
+            </a:pPr>
+            <a:r>
+              <a:rPr lang="ja-JP" altLang="en-US" sz="2000" dirty="0"/>
+              <a:t>高いとこ</a:t>
+            </a:r>
+            <a:r>
+              <a:rPr lang="ja-JP" altLang="en-US" sz="2000" dirty="0" smtClean="0"/>
+              <a:t>から落ちると死ぬ</a:t>
+            </a:r>
+            <a:endParaRPr lang="en-US" altLang="ja-JP" sz="2000" dirty="0" smtClean="0"/>
+          </a:p>
+        </p:txBody>
+      </p:sp>
+      <p:sp>
+        <p:nvSpPr>
+          <p:cNvPr id="7" name="コンテンツ プレースホルダー 2"/>
+          <p:cNvSpPr txBox="1">
+            <a:spLocks/>
+          </p:cNvSpPr>
+          <p:nvPr/>
+        </p:nvSpPr>
+        <p:spPr>
+          <a:xfrm>
+            <a:off x="6255775" y="1352939"/>
+            <a:ext cx="5823154" cy="4824024"/>
+          </a:xfrm>
+          <a:prstGeom prst="rect">
+            <a:avLst/>
+          </a:prstGeom>
+        </p:spPr>
+        <p:txBody>
+          <a:bodyPr vert="horz" lIns="91440" tIns="45720" rIns="91440" bIns="45720" rtlCol="0">
+            <a:normAutofit/>
+          </a:bodyPr>
+          <a:lstStyle>
+            <a:lvl1pPr marL="228600" indent="-228600" algn="l" defTabSz="914400" rtl="0" eaLnBrk="1" latinLnBrk="0" hangingPunct="1">
+              <a:lnSpc>
+                <a:spcPct val="90000"/>
+              </a:lnSpc>
+              <a:spcBef>
+                <a:spcPts val="1000"/>
+              </a:spcBef>
+              <a:buFont typeface="Arial" panose="020B0604020202020204" pitchFamily="34" charset="0"/>
+              <a:buChar char="•"/>
+              <a:defRPr kumimoji="1" sz="2800" kern="1200">
+                <a:solidFill>
+                  <a:schemeClr val="tx1"/>
+                </a:solidFill>
+                <a:latin typeface="+mn-lt"/>
+                <a:ea typeface="+mn-ea"/>
+                <a:cs typeface="+mn-cs"/>
+              </a:defRPr>
+            </a:lvl1pPr>
+            <a:lvl2pPr marL="685800" indent="-228600" algn="l" defTabSz="914400" rtl="0" eaLnBrk="1" latinLnBrk="0" hangingPunct="1">
+              <a:lnSpc>
+                <a:spcPct val="90000"/>
+              </a:lnSpc>
+              <a:spcBef>
+                <a:spcPts val="500"/>
+              </a:spcBef>
+              <a:buFont typeface="Arial" panose="020B0604020202020204" pitchFamily="34" charset="0"/>
+              <a:buChar char="•"/>
+              <a:defRPr kumimoji="1" sz="2400" kern="1200">
+                <a:solidFill>
+                  <a:schemeClr val="tx1"/>
+                </a:solidFill>
+                <a:latin typeface="+mn-lt"/>
+                <a:ea typeface="+mn-ea"/>
+                <a:cs typeface="+mn-cs"/>
+              </a:defRPr>
+            </a:lvl2pPr>
+            <a:lvl3pPr marL="1143000" indent="-228600" algn="l" defTabSz="914400" rtl="0" eaLnBrk="1" latinLnBrk="0" hangingPunct="1">
+              <a:lnSpc>
+                <a:spcPct val="90000"/>
+              </a:lnSpc>
+              <a:spcBef>
+                <a:spcPts val="500"/>
+              </a:spcBef>
+              <a:buFont typeface="Arial" panose="020B0604020202020204" pitchFamily="34" charset="0"/>
+              <a:buChar char="•"/>
+              <a:defRPr kumimoji="1" sz="2000" kern="1200">
+                <a:solidFill>
+                  <a:schemeClr val="tx1"/>
+                </a:solidFill>
+                <a:latin typeface="+mn-lt"/>
+                <a:ea typeface="+mn-ea"/>
+                <a:cs typeface="+mn-cs"/>
+              </a:defRPr>
+            </a:lvl3pPr>
+            <a:lvl4pPr marL="1600200" indent="-228600" algn="l" defTabSz="914400" rtl="0" eaLnBrk="1" latinLnBrk="0" hangingPunct="1">
+              <a:lnSpc>
+                <a:spcPct val="90000"/>
+              </a:lnSpc>
+              <a:spcBef>
+                <a:spcPts val="500"/>
+              </a:spcBef>
+              <a:buFont typeface="Arial" panose="020B0604020202020204" pitchFamily="34" charset="0"/>
+              <a:buChar char="•"/>
+              <a:defRPr kumimoji="1" sz="1800" kern="1200">
+                <a:solidFill>
+                  <a:schemeClr val="tx1"/>
+                </a:solidFill>
+                <a:latin typeface="+mn-lt"/>
+                <a:ea typeface="+mn-ea"/>
+                <a:cs typeface="+mn-cs"/>
+              </a:defRPr>
+            </a:lvl4pPr>
+            <a:lvl5pPr marL="2057400" indent="-228600" algn="l" defTabSz="914400" rtl="0" eaLnBrk="1" latinLnBrk="0" hangingPunct="1">
+              <a:lnSpc>
+                <a:spcPct val="90000"/>
+              </a:lnSpc>
+              <a:spcBef>
+                <a:spcPts val="500"/>
+              </a:spcBef>
+              <a:buFont typeface="Arial" panose="020B0604020202020204" pitchFamily="34" charset="0"/>
+              <a:buChar char="•"/>
+              <a:defRPr kumimoji="1" sz="1800" kern="1200">
+                <a:solidFill>
+                  <a:schemeClr val="tx1"/>
+                </a:solidFill>
+                <a:latin typeface="+mn-lt"/>
+                <a:ea typeface="+mn-ea"/>
+                <a:cs typeface="+mn-cs"/>
+              </a:defRPr>
+            </a:lvl5pPr>
+            <a:lvl6pPr marL="2514600" indent="-228600" algn="l" defTabSz="914400" rtl="0" eaLnBrk="1" latinLnBrk="0" hangingPunct="1">
+              <a:lnSpc>
+                <a:spcPct val="90000"/>
+              </a:lnSpc>
+              <a:spcBef>
+                <a:spcPts val="500"/>
+              </a:spcBef>
+              <a:buFont typeface="Arial" panose="020B0604020202020204" pitchFamily="34" charset="0"/>
+              <a:buChar char="•"/>
+              <a:defRPr kumimoji="1" sz="1800" kern="1200">
+                <a:solidFill>
+                  <a:schemeClr val="tx1"/>
+                </a:solidFill>
+                <a:latin typeface="+mn-lt"/>
+                <a:ea typeface="+mn-ea"/>
+                <a:cs typeface="+mn-cs"/>
+              </a:defRPr>
+            </a:lvl6pPr>
+            <a:lvl7pPr marL="2971800" indent="-228600" algn="l" defTabSz="914400" rtl="0" eaLnBrk="1" latinLnBrk="0" hangingPunct="1">
+              <a:lnSpc>
+                <a:spcPct val="90000"/>
+              </a:lnSpc>
+              <a:spcBef>
+                <a:spcPts val="500"/>
+              </a:spcBef>
+              <a:buFont typeface="Arial" panose="020B0604020202020204" pitchFamily="34" charset="0"/>
+              <a:buChar char="•"/>
+              <a:defRPr kumimoji="1" sz="1800" kern="1200">
+                <a:solidFill>
+                  <a:schemeClr val="tx1"/>
+                </a:solidFill>
+                <a:latin typeface="+mn-lt"/>
+                <a:ea typeface="+mn-ea"/>
+                <a:cs typeface="+mn-cs"/>
+              </a:defRPr>
+            </a:lvl7pPr>
+            <a:lvl8pPr marL="3429000" indent="-228600" algn="l" defTabSz="914400" rtl="0" eaLnBrk="1" latinLnBrk="0" hangingPunct="1">
+              <a:lnSpc>
+                <a:spcPct val="90000"/>
+              </a:lnSpc>
+              <a:spcBef>
+                <a:spcPts val="500"/>
+              </a:spcBef>
+              <a:buFont typeface="Arial" panose="020B0604020202020204" pitchFamily="34" charset="0"/>
+              <a:buChar char="•"/>
+              <a:defRPr kumimoji="1" sz="1800" kern="1200">
+                <a:solidFill>
+                  <a:schemeClr val="tx1"/>
+                </a:solidFill>
+                <a:latin typeface="+mn-lt"/>
+                <a:ea typeface="+mn-ea"/>
+                <a:cs typeface="+mn-cs"/>
+              </a:defRPr>
+            </a:lvl8pPr>
+            <a:lvl9pPr marL="3886200" indent="-228600" algn="l" defTabSz="914400" rtl="0" eaLnBrk="1" latinLnBrk="0" hangingPunct="1">
+              <a:lnSpc>
+                <a:spcPct val="90000"/>
+              </a:lnSpc>
+              <a:spcBef>
+                <a:spcPts val="500"/>
+              </a:spcBef>
+              <a:buFont typeface="Arial" panose="020B0604020202020204" pitchFamily="34" charset="0"/>
+              <a:buChar char="•"/>
+              <a:defRPr kumimoji="1" sz="1800" kern="1200">
+                <a:solidFill>
+                  <a:schemeClr val="tx1"/>
+                </a:solidFill>
+                <a:latin typeface="+mn-lt"/>
+                <a:ea typeface="+mn-ea"/>
+                <a:cs typeface="+mn-cs"/>
+              </a:defRPr>
+            </a:lvl9pPr>
+          </a:lstStyle>
+          <a:p>
+            <a:pPr marL="0" indent="0">
               <a:buFont typeface="Arial" panose="020B0604020202020204" pitchFamily="34" charset="0"/>
               <a:buNone/>
             </a:pPr>
@@ -4380,11 +5078,7 @@
             </a:pPr>
             <a:r>
               <a:rPr lang="ja-JP" altLang="en-US" sz="2000" dirty="0" smtClean="0"/>
-              <a:t>炎に</a:t>
-            </a:r>
-            <a:r>
-              <a:rPr lang="ja-JP" altLang="en-US" sz="2000" dirty="0" smtClean="0"/>
-              <a:t>数秒</a:t>
+              <a:t>炎に数秒</a:t>
             </a:r>
             <a:r>
               <a:rPr lang="en-US" altLang="ja-JP" sz="2000" dirty="0" smtClean="0"/>
@@ -4400,11 +5094,7 @@
             </a:r>
             <a:r>
               <a:rPr lang="ja-JP" altLang="en-US" sz="2000" dirty="0" smtClean="0"/>
-              <a:t>触れている</a:t>
-            </a:r>
-            <a:r>
-              <a:rPr lang="ja-JP" altLang="en-US" sz="2000" dirty="0" smtClean="0"/>
-              <a:t>と死ぬ</a:t>
+              <a:t>触れていると死ぬ</a:t>
             </a:r>
             <a:endParaRPr lang="en-US" altLang="ja-JP" sz="2000" dirty="0" smtClean="0"/>
           </a:p>
@@ -4413,6 +5103,898 @@
               <a:buFont typeface="Arial" panose="020B0604020202020204" pitchFamily="34" charset="0"/>
               <a:buNone/>
             </a:pPr>
+            <a:endParaRPr lang="en-US" altLang="ja-JP" sz="2000" dirty="0" smtClean="0"/>
+          </a:p>
+        </p:txBody>
+      </p:sp>
+    </p:spTree>
+    <p:extLst>
+      <p:ext uri="{BB962C8B-B14F-4D97-AF65-F5344CB8AC3E}">
+        <p14:creationId xmlns:p14="http://schemas.microsoft.com/office/powerpoint/2010/main" val="930617658"/>
+      </p:ext>
+    </p:extLst>
+  </p:cSld>
+  <p:clrMapOvr>
+    <a:masterClrMapping/>
+  </p:clrMapOvr>
+</p:sld>
+</file>
+
+<file path=ppt/slides/slide3.xml><?xml version="1.0" encoding="utf-8"?>
+<p:sld xmlns:a="http://schemas.openxmlformats.org/drawingml/2006/main" xmlns:r="http://schemas.openxmlformats.org/officeDocument/2006/relationships" xmlns:p="http://schemas.openxmlformats.org/presentationml/2006/main">
+  <p:cSld>
+    <p:spTree>
+      <p:nvGrpSpPr>
+        <p:cNvPr id="1" name=""/>
+        <p:cNvGrpSpPr/>
+        <p:nvPr/>
+      </p:nvGrpSpPr>
+      <p:grpSpPr>
+        <a:xfrm>
+          <a:off x="0" y="0"/>
+          <a:ext cx="0" cy="0"/>
+          <a:chOff x="0" y="0"/>
+          <a:chExt cx="0" cy="0"/>
+        </a:xfrm>
+      </p:grpSpPr>
+      <p:sp>
+        <p:nvSpPr>
+          <p:cNvPr id="2" name="タイトル 1"/>
+          <p:cNvSpPr>
+            <a:spLocks noGrp="1"/>
+          </p:cNvSpPr>
+          <p:nvPr>
+            <p:ph type="title"/>
+          </p:nvPr>
+        </p:nvSpPr>
+        <p:spPr>
+          <a:xfrm>
+            <a:off x="838200" y="365125"/>
+            <a:ext cx="2399522" cy="521283"/>
+          </a:xfrm>
+        </p:spPr>
+        <p:txBody>
+          <a:bodyPr>
+            <a:normAutofit/>
+          </a:bodyPr>
+          <a:lstStyle/>
+          <a:p>
+            <a:r>
+              <a:rPr kumimoji="1" lang="ja-JP" altLang="en-US" sz="2400" dirty="0" smtClean="0"/>
+              <a:t>変身</a:t>
+            </a:r>
+            <a:endParaRPr kumimoji="1" lang="ja-JP" altLang="en-US" sz="2400" dirty="0"/>
+          </a:p>
+        </p:txBody>
+      </p:sp>
+      <p:pic>
+        <p:nvPicPr>
+          <p:cNvPr id="8" name="コンテンツ プレースホルダー 3"/>
+          <p:cNvPicPr>
+            <a:picLocks noChangeAspect="1"/>
+          </p:cNvPicPr>
+          <p:nvPr/>
+        </p:nvPicPr>
+        <p:blipFill rotWithShape="1">
+          <a:blip r:embed="rId3"/>
+          <a:srcRect l="50295" t="24414" r="37098" b="63670"/>
+          <a:stretch/>
+        </p:blipFill>
+        <p:spPr>
+          <a:xfrm>
+            <a:off x="1470531" y="1383030"/>
+            <a:ext cx="2909570" cy="1546860"/>
+          </a:xfrm>
+          <a:prstGeom prst="rect">
+            <a:avLst/>
+          </a:prstGeom>
+        </p:spPr>
+      </p:pic>
+      <p:pic>
+        <p:nvPicPr>
+          <p:cNvPr id="9" name="コンテンツ プレースホルダー 3"/>
+          <p:cNvPicPr>
+            <a:picLocks noChangeAspect="1"/>
+          </p:cNvPicPr>
+          <p:nvPr/>
+        </p:nvPicPr>
+        <p:blipFill rotWithShape="1">
+          <a:blip r:embed="rId3"/>
+          <a:srcRect l="63452" t="24414" r="24094" b="63723"/>
+          <a:stretch/>
+        </p:blipFill>
+        <p:spPr>
+          <a:xfrm>
+            <a:off x="7239960" y="1389839"/>
+            <a:ext cx="2874226" cy="1540051"/>
+          </a:xfrm>
+          <a:prstGeom prst="rect">
+            <a:avLst/>
+          </a:prstGeom>
+        </p:spPr>
+      </p:pic>
+      <p:pic>
+        <p:nvPicPr>
+          <p:cNvPr id="10" name="コンテンツ プレースホルダー 3"/>
+          <p:cNvPicPr>
+            <a:picLocks noChangeAspect="1"/>
+          </p:cNvPicPr>
+          <p:nvPr/>
+        </p:nvPicPr>
+        <p:blipFill rotWithShape="1">
+          <a:blip r:embed="rId3"/>
+          <a:srcRect l="50295" t="37177" r="37138" b="50938"/>
+          <a:stretch/>
+        </p:blipFill>
+        <p:spPr>
+          <a:xfrm>
+            <a:off x="1470531" y="3696511"/>
+            <a:ext cx="2900167" cy="1542884"/>
+          </a:xfrm>
+          <a:prstGeom prst="rect">
+            <a:avLst/>
+          </a:prstGeom>
+        </p:spPr>
+      </p:pic>
+      <p:pic>
+        <p:nvPicPr>
+          <p:cNvPr id="11" name="コンテンツ プレースホルダー 3"/>
+          <p:cNvPicPr>
+            <a:picLocks noChangeAspect="1"/>
+          </p:cNvPicPr>
+          <p:nvPr/>
+        </p:nvPicPr>
+        <p:blipFill rotWithShape="1">
+          <a:blip r:embed="rId3"/>
+          <a:srcRect l="63536" t="37177" r="24094" b="50938"/>
+          <a:stretch/>
+        </p:blipFill>
+        <p:spPr>
+          <a:xfrm>
+            <a:off x="7259415" y="3698100"/>
+            <a:ext cx="2854771" cy="1542884"/>
+          </a:xfrm>
+          <a:prstGeom prst="rect">
+            <a:avLst/>
+          </a:prstGeom>
+        </p:spPr>
+      </p:pic>
+      <p:sp>
+        <p:nvSpPr>
+          <p:cNvPr id="13" name="テキスト ボックス 12"/>
+          <p:cNvSpPr txBox="1"/>
+          <p:nvPr/>
+        </p:nvSpPr>
+        <p:spPr>
+          <a:xfrm>
+            <a:off x="1097038" y="3128534"/>
+            <a:ext cx="3647152" cy="369332"/>
+          </a:xfrm>
+          <a:prstGeom prst="rect">
+            <a:avLst/>
+          </a:prstGeom>
+          <a:noFill/>
+        </p:spPr>
+        <p:txBody>
+          <a:bodyPr wrap="none" rtlCol="0">
+            <a:spAutoFit/>
+          </a:bodyPr>
+          <a:lstStyle/>
+          <a:p>
+            <a:r>
+              <a:rPr kumimoji="1" lang="ja-JP" altLang="en-US" dirty="0" smtClean="0"/>
+              <a:t>液体状に姿を</a:t>
+            </a:r>
+            <a:r>
+              <a:rPr lang="ja-JP" altLang="en-US" dirty="0" smtClean="0"/>
+              <a:t>変えることができる</a:t>
+            </a:r>
+            <a:endParaRPr kumimoji="1" lang="en-US" altLang="ja-JP" dirty="0" smtClean="0"/>
+          </a:p>
+        </p:txBody>
+      </p:sp>
+      <p:sp>
+        <p:nvSpPr>
+          <p:cNvPr id="14" name="テキスト ボックス 13"/>
+          <p:cNvSpPr txBox="1"/>
+          <p:nvPr/>
+        </p:nvSpPr>
+        <p:spPr>
+          <a:xfrm>
+            <a:off x="866205" y="5438040"/>
+            <a:ext cx="4108817" cy="369332"/>
+          </a:xfrm>
+          <a:prstGeom prst="rect">
+            <a:avLst/>
+          </a:prstGeom>
+          <a:noFill/>
+        </p:spPr>
+        <p:txBody>
+          <a:bodyPr wrap="none" rtlCol="0">
+            <a:spAutoFit/>
+          </a:bodyPr>
+          <a:lstStyle/>
+          <a:p>
+            <a:r>
+              <a:rPr kumimoji="1" lang="ja-JP" altLang="en-US" dirty="0" smtClean="0"/>
+              <a:t>格子状の壁はすり抜けることができる</a:t>
+            </a:r>
+            <a:endParaRPr kumimoji="1" lang="en-US" altLang="ja-JP" dirty="0" smtClean="0"/>
+          </a:p>
+        </p:txBody>
+      </p:sp>
+      <p:sp>
+        <p:nvSpPr>
+          <p:cNvPr id="15" name="テキスト ボックス 14"/>
+          <p:cNvSpPr txBox="1"/>
+          <p:nvPr/>
+        </p:nvSpPr>
+        <p:spPr>
+          <a:xfrm>
+            <a:off x="6391832" y="3128534"/>
+            <a:ext cx="4570482" cy="369332"/>
+          </a:xfrm>
+          <a:prstGeom prst="rect">
+            <a:avLst/>
+          </a:prstGeom>
+          <a:noFill/>
+        </p:spPr>
+        <p:txBody>
+          <a:bodyPr wrap="none" rtlCol="0">
+            <a:spAutoFit/>
+          </a:bodyPr>
+          <a:lstStyle/>
+          <a:p>
+            <a:r>
+              <a:rPr kumimoji="1" lang="ja-JP" altLang="en-US" dirty="0" smtClean="0"/>
+              <a:t>液体状の場合高いところから落ちても平気</a:t>
+            </a:r>
+            <a:endParaRPr kumimoji="1" lang="en-US" altLang="ja-JP" dirty="0" smtClean="0"/>
+          </a:p>
+        </p:txBody>
+      </p:sp>
+      <p:sp>
+        <p:nvSpPr>
+          <p:cNvPr id="16" name="テキスト ボックス 15"/>
+          <p:cNvSpPr txBox="1"/>
+          <p:nvPr/>
+        </p:nvSpPr>
+        <p:spPr>
+          <a:xfrm>
+            <a:off x="6276416" y="5427002"/>
+            <a:ext cx="4801314" cy="369332"/>
+          </a:xfrm>
+          <a:prstGeom prst="rect">
+            <a:avLst/>
+          </a:prstGeom>
+          <a:noFill/>
+        </p:spPr>
+        <p:txBody>
+          <a:bodyPr wrap="none" rtlCol="0">
+            <a:spAutoFit/>
+          </a:bodyPr>
+          <a:lstStyle/>
+          <a:p>
+            <a:r>
+              <a:rPr kumimoji="1" lang="ja-JP" altLang="en-US" dirty="0" smtClean="0"/>
+              <a:t>液体状の姿では段差を超えることができない</a:t>
+            </a:r>
+            <a:endParaRPr kumimoji="1" lang="en-US" altLang="ja-JP" dirty="0" smtClean="0"/>
+          </a:p>
+        </p:txBody>
+      </p:sp>
+    </p:spTree>
+    <p:extLst>
+      <p:ext uri="{BB962C8B-B14F-4D97-AF65-F5344CB8AC3E}">
+        <p14:creationId xmlns:p14="http://schemas.microsoft.com/office/powerpoint/2010/main" val="2149623999"/>
+      </p:ext>
+    </p:extLst>
+  </p:cSld>
+  <p:clrMapOvr>
+    <a:masterClrMapping/>
+  </p:clrMapOvr>
+</p:sld>
+</file>
+
+<file path=ppt/slides/slide4.xml><?xml version="1.0" encoding="utf-8"?>
+<p:sld xmlns:a="http://schemas.openxmlformats.org/drawingml/2006/main" xmlns:r="http://schemas.openxmlformats.org/officeDocument/2006/relationships" xmlns:p="http://schemas.openxmlformats.org/presentationml/2006/main">
+  <p:cSld>
+    <p:spTree>
+      <p:nvGrpSpPr>
+        <p:cNvPr id="1" name=""/>
+        <p:cNvGrpSpPr/>
+        <p:nvPr/>
+      </p:nvGrpSpPr>
+      <p:grpSpPr>
+        <a:xfrm>
+          <a:off x="0" y="0"/>
+          <a:ext cx="0" cy="0"/>
+          <a:chOff x="0" y="0"/>
+          <a:chExt cx="0" cy="0"/>
+        </a:xfrm>
+      </p:grpSpPr>
+      <p:sp>
+        <p:nvSpPr>
+          <p:cNvPr id="2" name="タイトル 1"/>
+          <p:cNvSpPr>
+            <a:spLocks noGrp="1"/>
+          </p:cNvSpPr>
+          <p:nvPr>
+            <p:ph type="title"/>
+          </p:nvPr>
+        </p:nvSpPr>
+        <p:spPr>
+          <a:xfrm>
+            <a:off x="838200" y="365125"/>
+            <a:ext cx="5016911" cy="735887"/>
+          </a:xfrm>
+        </p:spPr>
+        <p:txBody>
+          <a:bodyPr>
+            <a:normAutofit/>
+          </a:bodyPr>
+          <a:lstStyle/>
+          <a:p>
+            <a:r>
+              <a:rPr lang="ja-JP" altLang="en-US" sz="2000" dirty="0"/>
+              <a:t>敵</a:t>
+            </a:r>
+            <a:endParaRPr kumimoji="1" lang="ja-JP" altLang="en-US" sz="2000" dirty="0"/>
+          </a:p>
+        </p:txBody>
+      </p:sp>
+      <p:sp>
+        <p:nvSpPr>
+          <p:cNvPr id="3" name="コンテンツ プレースホルダー 2"/>
+          <p:cNvSpPr>
+            <a:spLocks noGrp="1"/>
+          </p:cNvSpPr>
+          <p:nvPr>
+            <p:ph idx="1"/>
+          </p:nvPr>
+        </p:nvSpPr>
+        <p:spPr>
+          <a:xfrm>
+            <a:off x="838200" y="1287624"/>
+            <a:ext cx="4911213" cy="1698172"/>
+          </a:xfrm>
+        </p:spPr>
+        <p:txBody>
+          <a:bodyPr>
+            <a:normAutofit/>
+          </a:bodyPr>
+          <a:lstStyle/>
+          <a:p>
+            <a:r>
+              <a:rPr lang="ja-JP" altLang="en-US" sz="2000" dirty="0" smtClean="0"/>
+              <a:t>倒すことができる</a:t>
+            </a:r>
+            <a:endParaRPr lang="en-US" altLang="ja-JP" sz="2000" dirty="0" smtClean="0"/>
+          </a:p>
+          <a:p>
+            <a:r>
+              <a:rPr lang="ja-JP" altLang="en-US" sz="2000" dirty="0"/>
+              <a:t>マップ</a:t>
+            </a:r>
+            <a:r>
+              <a:rPr lang="ja-JP" altLang="en-US" sz="2000" dirty="0" smtClean="0"/>
+              <a:t>を徘徊（固定）</a:t>
+            </a:r>
+            <a:endParaRPr lang="en-US" altLang="ja-JP" sz="2000" dirty="0" smtClean="0"/>
+          </a:p>
+          <a:p>
+            <a:r>
+              <a:rPr lang="ja-JP" altLang="en-US" sz="2000" dirty="0" smtClean="0"/>
+              <a:t>攻撃する</a:t>
+            </a:r>
+            <a:endParaRPr lang="en-US" altLang="ja-JP" sz="2000" dirty="0" smtClean="0"/>
+          </a:p>
+        </p:txBody>
+      </p:sp>
+      <p:sp>
+        <p:nvSpPr>
+          <p:cNvPr id="5" name="タイトル 1"/>
+          <p:cNvSpPr txBox="1">
+            <a:spLocks/>
+          </p:cNvSpPr>
+          <p:nvPr/>
+        </p:nvSpPr>
+        <p:spPr>
+          <a:xfrm>
+            <a:off x="5855111" y="365125"/>
+            <a:ext cx="5016911" cy="735887"/>
+          </a:xfrm>
+          <a:prstGeom prst="rect">
+            <a:avLst/>
+          </a:prstGeom>
+        </p:spPr>
+        <p:txBody>
+          <a:bodyPr vert="horz" lIns="91440" tIns="45720" rIns="91440" bIns="45720" rtlCol="0" anchor="ctr">
+            <a:normAutofit/>
+          </a:bodyPr>
+          <a:lstStyle>
+            <a:lvl1pPr algn="l" defTabSz="914400" rtl="0" eaLnBrk="1" latinLnBrk="0" hangingPunct="1">
+              <a:lnSpc>
+                <a:spcPct val="90000"/>
+              </a:lnSpc>
+              <a:spcBef>
+                <a:spcPct val="0"/>
+              </a:spcBef>
+              <a:buNone/>
+              <a:defRPr kumimoji="1" sz="4400" kern="1200">
+                <a:solidFill>
+                  <a:schemeClr val="tx1"/>
+                </a:solidFill>
+                <a:latin typeface="+mj-lt"/>
+                <a:ea typeface="+mj-ea"/>
+                <a:cs typeface="+mj-cs"/>
+              </a:defRPr>
+            </a:lvl1pPr>
+          </a:lstStyle>
+          <a:p>
+            <a:r>
+              <a:rPr lang="ja-JP" altLang="en-US" sz="2000" dirty="0" smtClean="0"/>
+              <a:t>ボス</a:t>
+            </a:r>
+            <a:endParaRPr lang="ja-JP" altLang="en-US" sz="2000" dirty="0"/>
+          </a:p>
+        </p:txBody>
+      </p:sp>
+      <p:sp>
+        <p:nvSpPr>
+          <p:cNvPr id="6" name="コンテンツ プレースホルダー 2"/>
+          <p:cNvSpPr txBox="1">
+            <a:spLocks/>
+          </p:cNvSpPr>
+          <p:nvPr/>
+        </p:nvSpPr>
+        <p:spPr>
+          <a:xfrm>
+            <a:off x="5855111" y="1287624"/>
+            <a:ext cx="4911213" cy="1698172"/>
+          </a:xfrm>
+          <a:prstGeom prst="rect">
+            <a:avLst/>
+          </a:prstGeom>
+        </p:spPr>
+        <p:txBody>
+          <a:bodyPr vert="horz" lIns="91440" tIns="45720" rIns="91440" bIns="45720" rtlCol="0">
+            <a:normAutofit/>
+          </a:bodyPr>
+          <a:lstStyle>
+            <a:lvl1pPr marL="228600" indent="-228600" algn="l" defTabSz="914400" rtl="0" eaLnBrk="1" latinLnBrk="0" hangingPunct="1">
+              <a:lnSpc>
+                <a:spcPct val="90000"/>
+              </a:lnSpc>
+              <a:spcBef>
+                <a:spcPts val="1000"/>
+              </a:spcBef>
+              <a:buFont typeface="Arial" panose="020B0604020202020204" pitchFamily="34" charset="0"/>
+              <a:buChar char="•"/>
+              <a:defRPr kumimoji="1" sz="2800" kern="1200">
+                <a:solidFill>
+                  <a:schemeClr val="tx1"/>
+                </a:solidFill>
+                <a:latin typeface="+mn-lt"/>
+                <a:ea typeface="+mn-ea"/>
+                <a:cs typeface="+mn-cs"/>
+              </a:defRPr>
+            </a:lvl1pPr>
+            <a:lvl2pPr marL="685800" indent="-228600" algn="l" defTabSz="914400" rtl="0" eaLnBrk="1" latinLnBrk="0" hangingPunct="1">
+              <a:lnSpc>
+                <a:spcPct val="90000"/>
+              </a:lnSpc>
+              <a:spcBef>
+                <a:spcPts val="500"/>
+              </a:spcBef>
+              <a:buFont typeface="Arial" panose="020B0604020202020204" pitchFamily="34" charset="0"/>
+              <a:buChar char="•"/>
+              <a:defRPr kumimoji="1" sz="2400" kern="1200">
+                <a:solidFill>
+                  <a:schemeClr val="tx1"/>
+                </a:solidFill>
+                <a:latin typeface="+mn-lt"/>
+                <a:ea typeface="+mn-ea"/>
+                <a:cs typeface="+mn-cs"/>
+              </a:defRPr>
+            </a:lvl2pPr>
+            <a:lvl3pPr marL="1143000" indent="-228600" algn="l" defTabSz="914400" rtl="0" eaLnBrk="1" latinLnBrk="0" hangingPunct="1">
+              <a:lnSpc>
+                <a:spcPct val="90000"/>
+              </a:lnSpc>
+              <a:spcBef>
+                <a:spcPts val="500"/>
+              </a:spcBef>
+              <a:buFont typeface="Arial" panose="020B0604020202020204" pitchFamily="34" charset="0"/>
+              <a:buChar char="•"/>
+              <a:defRPr kumimoji="1" sz="2000" kern="1200">
+                <a:solidFill>
+                  <a:schemeClr val="tx1"/>
+                </a:solidFill>
+                <a:latin typeface="+mn-lt"/>
+                <a:ea typeface="+mn-ea"/>
+                <a:cs typeface="+mn-cs"/>
+              </a:defRPr>
+            </a:lvl3pPr>
+            <a:lvl4pPr marL="1600200" indent="-228600" algn="l" defTabSz="914400" rtl="0" eaLnBrk="1" latinLnBrk="0" hangingPunct="1">
+              <a:lnSpc>
+                <a:spcPct val="90000"/>
+              </a:lnSpc>
+              <a:spcBef>
+                <a:spcPts val="500"/>
+              </a:spcBef>
+              <a:buFont typeface="Arial" panose="020B0604020202020204" pitchFamily="34" charset="0"/>
+              <a:buChar char="•"/>
+              <a:defRPr kumimoji="1" sz="1800" kern="1200">
+                <a:solidFill>
+                  <a:schemeClr val="tx1"/>
+                </a:solidFill>
+                <a:latin typeface="+mn-lt"/>
+                <a:ea typeface="+mn-ea"/>
+                <a:cs typeface="+mn-cs"/>
+              </a:defRPr>
+            </a:lvl4pPr>
+            <a:lvl5pPr marL="2057400" indent="-228600" algn="l" defTabSz="914400" rtl="0" eaLnBrk="1" latinLnBrk="0" hangingPunct="1">
+              <a:lnSpc>
+                <a:spcPct val="90000"/>
+              </a:lnSpc>
+              <a:spcBef>
+                <a:spcPts val="500"/>
+              </a:spcBef>
+              <a:buFont typeface="Arial" panose="020B0604020202020204" pitchFamily="34" charset="0"/>
+              <a:buChar char="•"/>
+              <a:defRPr kumimoji="1" sz="1800" kern="1200">
+                <a:solidFill>
+                  <a:schemeClr val="tx1"/>
+                </a:solidFill>
+                <a:latin typeface="+mn-lt"/>
+                <a:ea typeface="+mn-ea"/>
+                <a:cs typeface="+mn-cs"/>
+              </a:defRPr>
+            </a:lvl5pPr>
+            <a:lvl6pPr marL="2514600" indent="-228600" algn="l" defTabSz="914400" rtl="0" eaLnBrk="1" latinLnBrk="0" hangingPunct="1">
+              <a:lnSpc>
+                <a:spcPct val="90000"/>
+              </a:lnSpc>
+              <a:spcBef>
+                <a:spcPts val="500"/>
+              </a:spcBef>
+              <a:buFont typeface="Arial" panose="020B0604020202020204" pitchFamily="34" charset="0"/>
+              <a:buChar char="•"/>
+              <a:defRPr kumimoji="1" sz="1800" kern="1200">
+                <a:solidFill>
+                  <a:schemeClr val="tx1"/>
+                </a:solidFill>
+                <a:latin typeface="+mn-lt"/>
+                <a:ea typeface="+mn-ea"/>
+                <a:cs typeface="+mn-cs"/>
+              </a:defRPr>
+            </a:lvl6pPr>
+            <a:lvl7pPr marL="2971800" indent="-228600" algn="l" defTabSz="914400" rtl="0" eaLnBrk="1" latinLnBrk="0" hangingPunct="1">
+              <a:lnSpc>
+                <a:spcPct val="90000"/>
+              </a:lnSpc>
+              <a:spcBef>
+                <a:spcPts val="500"/>
+              </a:spcBef>
+              <a:buFont typeface="Arial" panose="020B0604020202020204" pitchFamily="34" charset="0"/>
+              <a:buChar char="•"/>
+              <a:defRPr kumimoji="1" sz="1800" kern="1200">
+                <a:solidFill>
+                  <a:schemeClr val="tx1"/>
+                </a:solidFill>
+                <a:latin typeface="+mn-lt"/>
+                <a:ea typeface="+mn-ea"/>
+                <a:cs typeface="+mn-cs"/>
+              </a:defRPr>
+            </a:lvl7pPr>
+            <a:lvl8pPr marL="3429000" indent="-228600" algn="l" defTabSz="914400" rtl="0" eaLnBrk="1" latinLnBrk="0" hangingPunct="1">
+              <a:lnSpc>
+                <a:spcPct val="90000"/>
+              </a:lnSpc>
+              <a:spcBef>
+                <a:spcPts val="500"/>
+              </a:spcBef>
+              <a:buFont typeface="Arial" panose="020B0604020202020204" pitchFamily="34" charset="0"/>
+              <a:buChar char="•"/>
+              <a:defRPr kumimoji="1" sz="1800" kern="1200">
+                <a:solidFill>
+                  <a:schemeClr val="tx1"/>
+                </a:solidFill>
+                <a:latin typeface="+mn-lt"/>
+                <a:ea typeface="+mn-ea"/>
+                <a:cs typeface="+mn-cs"/>
+              </a:defRPr>
+            </a:lvl8pPr>
+            <a:lvl9pPr marL="3886200" indent="-228600" algn="l" defTabSz="914400" rtl="0" eaLnBrk="1" latinLnBrk="0" hangingPunct="1">
+              <a:lnSpc>
+                <a:spcPct val="90000"/>
+              </a:lnSpc>
+              <a:spcBef>
+                <a:spcPts val="500"/>
+              </a:spcBef>
+              <a:buFont typeface="Arial" panose="020B0604020202020204" pitchFamily="34" charset="0"/>
+              <a:buChar char="•"/>
+              <a:defRPr kumimoji="1" sz="1800" kern="1200">
+                <a:solidFill>
+                  <a:schemeClr val="tx1"/>
+                </a:solidFill>
+                <a:latin typeface="+mn-lt"/>
+                <a:ea typeface="+mn-ea"/>
+                <a:cs typeface="+mn-cs"/>
+              </a:defRPr>
+            </a:lvl9pPr>
+          </a:lstStyle>
+          <a:p>
+            <a:r>
+              <a:rPr lang="ja-JP" altLang="en-US" sz="2000" dirty="0" smtClean="0"/>
+              <a:t>倒すことはできない</a:t>
+            </a:r>
+            <a:endParaRPr lang="en-US" altLang="ja-JP" sz="2000" dirty="0" smtClean="0"/>
+          </a:p>
+          <a:p>
+            <a:r>
+              <a:rPr lang="ja-JP" altLang="en-US" sz="2000" dirty="0" smtClean="0"/>
+              <a:t>当たると即ゲームオーバー</a:t>
+            </a:r>
+            <a:endParaRPr lang="en-US" altLang="ja-JP" sz="2000" dirty="0" smtClean="0"/>
+          </a:p>
+          <a:p>
+            <a:r>
+              <a:rPr lang="ja-JP" altLang="en-US" sz="2000" dirty="0" smtClean="0"/>
+              <a:t>トラップに引っ掛かると一時的に動かなくなる</a:t>
+            </a:r>
+            <a:endParaRPr lang="en-US" altLang="ja-JP" sz="2000" dirty="0" smtClean="0"/>
+          </a:p>
+        </p:txBody>
+      </p:sp>
+      <p:sp>
+        <p:nvSpPr>
+          <p:cNvPr id="7" name="タイトル 1"/>
+          <p:cNvSpPr txBox="1">
+            <a:spLocks/>
+          </p:cNvSpPr>
+          <p:nvPr/>
+        </p:nvSpPr>
+        <p:spPr>
+          <a:xfrm>
+            <a:off x="3612502" y="3172408"/>
+            <a:ext cx="5016911" cy="735887"/>
+          </a:xfrm>
+          <a:prstGeom prst="rect">
+            <a:avLst/>
+          </a:prstGeom>
+        </p:spPr>
+        <p:txBody>
+          <a:bodyPr vert="horz" lIns="91440" tIns="45720" rIns="91440" bIns="45720" rtlCol="0" anchor="ctr">
+            <a:normAutofit/>
+          </a:bodyPr>
+          <a:lstStyle>
+            <a:lvl1pPr algn="l" defTabSz="914400" rtl="0" eaLnBrk="1" latinLnBrk="0" hangingPunct="1">
+              <a:lnSpc>
+                <a:spcPct val="90000"/>
+              </a:lnSpc>
+              <a:spcBef>
+                <a:spcPct val="0"/>
+              </a:spcBef>
+              <a:buNone/>
+              <a:defRPr kumimoji="1" sz="4400" kern="1200">
+                <a:solidFill>
+                  <a:schemeClr val="tx1"/>
+                </a:solidFill>
+                <a:latin typeface="+mj-lt"/>
+                <a:ea typeface="+mj-ea"/>
+                <a:cs typeface="+mj-cs"/>
+              </a:defRPr>
+            </a:lvl1pPr>
+          </a:lstStyle>
+          <a:p>
+            <a:r>
+              <a:rPr lang="ja-JP" altLang="en-US" sz="2000" dirty="0"/>
+              <a:t>共通</a:t>
+            </a:r>
+          </a:p>
+        </p:txBody>
+      </p:sp>
+      <p:sp>
+        <p:nvSpPr>
+          <p:cNvPr id="8" name="コンテンツ プレースホルダー 2"/>
+          <p:cNvSpPr txBox="1">
+            <a:spLocks/>
+          </p:cNvSpPr>
+          <p:nvPr/>
+        </p:nvSpPr>
+        <p:spPr>
+          <a:xfrm>
+            <a:off x="838199" y="4094907"/>
+            <a:ext cx="10395858" cy="2057077"/>
+          </a:xfrm>
+          <a:prstGeom prst="rect">
+            <a:avLst/>
+          </a:prstGeom>
+        </p:spPr>
+        <p:txBody>
+          <a:bodyPr vert="horz" lIns="91440" tIns="45720" rIns="91440" bIns="45720" rtlCol="0">
+            <a:normAutofit/>
+          </a:bodyPr>
+          <a:lstStyle>
+            <a:lvl1pPr marL="228600" indent="-228600" algn="l" defTabSz="914400" rtl="0" eaLnBrk="1" latinLnBrk="0" hangingPunct="1">
+              <a:lnSpc>
+                <a:spcPct val="90000"/>
+              </a:lnSpc>
+              <a:spcBef>
+                <a:spcPts val="1000"/>
+              </a:spcBef>
+              <a:buFont typeface="Arial" panose="020B0604020202020204" pitchFamily="34" charset="0"/>
+              <a:buChar char="•"/>
+              <a:defRPr kumimoji="1" sz="2800" kern="1200">
+                <a:solidFill>
+                  <a:schemeClr val="tx1"/>
+                </a:solidFill>
+                <a:latin typeface="+mn-lt"/>
+                <a:ea typeface="+mn-ea"/>
+                <a:cs typeface="+mn-cs"/>
+              </a:defRPr>
+            </a:lvl1pPr>
+            <a:lvl2pPr marL="685800" indent="-228600" algn="l" defTabSz="914400" rtl="0" eaLnBrk="1" latinLnBrk="0" hangingPunct="1">
+              <a:lnSpc>
+                <a:spcPct val="90000"/>
+              </a:lnSpc>
+              <a:spcBef>
+                <a:spcPts val="500"/>
+              </a:spcBef>
+              <a:buFont typeface="Arial" panose="020B0604020202020204" pitchFamily="34" charset="0"/>
+              <a:buChar char="•"/>
+              <a:defRPr kumimoji="1" sz="2400" kern="1200">
+                <a:solidFill>
+                  <a:schemeClr val="tx1"/>
+                </a:solidFill>
+                <a:latin typeface="+mn-lt"/>
+                <a:ea typeface="+mn-ea"/>
+                <a:cs typeface="+mn-cs"/>
+              </a:defRPr>
+            </a:lvl2pPr>
+            <a:lvl3pPr marL="1143000" indent="-228600" algn="l" defTabSz="914400" rtl="0" eaLnBrk="1" latinLnBrk="0" hangingPunct="1">
+              <a:lnSpc>
+                <a:spcPct val="90000"/>
+              </a:lnSpc>
+              <a:spcBef>
+                <a:spcPts val="500"/>
+              </a:spcBef>
+              <a:buFont typeface="Arial" panose="020B0604020202020204" pitchFamily="34" charset="0"/>
+              <a:buChar char="•"/>
+              <a:defRPr kumimoji="1" sz="2000" kern="1200">
+                <a:solidFill>
+                  <a:schemeClr val="tx1"/>
+                </a:solidFill>
+                <a:latin typeface="+mn-lt"/>
+                <a:ea typeface="+mn-ea"/>
+                <a:cs typeface="+mn-cs"/>
+              </a:defRPr>
+            </a:lvl3pPr>
+            <a:lvl4pPr marL="1600200" indent="-228600" algn="l" defTabSz="914400" rtl="0" eaLnBrk="1" latinLnBrk="0" hangingPunct="1">
+              <a:lnSpc>
+                <a:spcPct val="90000"/>
+              </a:lnSpc>
+              <a:spcBef>
+                <a:spcPts val="500"/>
+              </a:spcBef>
+              <a:buFont typeface="Arial" panose="020B0604020202020204" pitchFamily="34" charset="0"/>
+              <a:buChar char="•"/>
+              <a:defRPr kumimoji="1" sz="1800" kern="1200">
+                <a:solidFill>
+                  <a:schemeClr val="tx1"/>
+                </a:solidFill>
+                <a:latin typeface="+mn-lt"/>
+                <a:ea typeface="+mn-ea"/>
+                <a:cs typeface="+mn-cs"/>
+              </a:defRPr>
+            </a:lvl4pPr>
+            <a:lvl5pPr marL="2057400" indent="-228600" algn="l" defTabSz="914400" rtl="0" eaLnBrk="1" latinLnBrk="0" hangingPunct="1">
+              <a:lnSpc>
+                <a:spcPct val="90000"/>
+              </a:lnSpc>
+              <a:spcBef>
+                <a:spcPts val="500"/>
+              </a:spcBef>
+              <a:buFont typeface="Arial" panose="020B0604020202020204" pitchFamily="34" charset="0"/>
+              <a:buChar char="•"/>
+              <a:defRPr kumimoji="1" sz="1800" kern="1200">
+                <a:solidFill>
+                  <a:schemeClr val="tx1"/>
+                </a:solidFill>
+                <a:latin typeface="+mn-lt"/>
+                <a:ea typeface="+mn-ea"/>
+                <a:cs typeface="+mn-cs"/>
+              </a:defRPr>
+            </a:lvl5pPr>
+            <a:lvl6pPr marL="2514600" indent="-228600" algn="l" defTabSz="914400" rtl="0" eaLnBrk="1" latinLnBrk="0" hangingPunct="1">
+              <a:lnSpc>
+                <a:spcPct val="90000"/>
+              </a:lnSpc>
+              <a:spcBef>
+                <a:spcPts val="500"/>
+              </a:spcBef>
+              <a:buFont typeface="Arial" panose="020B0604020202020204" pitchFamily="34" charset="0"/>
+              <a:buChar char="•"/>
+              <a:defRPr kumimoji="1" sz="1800" kern="1200">
+                <a:solidFill>
+                  <a:schemeClr val="tx1"/>
+                </a:solidFill>
+                <a:latin typeface="+mn-lt"/>
+                <a:ea typeface="+mn-ea"/>
+                <a:cs typeface="+mn-cs"/>
+              </a:defRPr>
+            </a:lvl6pPr>
+            <a:lvl7pPr marL="2971800" indent="-228600" algn="l" defTabSz="914400" rtl="0" eaLnBrk="1" latinLnBrk="0" hangingPunct="1">
+              <a:lnSpc>
+                <a:spcPct val="90000"/>
+              </a:lnSpc>
+              <a:spcBef>
+                <a:spcPts val="500"/>
+              </a:spcBef>
+              <a:buFont typeface="Arial" panose="020B0604020202020204" pitchFamily="34" charset="0"/>
+              <a:buChar char="•"/>
+              <a:defRPr kumimoji="1" sz="1800" kern="1200">
+                <a:solidFill>
+                  <a:schemeClr val="tx1"/>
+                </a:solidFill>
+                <a:latin typeface="+mn-lt"/>
+                <a:ea typeface="+mn-ea"/>
+                <a:cs typeface="+mn-cs"/>
+              </a:defRPr>
+            </a:lvl7pPr>
+            <a:lvl8pPr marL="3429000" indent="-228600" algn="l" defTabSz="914400" rtl="0" eaLnBrk="1" latinLnBrk="0" hangingPunct="1">
+              <a:lnSpc>
+                <a:spcPct val="90000"/>
+              </a:lnSpc>
+              <a:spcBef>
+                <a:spcPts val="500"/>
+              </a:spcBef>
+              <a:buFont typeface="Arial" panose="020B0604020202020204" pitchFamily="34" charset="0"/>
+              <a:buChar char="•"/>
+              <a:defRPr kumimoji="1" sz="1800" kern="1200">
+                <a:solidFill>
+                  <a:schemeClr val="tx1"/>
+                </a:solidFill>
+                <a:latin typeface="+mn-lt"/>
+                <a:ea typeface="+mn-ea"/>
+                <a:cs typeface="+mn-cs"/>
+              </a:defRPr>
+            </a:lvl8pPr>
+            <a:lvl9pPr marL="3886200" indent="-228600" algn="l" defTabSz="914400" rtl="0" eaLnBrk="1" latinLnBrk="0" hangingPunct="1">
+              <a:lnSpc>
+                <a:spcPct val="90000"/>
+              </a:lnSpc>
+              <a:spcBef>
+                <a:spcPts val="500"/>
+              </a:spcBef>
+              <a:buFont typeface="Arial" panose="020B0604020202020204" pitchFamily="34" charset="0"/>
+              <a:buChar char="•"/>
+              <a:defRPr kumimoji="1" sz="1800" kern="1200">
+                <a:solidFill>
+                  <a:schemeClr val="tx1"/>
+                </a:solidFill>
+                <a:latin typeface="+mn-lt"/>
+                <a:ea typeface="+mn-ea"/>
+                <a:cs typeface="+mn-cs"/>
+              </a:defRPr>
+            </a:lvl9pPr>
+          </a:lstStyle>
+          <a:p>
+            <a:r>
+              <a:rPr lang="ja-JP" altLang="en-US" sz="2000" dirty="0" smtClean="0"/>
+              <a:t>制限時間が少なくなると敵やボスが増える</a:t>
+            </a:r>
+            <a:endParaRPr lang="en-US" altLang="ja-JP" sz="2000" dirty="0" smtClean="0"/>
+          </a:p>
+          <a:p>
+            <a:endParaRPr lang="en-US" altLang="ja-JP" sz="2000" dirty="0" smtClean="0"/>
+          </a:p>
+          <a:p>
+            <a:endParaRPr lang="en-US" altLang="ja-JP" sz="2000" dirty="0" smtClean="0"/>
+          </a:p>
+          <a:p>
             <a:endParaRPr lang="en-US" altLang="ja-JP" sz="2000" dirty="0" smtClean="0"/>
           </a:p>
         </p:txBody>
@@ -4430,7 +6012,7 @@
 </p:sld>
 </file>
 
-<file path=ppt/slides/slide2.xml><?xml version="1.0" encoding="utf-8"?>
+<file path=ppt/slides/slide5.xml><?xml version="1.0" encoding="utf-8"?>
 <p:sld xmlns:a="http://schemas.openxmlformats.org/drawingml/2006/main" xmlns:r="http://schemas.openxmlformats.org/officeDocument/2006/relationships" xmlns:p="http://schemas.openxmlformats.org/presentationml/2006/main">
   <p:cSld>
     <p:spTree>
@@ -4734,283 +6316,7 @@
 </p:sld>
 </file>
 
-<file path=ppt/slides/slide3.xml><?xml version="1.0" encoding="utf-8"?>
-<p:sld xmlns:a="http://schemas.openxmlformats.org/drawingml/2006/main" xmlns:r="http://schemas.openxmlformats.org/officeDocument/2006/relationships" xmlns:p="http://schemas.openxmlformats.org/presentationml/2006/main">
-  <p:cSld>
-    <p:spTree>
-      <p:nvGrpSpPr>
-        <p:cNvPr id="1" name=""/>
-        <p:cNvGrpSpPr/>
-        <p:nvPr/>
-      </p:nvGrpSpPr>
-      <p:grpSpPr>
-        <a:xfrm>
-          <a:off x="0" y="0"/>
-          <a:ext cx="0" cy="0"/>
-          <a:chOff x="0" y="0"/>
-          <a:chExt cx="0" cy="0"/>
-        </a:xfrm>
-      </p:grpSpPr>
-      <p:sp>
-        <p:nvSpPr>
-          <p:cNvPr id="2" name="タイトル 1"/>
-          <p:cNvSpPr>
-            <a:spLocks noGrp="1"/>
-          </p:cNvSpPr>
-          <p:nvPr>
-            <p:ph type="title"/>
-          </p:nvPr>
-        </p:nvSpPr>
-        <p:spPr>
-          <a:xfrm>
-            <a:off x="838200" y="365125"/>
-            <a:ext cx="2399522" cy="521283"/>
-          </a:xfrm>
-        </p:spPr>
-        <p:txBody>
-          <a:bodyPr>
-            <a:normAutofit/>
-          </a:bodyPr>
-          <a:lstStyle/>
-          <a:p>
-            <a:r>
-              <a:rPr kumimoji="1" lang="ja-JP" altLang="en-US" sz="2400" dirty="0" smtClean="0"/>
-              <a:t>変身</a:t>
-            </a:r>
-            <a:endParaRPr kumimoji="1" lang="ja-JP" altLang="en-US" sz="2400" dirty="0"/>
-          </a:p>
-        </p:txBody>
-      </p:sp>
-      <p:pic>
-        <p:nvPicPr>
-          <p:cNvPr id="8" name="コンテンツ プレースホルダー 3"/>
-          <p:cNvPicPr>
-            <a:picLocks noChangeAspect="1"/>
-          </p:cNvPicPr>
-          <p:nvPr/>
-        </p:nvPicPr>
-        <p:blipFill rotWithShape="1">
-          <a:blip r:embed="rId3"/>
-          <a:srcRect l="50295" t="24414" r="37098" b="63670"/>
-          <a:stretch/>
-        </p:blipFill>
-        <p:spPr>
-          <a:xfrm>
-            <a:off x="1470531" y="1383030"/>
-            <a:ext cx="2909570" cy="1546860"/>
-          </a:xfrm>
-          <a:prstGeom prst="rect">
-            <a:avLst/>
-          </a:prstGeom>
-        </p:spPr>
-      </p:pic>
-      <p:pic>
-        <p:nvPicPr>
-          <p:cNvPr id="9" name="コンテンツ プレースホルダー 3"/>
-          <p:cNvPicPr>
-            <a:picLocks noChangeAspect="1"/>
-          </p:cNvPicPr>
-          <p:nvPr/>
-        </p:nvPicPr>
-        <p:blipFill rotWithShape="1">
-          <a:blip r:embed="rId3"/>
-          <a:srcRect l="63452" t="24414" r="24094" b="63723"/>
-          <a:stretch/>
-        </p:blipFill>
-        <p:spPr>
-          <a:xfrm>
-            <a:off x="7239960" y="1389839"/>
-            <a:ext cx="2874226" cy="1540051"/>
-          </a:xfrm>
-          <a:prstGeom prst="rect">
-            <a:avLst/>
-          </a:prstGeom>
-        </p:spPr>
-      </p:pic>
-      <p:pic>
-        <p:nvPicPr>
-          <p:cNvPr id="10" name="コンテンツ プレースホルダー 3"/>
-          <p:cNvPicPr>
-            <a:picLocks noChangeAspect="1"/>
-          </p:cNvPicPr>
-          <p:nvPr/>
-        </p:nvPicPr>
-        <p:blipFill rotWithShape="1">
-          <a:blip r:embed="rId3"/>
-          <a:srcRect l="50295" t="37177" r="37138" b="50938"/>
-          <a:stretch/>
-        </p:blipFill>
-        <p:spPr>
-          <a:xfrm>
-            <a:off x="1470531" y="3696511"/>
-            <a:ext cx="2900167" cy="1542884"/>
-          </a:xfrm>
-          <a:prstGeom prst="rect">
-            <a:avLst/>
-          </a:prstGeom>
-        </p:spPr>
-      </p:pic>
-      <p:pic>
-        <p:nvPicPr>
-          <p:cNvPr id="11" name="コンテンツ プレースホルダー 3"/>
-          <p:cNvPicPr>
-            <a:picLocks noChangeAspect="1"/>
-          </p:cNvPicPr>
-          <p:nvPr/>
-        </p:nvPicPr>
-        <p:blipFill rotWithShape="1">
-          <a:blip r:embed="rId3"/>
-          <a:srcRect l="63536" t="37177" r="24094" b="50938"/>
-          <a:stretch/>
-        </p:blipFill>
-        <p:spPr>
-          <a:xfrm>
-            <a:off x="7259415" y="3698100"/>
-            <a:ext cx="2854771" cy="1542884"/>
-          </a:xfrm>
-          <a:prstGeom prst="rect">
-            <a:avLst/>
-          </a:prstGeom>
-        </p:spPr>
-      </p:pic>
-      <p:sp>
-        <p:nvSpPr>
-          <p:cNvPr id="13" name="テキスト ボックス 12"/>
-          <p:cNvSpPr txBox="1"/>
-          <p:nvPr/>
-        </p:nvSpPr>
-        <p:spPr>
-          <a:xfrm>
-            <a:off x="1097038" y="3128534"/>
-            <a:ext cx="3647152" cy="369332"/>
-          </a:xfrm>
-          <a:prstGeom prst="rect">
-            <a:avLst/>
-          </a:prstGeom>
-          <a:noFill/>
-        </p:spPr>
-        <p:txBody>
-          <a:bodyPr wrap="none" rtlCol="0">
-            <a:spAutoFit/>
-          </a:bodyPr>
-          <a:lstStyle/>
-          <a:p>
-            <a:r>
-              <a:rPr kumimoji="1" lang="ja-JP" altLang="en-US" dirty="0" smtClean="0"/>
-              <a:t>液体状に姿を</a:t>
-            </a:r>
-            <a:r>
-              <a:rPr lang="ja-JP" altLang="en-US" dirty="0" smtClean="0"/>
-              <a:t>変えることができる</a:t>
-            </a:r>
-            <a:endParaRPr kumimoji="1" lang="en-US" altLang="ja-JP" dirty="0" smtClean="0"/>
-          </a:p>
-        </p:txBody>
-      </p:sp>
-      <p:sp>
-        <p:nvSpPr>
-          <p:cNvPr id="14" name="テキスト ボックス 13"/>
-          <p:cNvSpPr txBox="1"/>
-          <p:nvPr/>
-        </p:nvSpPr>
-        <p:spPr>
-          <a:xfrm>
-            <a:off x="866205" y="5438040"/>
-            <a:ext cx="4108817" cy="369332"/>
-          </a:xfrm>
-          <a:prstGeom prst="rect">
-            <a:avLst/>
-          </a:prstGeom>
-          <a:noFill/>
-        </p:spPr>
-        <p:txBody>
-          <a:bodyPr wrap="none" rtlCol="0">
-            <a:spAutoFit/>
-          </a:bodyPr>
-          <a:lstStyle/>
-          <a:p>
-            <a:r>
-              <a:rPr kumimoji="1" lang="ja-JP" altLang="en-US" dirty="0" smtClean="0"/>
-              <a:t>格子状の壁はすり抜けることができる</a:t>
-            </a:r>
-            <a:endParaRPr kumimoji="1" lang="en-US" altLang="ja-JP" dirty="0" smtClean="0"/>
-          </a:p>
-        </p:txBody>
-      </p:sp>
-      <p:sp>
-        <p:nvSpPr>
-          <p:cNvPr id="15" name="テキスト ボックス 14"/>
-          <p:cNvSpPr txBox="1"/>
-          <p:nvPr/>
-        </p:nvSpPr>
-        <p:spPr>
-          <a:xfrm>
-            <a:off x="6391832" y="3128534"/>
-            <a:ext cx="4570482" cy="369332"/>
-          </a:xfrm>
-          <a:prstGeom prst="rect">
-            <a:avLst/>
-          </a:prstGeom>
-          <a:noFill/>
-        </p:spPr>
-        <p:txBody>
-          <a:bodyPr wrap="none" rtlCol="0">
-            <a:spAutoFit/>
-          </a:bodyPr>
-          <a:lstStyle/>
-          <a:p>
-            <a:r>
-              <a:rPr kumimoji="1" lang="ja-JP" altLang="en-US" dirty="0" smtClean="0"/>
-              <a:t>液体状の場合高いところから落ちても平気</a:t>
-            </a:r>
-            <a:endParaRPr kumimoji="1" lang="en-US" altLang="ja-JP" dirty="0" smtClean="0"/>
-          </a:p>
-        </p:txBody>
-      </p:sp>
-      <p:sp>
-        <p:nvSpPr>
-          <p:cNvPr id="16" name="テキスト ボックス 15"/>
-          <p:cNvSpPr txBox="1"/>
-          <p:nvPr/>
-        </p:nvSpPr>
-        <p:spPr>
-          <a:xfrm>
-            <a:off x="6276416" y="5427002"/>
-            <a:ext cx="4801314" cy="369332"/>
-          </a:xfrm>
-          <a:prstGeom prst="rect">
-            <a:avLst/>
-          </a:prstGeom>
-          <a:noFill/>
-        </p:spPr>
-        <p:txBody>
-          <a:bodyPr wrap="none" rtlCol="0">
-            <a:spAutoFit/>
-          </a:bodyPr>
-          <a:lstStyle/>
-          <a:p>
-            <a:r>
-              <a:rPr kumimoji="1" lang="ja-JP" altLang="en-US" dirty="0" smtClean="0"/>
-              <a:t>液体状の姿では段差を超えることができない</a:t>
-            </a:r>
-            <a:endParaRPr kumimoji="1" lang="en-US" altLang="ja-JP" dirty="0" smtClean="0"/>
-          </a:p>
-        </p:txBody>
-      </p:sp>
-    </p:spTree>
-    <p:extLst>
-      <p:ext uri="{BB962C8B-B14F-4D97-AF65-F5344CB8AC3E}">
-        <p14:creationId xmlns:p14="http://schemas.microsoft.com/office/powerpoint/2010/main" val="2149623999"/>
-      </p:ext>
-    </p:extLst>
-  </p:cSld>
-  <p:clrMapOvr>
-    <a:masterClrMapping/>
-  </p:clrMapOvr>
-</p:sld>
-</file>
-
-<file path=ppt/slides/slide4.xml><?xml version="1.0" encoding="utf-8"?>
+<file path=ppt/slides/slide6.xml><?xml version="1.0" encoding="utf-8"?>
 <p:sld xmlns:a="http://schemas.openxmlformats.org/drawingml/2006/main" xmlns:r="http://schemas.openxmlformats.org/officeDocument/2006/relationships" xmlns:p="http://schemas.openxmlformats.org/presentationml/2006/main">
   <p:cSld>
     <p:spTree>

--- a/□□□ゲーム(仮).pptx
+++ b/□□□ゲーム(仮).pptx
@@ -5,15 +5,16 @@
     <p:sldMasterId id="2147483648" r:id="rId1"/>
   </p:sldMasterIdLst>
   <p:notesMasterIdLst>
-    <p:notesMasterId r:id="rId8"/>
+    <p:notesMasterId r:id="rId9"/>
   </p:notesMasterIdLst>
   <p:sldIdLst>
     <p:sldId id="261" r:id="rId2"/>
-    <p:sldId id="262" r:id="rId3"/>
+    <p:sldId id="263" r:id="rId3"/>
     <p:sldId id="259" r:id="rId4"/>
     <p:sldId id="256" r:id="rId5"/>
     <p:sldId id="258" r:id="rId6"/>
     <p:sldId id="257" r:id="rId7"/>
+    <p:sldId id="262" r:id="rId8"/>
   </p:sldIdLst>
   <p:sldSz cx="12192000" cy="6858000"/>
   <p:notesSz cx="6858000" cy="9144000"/>
@@ -202,7 +203,7 @@
           <a:p>
             <a:fld id="{94869531-5E3E-498E-9ECE-00ABEC0EC061}" type="datetimeFigureOut">
               <a:rPr kumimoji="1" lang="ja-JP" altLang="en-US" smtClean="0"/>
-              <a:t>2022/11/2</a:t>
+              <a:t>2022/11/4</a:t>
             </a:fld>
             <a:endParaRPr kumimoji="1" lang="ja-JP" altLang="en-US"/>
           </a:p>
@@ -801,7 +802,7 @@
           <a:p>
             <a:fld id="{2D9CFD7B-CAFF-4F5E-A16F-0D9656959DFA}" type="datetimeFigureOut">
               <a:rPr kumimoji="1" lang="ja-JP" altLang="en-US" smtClean="0"/>
-              <a:t>2022/11/2</a:t>
+              <a:t>2022/11/4</a:t>
             </a:fld>
             <a:endParaRPr kumimoji="1" lang="ja-JP" altLang="en-US"/>
           </a:p>
@@ -1003,7 +1004,7 @@
           <a:p>
             <a:fld id="{2D9CFD7B-CAFF-4F5E-A16F-0D9656959DFA}" type="datetimeFigureOut">
               <a:rPr kumimoji="1" lang="ja-JP" altLang="en-US" smtClean="0"/>
-              <a:t>2022/11/2</a:t>
+              <a:t>2022/11/4</a:t>
             </a:fld>
             <a:endParaRPr kumimoji="1" lang="ja-JP" altLang="en-US"/>
           </a:p>
@@ -1215,7 +1216,7 @@
           <a:p>
             <a:fld id="{2D9CFD7B-CAFF-4F5E-A16F-0D9656959DFA}" type="datetimeFigureOut">
               <a:rPr kumimoji="1" lang="ja-JP" altLang="en-US" smtClean="0"/>
-              <a:t>2022/11/2</a:t>
+              <a:t>2022/11/4</a:t>
             </a:fld>
             <a:endParaRPr kumimoji="1" lang="ja-JP" altLang="en-US"/>
           </a:p>
@@ -1417,7 +1418,7 @@
           <a:p>
             <a:fld id="{2D9CFD7B-CAFF-4F5E-A16F-0D9656959DFA}" type="datetimeFigureOut">
               <a:rPr kumimoji="1" lang="ja-JP" altLang="en-US" smtClean="0"/>
-              <a:t>2022/11/2</a:t>
+              <a:t>2022/11/4</a:t>
             </a:fld>
             <a:endParaRPr kumimoji="1" lang="ja-JP" altLang="en-US"/>
           </a:p>
@@ -1663,7 +1664,7 @@
           <a:p>
             <a:fld id="{2D9CFD7B-CAFF-4F5E-A16F-0D9656959DFA}" type="datetimeFigureOut">
               <a:rPr kumimoji="1" lang="ja-JP" altLang="en-US" smtClean="0"/>
-              <a:t>2022/11/2</a:t>
+              <a:t>2022/11/4</a:t>
             </a:fld>
             <a:endParaRPr kumimoji="1" lang="ja-JP" altLang="en-US"/>
           </a:p>
@@ -1959,7 +1960,7 @@
           <a:p>
             <a:fld id="{2D9CFD7B-CAFF-4F5E-A16F-0D9656959DFA}" type="datetimeFigureOut">
               <a:rPr kumimoji="1" lang="ja-JP" altLang="en-US" smtClean="0"/>
-              <a:t>2022/11/2</a:t>
+              <a:t>2022/11/4</a:t>
             </a:fld>
             <a:endParaRPr kumimoji="1" lang="ja-JP" altLang="en-US"/>
           </a:p>
@@ -2390,7 +2391,7 @@
           <a:p>
             <a:fld id="{2D9CFD7B-CAFF-4F5E-A16F-0D9656959DFA}" type="datetimeFigureOut">
               <a:rPr kumimoji="1" lang="ja-JP" altLang="en-US" smtClean="0"/>
-              <a:t>2022/11/2</a:t>
+              <a:t>2022/11/4</a:t>
             </a:fld>
             <a:endParaRPr kumimoji="1" lang="ja-JP" altLang="en-US"/>
           </a:p>
@@ -2508,7 +2509,7 @@
           <a:p>
             <a:fld id="{2D9CFD7B-CAFF-4F5E-A16F-0D9656959DFA}" type="datetimeFigureOut">
               <a:rPr kumimoji="1" lang="ja-JP" altLang="en-US" smtClean="0"/>
-              <a:t>2022/11/2</a:t>
+              <a:t>2022/11/4</a:t>
             </a:fld>
             <a:endParaRPr kumimoji="1" lang="ja-JP" altLang="en-US"/>
           </a:p>
@@ -2603,7 +2604,7 @@
           <a:p>
             <a:fld id="{2D9CFD7B-CAFF-4F5E-A16F-0D9656959DFA}" type="datetimeFigureOut">
               <a:rPr kumimoji="1" lang="ja-JP" altLang="en-US" smtClean="0"/>
-              <a:t>2022/11/2</a:t>
+              <a:t>2022/11/4</a:t>
             </a:fld>
             <a:endParaRPr kumimoji="1" lang="ja-JP" altLang="en-US"/>
           </a:p>
@@ -2912,7 +2913,7 @@
           <a:p>
             <a:fld id="{2D9CFD7B-CAFF-4F5E-A16F-0D9656959DFA}" type="datetimeFigureOut">
               <a:rPr kumimoji="1" lang="ja-JP" altLang="en-US" smtClean="0"/>
-              <a:t>2022/11/2</a:t>
+              <a:t>2022/11/4</a:t>
             </a:fld>
             <a:endParaRPr kumimoji="1" lang="ja-JP" altLang="en-US"/>
           </a:p>
@@ -3165,7 +3166,7 @@
           <a:p>
             <a:fld id="{2D9CFD7B-CAFF-4F5E-A16F-0D9656959DFA}" type="datetimeFigureOut">
               <a:rPr kumimoji="1" lang="ja-JP" altLang="en-US" smtClean="0"/>
-              <a:t>2022/11/2</a:t>
+              <a:t>2022/11/4</a:t>
             </a:fld>
             <a:endParaRPr kumimoji="1" lang="ja-JP" altLang="en-US"/>
           </a:p>
@@ -3410,7 +3411,7 @@
           <a:p>
             <a:fld id="{2D9CFD7B-CAFF-4F5E-A16F-0D9656959DFA}" type="datetimeFigureOut">
               <a:rPr kumimoji="1" lang="ja-JP" altLang="en-US" smtClean="0"/>
-              <a:t>2022/11/2</a:t>
+              <a:t>2022/11/4</a:t>
             </a:fld>
             <a:endParaRPr kumimoji="1" lang="ja-JP" altLang="en-US"/>
           </a:p>
@@ -3838,7 +3839,7 @@
           <a:lstStyle/>
           <a:p>
             <a:r>
-              <a:rPr lang="ja-JP" altLang="en-US" sz="1400" dirty="0"/>
+              <a:rPr lang="ja-JP" altLang="en-US" sz="1400" dirty="0" smtClean="0"/>
               <a:t>制限</a:t>
             </a:r>
             <a:r>
@@ -3867,12 +3868,12 @@
               <a:buNone/>
             </a:pPr>
             <a:r>
-              <a:rPr lang="en-US" altLang="ja-JP" sz="1400" dirty="0"/>
-              <a:t>	</a:t>
-            </a:r>
-            <a:r>
               <a:rPr lang="ja-JP" altLang="en-US" sz="1400" dirty="0" smtClean="0"/>
-              <a:t>イメージはスペランカーのようなステージ１つ</a:t>
+              <a:t>　　イメージはスペランカーステージ</a:t>
+            </a:r>
+            <a:r>
+              <a:rPr lang="ja-JP" altLang="en-US" sz="1400" dirty="0" smtClean="0"/>
+              <a:t>１つ</a:t>
             </a:r>
             <a:r>
               <a:rPr lang="en-US" altLang="ja-JP" sz="1400" dirty="0" smtClean="0"/>
@@ -3909,6 +3910,7 @@
               <a:rPr kumimoji="1" lang="en-US" altLang="ja-JP" sz="1400" dirty="0" smtClean="0"/>
               <a:t>)</a:t>
             </a:r>
+            <a:endParaRPr kumimoji="1" lang="en-US" altLang="ja-JP" sz="1400" dirty="0" smtClean="0"/>
           </a:p>
           <a:p>
             <a:r>
@@ -4450,8 +4452,8 @@
         </p:nvSpPr>
         <p:spPr>
           <a:xfrm>
-            <a:off x="838200" y="365125"/>
-            <a:ext cx="5665237" cy="735887"/>
+            <a:off x="838199" y="365125"/>
+            <a:ext cx="7344747" cy="735887"/>
           </a:xfrm>
           <a:prstGeom prst="rect">
             <a:avLst/>
@@ -4482,12 +4484,32 @@
           </a:lstStyle>
           <a:p>
             <a:r>
-              <a:rPr lang="en-US" altLang="ja-JP" sz="2000" dirty="0" smtClean="0"/>
-              <a:t>(</a:t>
-            </a:r>
-            <a:r>
               <a:rPr lang="ja-JP" altLang="en-US" sz="2000" dirty="0" smtClean="0"/>
-              <a:t>謎解き</a:t>
+              <a:t>謎解き脱出</a:t>
+            </a:r>
+            <a:r>
+              <a:rPr lang="ja-JP" altLang="en-US" sz="2000" dirty="0" smtClean="0"/>
+              <a:t>＆協力</a:t>
+            </a:r>
+            <a:r>
+              <a:rPr lang="ja-JP" altLang="en-US" sz="2000" dirty="0" smtClean="0"/>
+              <a:t>アクションゲーム</a:t>
+            </a:r>
+            <a:r>
+              <a:rPr lang="en-US" altLang="ja-JP" sz="2000" dirty="0"/>
+              <a:t>(1</a:t>
+            </a:r>
+            <a:r>
+              <a:rPr lang="ja-JP" altLang="en-US" sz="2000" dirty="0"/>
+              <a:t>人～</a:t>
+            </a:r>
+            <a:r>
+              <a:rPr lang="en-US" altLang="ja-JP" sz="2000" dirty="0"/>
+              <a:t>2</a:t>
+            </a:r>
+            <a:r>
+              <a:rPr lang="ja-JP" altLang="en-US" sz="2000" dirty="0"/>
+              <a:t>人プレイ</a:t>
             </a:r>
             <a:r>
               <a:rPr lang="en-US" altLang="ja-JP" sz="2000" dirty="0" smtClean="0"/>
@@ -4495,7 +4517,11 @@
             </a:r>
             <a:r>
               <a:rPr lang="ja-JP" altLang="en-US" sz="2000" dirty="0" smtClean="0"/>
-              <a:t>脱出＆協力アクションゲーム（仮）</a:t>
+              <a:t>（</a:t>
+            </a:r>
+            <a:r>
+              <a:rPr lang="ja-JP" altLang="en-US" sz="2000" dirty="0" smtClean="0"/>
+              <a:t>仮）</a:t>
             </a:r>
             <a:endParaRPr lang="ja-JP" altLang="en-US" sz="2000" dirty="0"/>
           </a:p>
@@ -4511,6 +4537,13 @@
   <p:clrMapOvr>
     <a:masterClrMapping/>
   </p:clrMapOvr>
+  <p:timing>
+    <p:tnLst>
+      <p:par>
+        <p:cTn id="1" dur="indefinite" restart="never" nodeType="tmRoot"/>
+      </p:par>
+    </p:tnLst>
+  </p:timing>
 </p:sld>
 </file>
 
@@ -5110,13 +5143,20 @@
     </p:spTree>
     <p:extLst>
       <p:ext uri="{BB962C8B-B14F-4D97-AF65-F5344CB8AC3E}">
-        <p14:creationId xmlns:p14="http://schemas.microsoft.com/office/powerpoint/2010/main" val="930617658"/>
+        <p14:creationId xmlns:p14="http://schemas.microsoft.com/office/powerpoint/2010/main" val="950368482"/>
       </p:ext>
     </p:extLst>
   </p:cSld>
   <p:clrMapOvr>
     <a:masterClrMapping/>
   </p:clrMapOvr>
+  <p:timing>
+    <p:tnLst>
+      <p:par>
+        <p:cTn id="1" dur="indefinite" restart="never" nodeType="tmRoot"/>
+      </p:par>
+    </p:tnLst>
+  </p:timing>
 </p:sld>
 </file>
 
@@ -5393,6 +5433,13 @@
   <p:clrMapOvr>
     <a:masterClrMapping/>
   </p:clrMapOvr>
+  <p:timing>
+    <p:tnLst>
+      <p:par>
+        <p:cTn id="1" dur="indefinite" restart="never" nodeType="tmRoot"/>
+      </p:par>
+    </p:tnLst>
+  </p:timing>
 </p:sld>
 </file>
 
@@ -6009,6 +6056,13 @@
   <p:clrMapOvr>
     <a:masterClrMapping/>
   </p:clrMapOvr>
+  <p:timing>
+    <p:tnLst>
+      <p:par>
+        <p:cTn id="1" dur="indefinite" restart="never" nodeType="tmRoot"/>
+      </p:par>
+    </p:tnLst>
+  </p:timing>
 </p:sld>
 </file>
 
@@ -6313,6 +6367,13 @@
   <p:clrMapOvr>
     <a:masterClrMapping/>
   </p:clrMapOvr>
+  <p:timing>
+    <p:tnLst>
+      <p:par>
+        <p:cTn id="1" dur="indefinite" restart="never" nodeType="tmRoot"/>
+      </p:par>
+    </p:tnLst>
+  </p:timing>
 </p:sld>
 </file>
 
@@ -6532,6 +6593,613 @@
   <p:clrMapOvr>
     <a:masterClrMapping/>
   </p:clrMapOvr>
+  <p:timing>
+    <p:tnLst>
+      <p:par>
+        <p:cTn id="1" dur="indefinite" restart="never" nodeType="tmRoot"/>
+      </p:par>
+    </p:tnLst>
+  </p:timing>
+</p:sld>
+</file>
+
+<file path=ppt/slides/slide7.xml><?xml version="1.0" encoding="utf-8"?>
+<p:sld xmlns:a="http://schemas.openxmlformats.org/drawingml/2006/main" xmlns:r="http://schemas.openxmlformats.org/officeDocument/2006/relationships" xmlns:p="http://schemas.openxmlformats.org/presentationml/2006/main">
+  <p:cSld>
+    <p:spTree>
+      <p:nvGrpSpPr>
+        <p:cNvPr id="1" name=""/>
+        <p:cNvGrpSpPr/>
+        <p:nvPr/>
+      </p:nvGrpSpPr>
+      <p:grpSpPr>
+        <a:xfrm>
+          <a:off x="0" y="0"/>
+          <a:ext cx="0" cy="0"/>
+          <a:chOff x="0" y="0"/>
+          <a:chExt cx="0" cy="0"/>
+        </a:xfrm>
+      </p:grpSpPr>
+      <p:sp>
+        <p:nvSpPr>
+          <p:cNvPr id="2" name="タイトル 1"/>
+          <p:cNvSpPr>
+            <a:spLocks noGrp="1"/>
+          </p:cNvSpPr>
+          <p:nvPr>
+            <p:ph type="title"/>
+          </p:nvPr>
+        </p:nvSpPr>
+        <p:spPr>
+          <a:xfrm>
+            <a:off x="838200" y="513184"/>
+            <a:ext cx="10515600" cy="494522"/>
+          </a:xfrm>
+        </p:spPr>
+        <p:txBody>
+          <a:bodyPr>
+            <a:normAutofit/>
+          </a:bodyPr>
+          <a:lstStyle/>
+          <a:p>
+            <a:r>
+              <a:rPr lang="ja-JP" altLang="en-US" sz="2400" dirty="0" smtClean="0"/>
+              <a:t>必須</a:t>
+            </a:r>
+            <a:endParaRPr kumimoji="1" lang="ja-JP" altLang="en-US" sz="2400" dirty="0"/>
+          </a:p>
+        </p:txBody>
+      </p:sp>
+      <p:sp>
+        <p:nvSpPr>
+          <p:cNvPr id="6" name="コンテンツ プレースホルダー 2"/>
+          <p:cNvSpPr>
+            <a:spLocks noGrp="1"/>
+          </p:cNvSpPr>
+          <p:nvPr>
+            <p:ph idx="1"/>
+          </p:nvPr>
+        </p:nvSpPr>
+        <p:spPr>
+          <a:xfrm>
+            <a:off x="575187" y="1352939"/>
+            <a:ext cx="5279924" cy="4824024"/>
+          </a:xfrm>
+        </p:spPr>
+        <p:txBody>
+          <a:bodyPr>
+            <a:normAutofit/>
+          </a:bodyPr>
+          <a:lstStyle/>
+          <a:p>
+            <a:pPr marL="0" indent="0">
+              <a:buNone/>
+            </a:pPr>
+            <a:r>
+              <a:rPr lang="ja-JP" altLang="en-US" sz="1600" dirty="0"/>
+              <a:t>機能</a:t>
+            </a:r>
+            <a:endParaRPr kumimoji="1" lang="en-US" altLang="ja-JP" sz="1600" dirty="0" smtClean="0"/>
+          </a:p>
+          <a:p>
+            <a:pPr marL="0" indent="0">
+              <a:buNone/>
+            </a:pPr>
+            <a:r>
+              <a:rPr kumimoji="1" lang="ja-JP" altLang="en-US" sz="1600" dirty="0" smtClean="0"/>
+              <a:t>プレイヤー</a:t>
+            </a:r>
+            <a:endParaRPr kumimoji="1" lang="en-US" altLang="ja-JP" sz="1600" dirty="0" smtClean="0"/>
+          </a:p>
+          <a:p>
+            <a:pPr marL="0" indent="0">
+              <a:buNone/>
+            </a:pPr>
+            <a:r>
+              <a:rPr kumimoji="1" lang="ja-JP" altLang="en-US" sz="1600" dirty="0" smtClean="0"/>
+              <a:t>エネミー</a:t>
+            </a:r>
+            <a:endParaRPr kumimoji="1" lang="en-US" altLang="ja-JP" sz="1600" dirty="0" smtClean="0"/>
+          </a:p>
+          <a:p>
+            <a:pPr marL="0" indent="0">
+              <a:buNone/>
+            </a:pPr>
+            <a:r>
+              <a:rPr lang="ja-JP" altLang="en-US" sz="1600" dirty="0" smtClean="0"/>
+              <a:t>ボス</a:t>
+            </a:r>
+            <a:endParaRPr lang="en-US" altLang="ja-JP" sz="1600" dirty="0" smtClean="0"/>
+          </a:p>
+          <a:p>
+            <a:pPr marL="0" indent="0">
+              <a:buNone/>
+            </a:pPr>
+            <a:r>
+              <a:rPr kumimoji="1" lang="ja-JP" altLang="en-US" sz="1600" dirty="0" smtClean="0"/>
+              <a:t>マップ</a:t>
+            </a:r>
+            <a:endParaRPr kumimoji="1" lang="en-US" altLang="ja-JP" sz="1600" dirty="0" smtClean="0"/>
+          </a:p>
+          <a:p>
+            <a:pPr marL="0" indent="0">
+              <a:buNone/>
+            </a:pPr>
+            <a:r>
+              <a:rPr lang="ja-JP" altLang="en-US" sz="1600" dirty="0" smtClean="0"/>
+              <a:t>ギミック</a:t>
+            </a:r>
+            <a:endParaRPr lang="en-US" altLang="ja-JP" sz="1600" dirty="0"/>
+          </a:p>
+          <a:p>
+            <a:pPr marL="0" indent="0">
+              <a:buNone/>
+            </a:pPr>
+            <a:r>
+              <a:rPr lang="ja-JP" altLang="en-US" sz="1600" dirty="0" smtClean="0"/>
+              <a:t>当たり</a:t>
+            </a:r>
+            <a:r>
+              <a:rPr lang="ja-JP" altLang="en-US" sz="1600" dirty="0"/>
+              <a:t>判定</a:t>
+            </a:r>
+            <a:endParaRPr lang="en-US" altLang="ja-JP" sz="1600" dirty="0"/>
+          </a:p>
+          <a:p>
+            <a:pPr marL="0" indent="0">
+              <a:buNone/>
+            </a:pPr>
+            <a:r>
+              <a:rPr lang="ja-JP" altLang="en-US" sz="1600" dirty="0"/>
+              <a:t>重力</a:t>
+            </a:r>
+            <a:endParaRPr lang="en-US" altLang="ja-JP" sz="1600" dirty="0"/>
+          </a:p>
+          <a:p>
+            <a:pPr marL="0" indent="0">
+              <a:buNone/>
+            </a:pPr>
+            <a:r>
+              <a:rPr kumimoji="1" lang="ja-JP" altLang="en-US" sz="1600" dirty="0" smtClean="0"/>
+              <a:t>制限時間</a:t>
+            </a:r>
+            <a:endParaRPr kumimoji="1" lang="en-US" altLang="ja-JP" sz="1600" dirty="0" smtClean="0"/>
+          </a:p>
+          <a:p>
+            <a:pPr marL="0" indent="0">
+              <a:buNone/>
+            </a:pPr>
+            <a:r>
+              <a:rPr lang="ja-JP" altLang="en-US" sz="1600" dirty="0"/>
+              <a:t>アイテム</a:t>
+            </a:r>
+            <a:endParaRPr kumimoji="1" lang="en-US" altLang="ja-JP" sz="1600" dirty="0" smtClean="0"/>
+          </a:p>
+          <a:p>
+            <a:pPr marL="0" indent="0">
+              <a:buNone/>
+            </a:pPr>
+            <a:r>
+              <a:rPr lang="ja-JP" altLang="en-US" sz="1600" dirty="0" smtClean="0"/>
+              <a:t>メニュー画面</a:t>
+            </a:r>
+            <a:endParaRPr lang="en-US" altLang="ja-JP" sz="1600" dirty="0" smtClean="0"/>
+          </a:p>
+          <a:p>
+            <a:pPr marL="0" indent="0">
+              <a:buNone/>
+            </a:pPr>
+            <a:r>
+              <a:rPr lang="ja-JP" altLang="en-US" sz="1600" dirty="0"/>
+              <a:t>ストーリー</a:t>
+            </a:r>
+            <a:r>
+              <a:rPr lang="ja-JP" altLang="en-US" sz="1600" dirty="0" smtClean="0"/>
+              <a:t>＆操作説明画面</a:t>
+            </a:r>
+            <a:endParaRPr lang="en-US" altLang="ja-JP" sz="1600" dirty="0"/>
+          </a:p>
+          <a:p>
+            <a:pPr marL="0" indent="0">
+              <a:buNone/>
+            </a:pPr>
+            <a:r>
+              <a:rPr kumimoji="1" lang="ja-JP" altLang="en-US" sz="1600" dirty="0" smtClean="0"/>
+              <a:t>ゲームクリア・オーバー画面</a:t>
+            </a:r>
+            <a:endParaRPr kumimoji="1" lang="en-US" altLang="ja-JP" sz="1600" dirty="0" smtClean="0"/>
+          </a:p>
+          <a:p>
+            <a:pPr marL="0" indent="0">
+              <a:buNone/>
+            </a:pPr>
+            <a:r>
+              <a:rPr lang="ja-JP" altLang="en-US" sz="1600" dirty="0"/>
+              <a:t>タイトル</a:t>
+            </a:r>
+            <a:endParaRPr kumimoji="1" lang="en-US" altLang="ja-JP" sz="1600" dirty="0" smtClean="0"/>
+          </a:p>
+          <a:p>
+            <a:pPr marL="0" indent="0">
+              <a:buNone/>
+            </a:pPr>
+            <a:endParaRPr lang="en-US" altLang="ja-JP" sz="1600" dirty="0"/>
+          </a:p>
+          <a:p>
+            <a:pPr marL="0" indent="0">
+              <a:buNone/>
+            </a:pPr>
+            <a:endParaRPr kumimoji="1" lang="en-US" altLang="ja-JP" sz="1600" dirty="0" smtClean="0"/>
+          </a:p>
+        </p:txBody>
+      </p:sp>
+      <p:sp>
+        <p:nvSpPr>
+          <p:cNvPr id="7" name="コンテンツ プレースホルダー 2"/>
+          <p:cNvSpPr txBox="1">
+            <a:spLocks/>
+          </p:cNvSpPr>
+          <p:nvPr/>
+        </p:nvSpPr>
+        <p:spPr>
+          <a:xfrm>
+            <a:off x="6255775" y="1352939"/>
+            <a:ext cx="5323515" cy="4824024"/>
+          </a:xfrm>
+          <a:prstGeom prst="rect">
+            <a:avLst/>
+          </a:prstGeom>
+        </p:spPr>
+        <p:txBody>
+          <a:bodyPr vert="horz" lIns="91440" tIns="45720" rIns="91440" bIns="45720" rtlCol="0">
+            <a:normAutofit/>
+          </a:bodyPr>
+          <a:lstStyle>
+            <a:lvl1pPr marL="228600" indent="-228600" algn="l" defTabSz="914400" rtl="0" eaLnBrk="1" latinLnBrk="0" hangingPunct="1">
+              <a:lnSpc>
+                <a:spcPct val="90000"/>
+              </a:lnSpc>
+              <a:spcBef>
+                <a:spcPts val="1000"/>
+              </a:spcBef>
+              <a:buFont typeface="Arial" panose="020B0604020202020204" pitchFamily="34" charset="0"/>
+              <a:buChar char="•"/>
+              <a:defRPr kumimoji="1" sz="2800" kern="1200">
+                <a:solidFill>
+                  <a:schemeClr val="tx1"/>
+                </a:solidFill>
+                <a:latin typeface="+mn-lt"/>
+                <a:ea typeface="+mn-ea"/>
+                <a:cs typeface="+mn-cs"/>
+              </a:defRPr>
+            </a:lvl1pPr>
+            <a:lvl2pPr marL="685800" indent="-228600" algn="l" defTabSz="914400" rtl="0" eaLnBrk="1" latinLnBrk="0" hangingPunct="1">
+              <a:lnSpc>
+                <a:spcPct val="90000"/>
+              </a:lnSpc>
+              <a:spcBef>
+                <a:spcPts val="500"/>
+              </a:spcBef>
+              <a:buFont typeface="Arial" panose="020B0604020202020204" pitchFamily="34" charset="0"/>
+              <a:buChar char="•"/>
+              <a:defRPr kumimoji="1" sz="2400" kern="1200">
+                <a:solidFill>
+                  <a:schemeClr val="tx1"/>
+                </a:solidFill>
+                <a:latin typeface="+mn-lt"/>
+                <a:ea typeface="+mn-ea"/>
+                <a:cs typeface="+mn-cs"/>
+              </a:defRPr>
+            </a:lvl2pPr>
+            <a:lvl3pPr marL="1143000" indent="-228600" algn="l" defTabSz="914400" rtl="0" eaLnBrk="1" latinLnBrk="0" hangingPunct="1">
+              <a:lnSpc>
+                <a:spcPct val="90000"/>
+              </a:lnSpc>
+              <a:spcBef>
+                <a:spcPts val="500"/>
+              </a:spcBef>
+              <a:buFont typeface="Arial" panose="020B0604020202020204" pitchFamily="34" charset="0"/>
+              <a:buChar char="•"/>
+              <a:defRPr kumimoji="1" sz="2000" kern="1200">
+                <a:solidFill>
+                  <a:schemeClr val="tx1"/>
+                </a:solidFill>
+                <a:latin typeface="+mn-lt"/>
+                <a:ea typeface="+mn-ea"/>
+                <a:cs typeface="+mn-cs"/>
+              </a:defRPr>
+            </a:lvl3pPr>
+            <a:lvl4pPr marL="1600200" indent="-228600" algn="l" defTabSz="914400" rtl="0" eaLnBrk="1" latinLnBrk="0" hangingPunct="1">
+              <a:lnSpc>
+                <a:spcPct val="90000"/>
+              </a:lnSpc>
+              <a:spcBef>
+                <a:spcPts val="500"/>
+              </a:spcBef>
+              <a:buFont typeface="Arial" panose="020B0604020202020204" pitchFamily="34" charset="0"/>
+              <a:buChar char="•"/>
+              <a:defRPr kumimoji="1" sz="1800" kern="1200">
+                <a:solidFill>
+                  <a:schemeClr val="tx1"/>
+                </a:solidFill>
+                <a:latin typeface="+mn-lt"/>
+                <a:ea typeface="+mn-ea"/>
+                <a:cs typeface="+mn-cs"/>
+              </a:defRPr>
+            </a:lvl4pPr>
+            <a:lvl5pPr marL="2057400" indent="-228600" algn="l" defTabSz="914400" rtl="0" eaLnBrk="1" latinLnBrk="0" hangingPunct="1">
+              <a:lnSpc>
+                <a:spcPct val="90000"/>
+              </a:lnSpc>
+              <a:spcBef>
+                <a:spcPts val="500"/>
+              </a:spcBef>
+              <a:buFont typeface="Arial" panose="020B0604020202020204" pitchFamily="34" charset="0"/>
+              <a:buChar char="•"/>
+              <a:defRPr kumimoji="1" sz="1800" kern="1200">
+                <a:solidFill>
+                  <a:schemeClr val="tx1"/>
+                </a:solidFill>
+                <a:latin typeface="+mn-lt"/>
+                <a:ea typeface="+mn-ea"/>
+                <a:cs typeface="+mn-cs"/>
+              </a:defRPr>
+            </a:lvl5pPr>
+            <a:lvl6pPr marL="2514600" indent="-228600" algn="l" defTabSz="914400" rtl="0" eaLnBrk="1" latinLnBrk="0" hangingPunct="1">
+              <a:lnSpc>
+                <a:spcPct val="90000"/>
+              </a:lnSpc>
+              <a:spcBef>
+                <a:spcPts val="500"/>
+              </a:spcBef>
+              <a:buFont typeface="Arial" panose="020B0604020202020204" pitchFamily="34" charset="0"/>
+              <a:buChar char="•"/>
+              <a:defRPr kumimoji="1" sz="1800" kern="1200">
+                <a:solidFill>
+                  <a:schemeClr val="tx1"/>
+                </a:solidFill>
+                <a:latin typeface="+mn-lt"/>
+                <a:ea typeface="+mn-ea"/>
+                <a:cs typeface="+mn-cs"/>
+              </a:defRPr>
+            </a:lvl6pPr>
+            <a:lvl7pPr marL="2971800" indent="-228600" algn="l" defTabSz="914400" rtl="0" eaLnBrk="1" latinLnBrk="0" hangingPunct="1">
+              <a:lnSpc>
+                <a:spcPct val="90000"/>
+              </a:lnSpc>
+              <a:spcBef>
+                <a:spcPts val="500"/>
+              </a:spcBef>
+              <a:buFont typeface="Arial" panose="020B0604020202020204" pitchFamily="34" charset="0"/>
+              <a:buChar char="•"/>
+              <a:defRPr kumimoji="1" sz="1800" kern="1200">
+                <a:solidFill>
+                  <a:schemeClr val="tx1"/>
+                </a:solidFill>
+                <a:latin typeface="+mn-lt"/>
+                <a:ea typeface="+mn-ea"/>
+                <a:cs typeface="+mn-cs"/>
+              </a:defRPr>
+            </a:lvl7pPr>
+            <a:lvl8pPr marL="3429000" indent="-228600" algn="l" defTabSz="914400" rtl="0" eaLnBrk="1" latinLnBrk="0" hangingPunct="1">
+              <a:lnSpc>
+                <a:spcPct val="90000"/>
+              </a:lnSpc>
+              <a:spcBef>
+                <a:spcPts val="500"/>
+              </a:spcBef>
+              <a:buFont typeface="Arial" panose="020B0604020202020204" pitchFamily="34" charset="0"/>
+              <a:buChar char="•"/>
+              <a:defRPr kumimoji="1" sz="1800" kern="1200">
+                <a:solidFill>
+                  <a:schemeClr val="tx1"/>
+                </a:solidFill>
+                <a:latin typeface="+mn-lt"/>
+                <a:ea typeface="+mn-ea"/>
+                <a:cs typeface="+mn-cs"/>
+              </a:defRPr>
+            </a:lvl8pPr>
+            <a:lvl9pPr marL="3886200" indent="-228600" algn="l" defTabSz="914400" rtl="0" eaLnBrk="1" latinLnBrk="0" hangingPunct="1">
+              <a:lnSpc>
+                <a:spcPct val="90000"/>
+              </a:lnSpc>
+              <a:spcBef>
+                <a:spcPts val="500"/>
+              </a:spcBef>
+              <a:buFont typeface="Arial" panose="020B0604020202020204" pitchFamily="34" charset="0"/>
+              <a:buChar char="•"/>
+              <a:defRPr kumimoji="1" sz="1800" kern="1200">
+                <a:solidFill>
+                  <a:schemeClr val="tx1"/>
+                </a:solidFill>
+                <a:latin typeface="+mn-lt"/>
+                <a:ea typeface="+mn-ea"/>
+                <a:cs typeface="+mn-cs"/>
+              </a:defRPr>
+            </a:lvl9pPr>
+          </a:lstStyle>
+          <a:p>
+            <a:pPr marL="0" indent="0">
+              <a:buFont typeface="Arial" panose="020B0604020202020204" pitchFamily="34" charset="0"/>
+              <a:buNone/>
+            </a:pPr>
+            <a:r>
+              <a:rPr lang="ja-JP" altLang="en-US" sz="1600" dirty="0" smtClean="0"/>
+              <a:t>簡易内容</a:t>
+            </a:r>
+            <a:endParaRPr lang="en-US" altLang="ja-JP" sz="1600" dirty="0" smtClean="0"/>
+          </a:p>
+          <a:p>
+            <a:pPr marL="0" indent="0">
+              <a:buFont typeface="Arial" panose="020B0604020202020204" pitchFamily="34" charset="0"/>
+              <a:buNone/>
+            </a:pPr>
+            <a:r>
+              <a:rPr lang="ja-JP" altLang="en-US" sz="1600" dirty="0" smtClean="0"/>
+              <a:t>脱出</a:t>
+            </a:r>
+            <a:r>
+              <a:rPr lang="en-US" altLang="ja-JP" sz="1600" dirty="0" smtClean="0"/>
+              <a:t>&amp;</a:t>
+            </a:r>
+            <a:r>
+              <a:rPr lang="ja-JP" altLang="en-US" sz="1600" dirty="0" smtClean="0"/>
+              <a:t>協力アクションゲーム</a:t>
+            </a:r>
+            <a:endParaRPr lang="en-US" altLang="ja-JP" sz="1600" dirty="0" smtClean="0"/>
+          </a:p>
+          <a:p>
+            <a:pPr marL="0" indent="0">
+              <a:buFont typeface="Arial" panose="020B0604020202020204" pitchFamily="34" charset="0"/>
+              <a:buNone/>
+            </a:pPr>
+            <a:r>
+              <a:rPr lang="ja-JP" altLang="en-US" sz="1600" dirty="0" smtClean="0"/>
+              <a:t>変身なし</a:t>
+            </a:r>
+            <a:endParaRPr lang="en-US" altLang="ja-JP" sz="1600" dirty="0" smtClean="0"/>
+          </a:p>
+          <a:p>
+            <a:pPr marL="0" indent="0">
+              <a:buFont typeface="Arial" panose="020B0604020202020204" pitchFamily="34" charset="0"/>
+              <a:buNone/>
+            </a:pPr>
+            <a:r>
+              <a:rPr lang="ja-JP" altLang="en-US" sz="1600" dirty="0" smtClean="0"/>
+              <a:t>ボスから逃げ出しクリア</a:t>
+            </a:r>
+            <a:endParaRPr lang="en-US" altLang="ja-JP" sz="1600" dirty="0" smtClean="0"/>
+          </a:p>
+          <a:p>
+            <a:pPr marL="0" indent="0">
+              <a:buFont typeface="Arial" panose="020B0604020202020204" pitchFamily="34" charset="0"/>
+              <a:buNone/>
+            </a:pPr>
+            <a:r>
+              <a:rPr lang="en-US" altLang="ja-JP" sz="1600" dirty="0" smtClean="0"/>
+              <a:t>2</a:t>
+            </a:r>
+            <a:r>
+              <a:rPr lang="ja-JP" altLang="en-US" sz="1600" dirty="0" smtClean="0"/>
+              <a:t>人</a:t>
+            </a:r>
+            <a:r>
+              <a:rPr lang="en-US" altLang="ja-JP" sz="1600" dirty="0" smtClean="0"/>
+              <a:t>(</a:t>
+            </a:r>
+            <a:r>
+              <a:rPr lang="ja-JP" altLang="en-US" sz="1600" dirty="0" smtClean="0"/>
+              <a:t>協力プレイ</a:t>
+            </a:r>
+            <a:r>
+              <a:rPr lang="en-US" altLang="ja-JP" sz="1600" dirty="0" smtClean="0"/>
+              <a:t>)</a:t>
+            </a:r>
+          </a:p>
+          <a:p>
+            <a:pPr marL="0" indent="0">
+              <a:buFont typeface="Arial" panose="020B0604020202020204" pitchFamily="34" charset="0"/>
+              <a:buNone/>
+            </a:pPr>
+            <a:r>
+              <a:rPr lang="ja-JP" altLang="en-US" sz="1600" dirty="0" smtClean="0"/>
+              <a:t>協力プレイの場合味方同士に当たり判定があり</a:t>
+            </a:r>
+            <a:endParaRPr lang="en-US" altLang="ja-JP" sz="1600" dirty="0" smtClean="0"/>
+          </a:p>
+          <a:p>
+            <a:pPr marL="0" indent="0">
+              <a:buFont typeface="Arial" panose="020B0604020202020204" pitchFamily="34" charset="0"/>
+              <a:buNone/>
+            </a:pPr>
+            <a:r>
+              <a:rPr lang="ja-JP" altLang="en-US" sz="1600" dirty="0"/>
+              <a:t>共通</a:t>
+            </a:r>
+            <a:r>
+              <a:rPr lang="ja-JP" altLang="en-US" sz="1600" dirty="0" smtClean="0"/>
+              <a:t>のハート</a:t>
+            </a:r>
+            <a:r>
+              <a:rPr lang="en-US" altLang="ja-JP" sz="1600" dirty="0" smtClean="0"/>
+              <a:t>(</a:t>
+            </a:r>
+            <a:r>
+              <a:rPr lang="ja-JP" altLang="en-US" sz="1600" dirty="0" smtClean="0"/>
+              <a:t>体力</a:t>
+            </a:r>
+            <a:r>
+              <a:rPr lang="en-US" altLang="ja-JP" sz="1600" dirty="0" smtClean="0"/>
+              <a:t>)</a:t>
+            </a:r>
+          </a:p>
+          <a:p>
+            <a:pPr marL="0" indent="0">
+              <a:buFont typeface="Arial" panose="020B0604020202020204" pitchFamily="34" charset="0"/>
+              <a:buNone/>
+            </a:pPr>
+            <a:r>
+              <a:rPr lang="ja-JP" altLang="en-US" sz="1600" dirty="0" smtClean="0"/>
+              <a:t>ハートがなくなるとゲームオーバー</a:t>
+            </a:r>
+            <a:endParaRPr lang="en-US" altLang="ja-JP" sz="1600" dirty="0" smtClean="0"/>
+          </a:p>
+          <a:p>
+            <a:pPr marL="0" indent="0">
+              <a:buFont typeface="Arial" panose="020B0604020202020204" pitchFamily="34" charset="0"/>
+              <a:buNone/>
+            </a:pPr>
+            <a:r>
+              <a:rPr lang="ja-JP" altLang="en-US" sz="1600" dirty="0" smtClean="0"/>
+              <a:t>ワープギミックのみ</a:t>
+            </a:r>
+            <a:r>
+              <a:rPr lang="en-US" altLang="ja-JP" sz="1600" dirty="0" smtClean="0"/>
+              <a:t>(</a:t>
+            </a:r>
+            <a:r>
+              <a:rPr lang="ja-JP" altLang="en-US" sz="1600" dirty="0" smtClean="0"/>
+              <a:t>仮</a:t>
+            </a:r>
+            <a:r>
+              <a:rPr lang="en-US" altLang="ja-JP" sz="1600" dirty="0" smtClean="0"/>
+              <a:t>)</a:t>
+            </a:r>
+            <a:endParaRPr lang="en-US" altLang="ja-JP" sz="1600" dirty="0" smtClean="0"/>
+          </a:p>
+          <a:p>
+            <a:pPr marL="0" indent="0">
+              <a:buFont typeface="Arial" panose="020B0604020202020204" pitchFamily="34" charset="0"/>
+              <a:buNone/>
+            </a:pPr>
+            <a:endParaRPr lang="en-US" altLang="ja-JP" sz="1600" dirty="0"/>
+          </a:p>
+          <a:p>
+            <a:pPr marL="0" indent="0">
+              <a:buFont typeface="Arial" panose="020B0604020202020204" pitchFamily="34" charset="0"/>
+              <a:buNone/>
+            </a:pPr>
+            <a:endParaRPr lang="en-US" altLang="ja-JP" sz="1600" dirty="0" smtClean="0"/>
+          </a:p>
+        </p:txBody>
+      </p:sp>
+    </p:spTree>
+    <p:extLst>
+      <p:ext uri="{BB962C8B-B14F-4D97-AF65-F5344CB8AC3E}">
+        <p14:creationId xmlns:p14="http://schemas.microsoft.com/office/powerpoint/2010/main" val="930617658"/>
+      </p:ext>
+    </p:extLst>
+  </p:cSld>
+  <p:clrMapOvr>
+    <a:masterClrMapping/>
+  </p:clrMapOvr>
+  <p:timing>
+    <p:tnLst>
+      <p:par>
+        <p:cTn id="1" dur="indefinite" restart="never" nodeType="tmRoot"/>
+      </p:par>
+    </p:tnLst>
+  </p:timing>
 </p:sld>
 </file>
 
